--- a/docs/最終発表.pptx
+++ b/docs/最終発表.pptx
@@ -5,23 +5,24 @@
     <p:sldMasterId id="2147483738" r:id="rId1"/>
   </p:sldMasterIdLst>
   <p:notesMasterIdLst>
-    <p:notesMasterId r:id="rId13"/>
+    <p:notesMasterId r:id="rId14"/>
   </p:notesMasterIdLst>
   <p:handoutMasterIdLst>
-    <p:handoutMasterId r:id="rId14"/>
+    <p:handoutMasterId r:id="rId15"/>
   </p:handoutMasterIdLst>
   <p:sldIdLst>
     <p:sldId id="256" r:id="rId2"/>
     <p:sldId id="267" r:id="rId3"/>
     <p:sldId id="257" r:id="rId4"/>
-    <p:sldId id="276" r:id="rId5"/>
-    <p:sldId id="268" r:id="rId6"/>
-    <p:sldId id="269" r:id="rId7"/>
-    <p:sldId id="270" r:id="rId8"/>
-    <p:sldId id="271" r:id="rId9"/>
-    <p:sldId id="272" r:id="rId10"/>
-    <p:sldId id="274" r:id="rId11"/>
-    <p:sldId id="275" r:id="rId12"/>
+    <p:sldId id="269" r:id="rId5"/>
+    <p:sldId id="276" r:id="rId6"/>
+    <p:sldId id="268" r:id="rId7"/>
+    <p:sldId id="277" r:id="rId8"/>
+    <p:sldId id="278" r:id="rId9"/>
+    <p:sldId id="270" r:id="rId10"/>
+    <p:sldId id="271" r:id="rId11"/>
+    <p:sldId id="272" r:id="rId12"/>
+    <p:sldId id="274" r:id="rId13"/>
   </p:sldIdLst>
   <p:sldSz cx="12192000" cy="6858000"/>
   <p:notesSz cx="6858000" cy="9144000"/>
@@ -225,7 +226,7 @@
           <a:p>
             <a:fld id="{9F9A033E-D1F1-45AD-B378-340E885A1806}" type="datetimeFigureOut">
               <a:rPr kumimoji="1" lang="ja-JP" altLang="en-US" smtClean="0"/>
-              <a:t>2021/1/28</a:t>
+              <a:t>2021/1/29</a:t>
             </a:fld>
             <a:endParaRPr kumimoji="1" lang="ja-JP" altLang="en-US"/>
           </a:p>
@@ -402,7 +403,7 @@
           <a:p>
             <a:fld id="{CE120EBB-8C6C-4DEA-8F69-236F8EB798F4}" type="datetimeFigureOut">
               <a:rPr kumimoji="1" lang="ja-JP" altLang="en-US" smtClean="0"/>
-              <a:t>2021/1/28</a:t>
+              <a:t>2021/1/29</a:t>
             </a:fld>
             <a:endParaRPr kumimoji="1" lang="ja-JP" altLang="en-US"/>
           </a:p>
@@ -862,7 +863,7 @@
     </p:spTree>
     <p:extLst>
       <p:ext uri="{BB962C8B-B14F-4D97-AF65-F5344CB8AC3E}">
-        <p14:creationId xmlns:p14="http://schemas.microsoft.com/office/powerpoint/2010/main" val="3389366089"/>
+        <p14:creationId xmlns:p14="http://schemas.microsoft.com/office/powerpoint/2010/main" val="928747071"/>
       </p:ext>
     </p:extLst>
   </p:cSld>
@@ -946,7 +947,91 @@
     </p:spTree>
     <p:extLst>
       <p:ext uri="{BB962C8B-B14F-4D97-AF65-F5344CB8AC3E}">
-        <p14:creationId xmlns:p14="http://schemas.microsoft.com/office/powerpoint/2010/main" val="2614064352"/>
+        <p14:creationId xmlns:p14="http://schemas.microsoft.com/office/powerpoint/2010/main" val="413952031"/>
+      </p:ext>
+    </p:extLst>
+  </p:cSld>
+  <p:clrMapOvr>
+    <a:masterClrMapping/>
+  </p:clrMapOvr>
+</p:notes>
+</file>
+
+<file path=ppt/notesSlides/notesSlide12.xml><?xml version="1.0" encoding="utf-8"?>
+<p:notes xmlns:a="http://schemas.openxmlformats.org/drawingml/2006/main" xmlns:r="http://schemas.openxmlformats.org/officeDocument/2006/relationships" xmlns:p="http://schemas.openxmlformats.org/presentationml/2006/main">
+  <p:cSld>
+    <p:spTree>
+      <p:nvGrpSpPr>
+        <p:cNvPr id="1" name=""/>
+        <p:cNvGrpSpPr/>
+        <p:nvPr/>
+      </p:nvGrpSpPr>
+      <p:grpSpPr>
+        <a:xfrm>
+          <a:off x="0" y="0"/>
+          <a:ext cx="0" cy="0"/>
+          <a:chOff x="0" y="0"/>
+          <a:chExt cx="0" cy="0"/>
+        </a:xfrm>
+      </p:grpSpPr>
+      <p:sp>
+        <p:nvSpPr>
+          <p:cNvPr id="2" name="スライド イメージ プレースホルダー 1"/>
+          <p:cNvSpPr>
+            <a:spLocks noGrp="1" noRot="1" noChangeAspect="1"/>
+          </p:cNvSpPr>
+          <p:nvPr>
+            <p:ph type="sldImg"/>
+          </p:nvPr>
+        </p:nvSpPr>
+        <p:spPr/>
+      </p:sp>
+      <p:sp>
+        <p:nvSpPr>
+          <p:cNvPr id="3" name="ノート プレースホルダー 2"/>
+          <p:cNvSpPr>
+            <a:spLocks noGrp="1"/>
+          </p:cNvSpPr>
+          <p:nvPr>
+            <p:ph type="body" idx="1"/>
+          </p:nvPr>
+        </p:nvSpPr>
+        <p:spPr/>
+        <p:txBody>
+          <a:bodyPr/>
+          <a:lstStyle/>
+          <a:p>
+            <a:endParaRPr kumimoji="1" lang="ja-JP" altLang="en-US"/>
+          </a:p>
+        </p:txBody>
+      </p:sp>
+      <p:sp>
+        <p:nvSpPr>
+          <p:cNvPr id="4" name="スライド番号プレースホルダー 3"/>
+          <p:cNvSpPr>
+            <a:spLocks noGrp="1"/>
+          </p:cNvSpPr>
+          <p:nvPr>
+            <p:ph type="sldNum" sz="quarter" idx="5"/>
+          </p:nvPr>
+        </p:nvSpPr>
+        <p:spPr/>
+        <p:txBody>
+          <a:bodyPr/>
+          <a:lstStyle/>
+          <a:p>
+            <a:fld id="{54FC74C9-A3B3-42D0-9EC6-DE7CEAAF28CE}" type="slidenum">
+              <a:rPr kumimoji="1" lang="ja-JP" altLang="en-US" smtClean="0"/>
+              <a:t>12</a:t>
+            </a:fld>
+            <a:endParaRPr kumimoji="1" lang="ja-JP" altLang="en-US"/>
+          </a:p>
+        </p:txBody>
+      </p:sp>
+    </p:spTree>
+    <p:extLst>
+      <p:ext uri="{BB962C8B-B14F-4D97-AF65-F5344CB8AC3E}">
+        <p14:creationId xmlns:p14="http://schemas.microsoft.com/office/powerpoint/2010/main" val="3389366089"/>
       </p:ext>
     </p:extLst>
   </p:cSld>
@@ -1198,7 +1283,7 @@
     </p:spTree>
     <p:extLst>
       <p:ext uri="{BB962C8B-B14F-4D97-AF65-F5344CB8AC3E}">
-        <p14:creationId xmlns:p14="http://schemas.microsoft.com/office/powerpoint/2010/main" val="4124535861"/>
+        <p14:creationId xmlns:p14="http://schemas.microsoft.com/office/powerpoint/2010/main" val="1165716205"/>
       </p:ext>
     </p:extLst>
   </p:cSld>
@@ -1282,7 +1367,7 @@
     </p:spTree>
     <p:extLst>
       <p:ext uri="{BB962C8B-B14F-4D97-AF65-F5344CB8AC3E}">
-        <p14:creationId xmlns:p14="http://schemas.microsoft.com/office/powerpoint/2010/main" val="4153186673"/>
+        <p14:creationId xmlns:p14="http://schemas.microsoft.com/office/powerpoint/2010/main" val="4124535861"/>
       </p:ext>
     </p:extLst>
   </p:cSld>
@@ -1366,7 +1451,7 @@
     </p:spTree>
     <p:extLst>
       <p:ext uri="{BB962C8B-B14F-4D97-AF65-F5344CB8AC3E}">
-        <p14:creationId xmlns:p14="http://schemas.microsoft.com/office/powerpoint/2010/main" val="1165716205"/>
+        <p14:creationId xmlns:p14="http://schemas.microsoft.com/office/powerpoint/2010/main" val="4153186673"/>
       </p:ext>
     </p:extLst>
   </p:cSld>
@@ -1450,7 +1535,7 @@
     </p:spTree>
     <p:extLst>
       <p:ext uri="{BB962C8B-B14F-4D97-AF65-F5344CB8AC3E}">
-        <p14:creationId xmlns:p14="http://schemas.microsoft.com/office/powerpoint/2010/main" val="2249128388"/>
+        <p14:creationId xmlns:p14="http://schemas.microsoft.com/office/powerpoint/2010/main" val="1908467514"/>
       </p:ext>
     </p:extLst>
   </p:cSld>
@@ -1534,7 +1619,7 @@
     </p:spTree>
     <p:extLst>
       <p:ext uri="{BB962C8B-B14F-4D97-AF65-F5344CB8AC3E}">
-        <p14:creationId xmlns:p14="http://schemas.microsoft.com/office/powerpoint/2010/main" val="928747071"/>
+        <p14:creationId xmlns:p14="http://schemas.microsoft.com/office/powerpoint/2010/main" val="3496293636"/>
       </p:ext>
     </p:extLst>
   </p:cSld>
@@ -1618,7 +1703,7 @@
     </p:spTree>
     <p:extLst>
       <p:ext uri="{BB962C8B-B14F-4D97-AF65-F5344CB8AC3E}">
-        <p14:creationId xmlns:p14="http://schemas.microsoft.com/office/powerpoint/2010/main" val="413952031"/>
+        <p14:creationId xmlns:p14="http://schemas.microsoft.com/office/powerpoint/2010/main" val="2249128388"/>
       </p:ext>
     </p:extLst>
   </p:cSld>
@@ -1775,7 +1860,7 @@
           <a:p>
             <a:fld id="{E96D9F0A-2578-410E-B32A-F089453602AE}" type="datetimeFigureOut">
               <a:rPr kumimoji="1" lang="ja-JP" altLang="en-US" smtClean="0"/>
-              <a:t>2021/1/28</a:t>
+              <a:t>2021/1/29</a:t>
             </a:fld>
             <a:endParaRPr kumimoji="1" lang="ja-JP" altLang="en-US"/>
           </a:p>
@@ -2005,7 +2090,7 @@
           <a:p>
             <a:fld id="{E96D9F0A-2578-410E-B32A-F089453602AE}" type="datetimeFigureOut">
               <a:rPr kumimoji="1" lang="ja-JP" altLang="en-US" smtClean="0"/>
-              <a:t>2021/1/28</a:t>
+              <a:t>2021/1/29</a:t>
             </a:fld>
             <a:endParaRPr kumimoji="1" lang="ja-JP" altLang="en-US"/>
           </a:p>
@@ -2245,7 +2330,7 @@
           <a:p>
             <a:fld id="{E96D9F0A-2578-410E-B32A-F089453602AE}" type="datetimeFigureOut">
               <a:rPr kumimoji="1" lang="ja-JP" altLang="en-US" smtClean="0"/>
-              <a:t>2021/1/28</a:t>
+              <a:t>2021/1/29</a:t>
             </a:fld>
             <a:endParaRPr kumimoji="1" lang="ja-JP" altLang="en-US"/>
           </a:p>
@@ -2475,7 +2560,7 @@
           <a:p>
             <a:fld id="{E96D9F0A-2578-410E-B32A-F089453602AE}" type="datetimeFigureOut">
               <a:rPr kumimoji="1" lang="ja-JP" altLang="en-US" smtClean="0"/>
-              <a:t>2021/1/28</a:t>
+              <a:t>2021/1/29</a:t>
             </a:fld>
             <a:endParaRPr kumimoji="1" lang="ja-JP" altLang="en-US"/>
           </a:p>
@@ -2750,7 +2835,7 @@
           <a:p>
             <a:fld id="{E96D9F0A-2578-410E-B32A-F089453602AE}" type="datetimeFigureOut">
               <a:rPr kumimoji="1" lang="ja-JP" altLang="en-US" smtClean="0"/>
-              <a:t>2021/1/28</a:t>
+              <a:t>2021/1/29</a:t>
             </a:fld>
             <a:endParaRPr kumimoji="1" lang="ja-JP" altLang="en-US"/>
           </a:p>
@@ -3079,7 +3164,7 @@
           <a:p>
             <a:fld id="{E96D9F0A-2578-410E-B32A-F089453602AE}" type="datetimeFigureOut">
               <a:rPr kumimoji="1" lang="ja-JP" altLang="en-US" smtClean="0"/>
-              <a:t>2021/1/28</a:t>
+              <a:t>2021/1/29</a:t>
             </a:fld>
             <a:endParaRPr kumimoji="1" lang="ja-JP" altLang="en-US"/>
           </a:p>
@@ -3555,7 +3640,7 @@
           <a:p>
             <a:fld id="{E96D9F0A-2578-410E-B32A-F089453602AE}" type="datetimeFigureOut">
               <a:rPr kumimoji="1" lang="ja-JP" altLang="en-US" smtClean="0"/>
-              <a:t>2021/1/28</a:t>
+              <a:t>2021/1/29</a:t>
             </a:fld>
             <a:endParaRPr kumimoji="1" lang="ja-JP" altLang="en-US"/>
           </a:p>
@@ -3696,7 +3781,7 @@
           <a:p>
             <a:fld id="{E96D9F0A-2578-410E-B32A-F089453602AE}" type="datetimeFigureOut">
               <a:rPr kumimoji="1" lang="ja-JP" altLang="en-US" smtClean="0"/>
-              <a:t>2021/1/28</a:t>
+              <a:t>2021/1/29</a:t>
             </a:fld>
             <a:endParaRPr kumimoji="1" lang="ja-JP" altLang="en-US"/>
           </a:p>
@@ -3809,7 +3894,7 @@
           <a:p>
             <a:fld id="{E96D9F0A-2578-410E-B32A-F089453602AE}" type="datetimeFigureOut">
               <a:rPr kumimoji="1" lang="ja-JP" altLang="en-US" smtClean="0"/>
-              <a:t>2021/1/28</a:t>
+              <a:t>2021/1/29</a:t>
             </a:fld>
             <a:endParaRPr kumimoji="1" lang="ja-JP" altLang="en-US"/>
           </a:p>
@@ -4152,7 +4237,7 @@
           <a:p>
             <a:fld id="{E96D9F0A-2578-410E-B32A-F089453602AE}" type="datetimeFigureOut">
               <a:rPr kumimoji="1" lang="ja-JP" altLang="en-US" smtClean="0"/>
-              <a:t>2021/1/28</a:t>
+              <a:t>2021/1/29</a:t>
             </a:fld>
             <a:endParaRPr kumimoji="1" lang="ja-JP" altLang="en-US"/>
           </a:p>
@@ -4440,7 +4525,7 @@
           <a:p>
             <a:fld id="{E96D9F0A-2578-410E-B32A-F089453602AE}" type="datetimeFigureOut">
               <a:rPr kumimoji="1" lang="ja-JP" altLang="en-US" smtClean="0"/>
-              <a:t>2021/1/28</a:t>
+              <a:t>2021/1/29</a:t>
             </a:fld>
             <a:endParaRPr kumimoji="1" lang="ja-JP" altLang="en-US"/>
           </a:p>
@@ -4713,7 +4798,7 @@
           <a:p>
             <a:fld id="{E96D9F0A-2578-410E-B32A-F089453602AE}" type="datetimeFigureOut">
               <a:rPr kumimoji="1" lang="ja-JP" altLang="en-US" smtClean="0"/>
-              <a:t>2021/1/28</a:t>
+              <a:t>2021/1/29</a:t>
             </a:fld>
             <a:endParaRPr kumimoji="1" lang="ja-JP" altLang="en-US"/>
           </a:p>
@@ -5268,20 +5353,469 @@
           <a:lstStyle/>
           <a:p>
             <a:r>
+              <a:rPr lang="en-US" altLang="ja-JP" sz="3200" dirty="0"/>
+              <a:t>3</a:t>
+            </a:r>
+            <a:r>
               <a:rPr kumimoji="1" lang="en-US" altLang="ja-JP" sz="3200" dirty="0"/>
-              <a:t>4.</a:t>
-            </a:r>
-            <a:r>
-              <a:rPr kumimoji="1" lang="ja-JP" altLang="en-US" sz="3200" dirty="0"/>
-              <a:t>展望</a:t>
-            </a:r>
-          </a:p>
-        </p:txBody>
-      </p:sp>
+              <a:t>.</a:t>
+            </a:r>
+            <a:r>
+              <a:rPr lang="ja-JP" altLang="en-US" sz="3200" dirty="0"/>
+              <a:t>進捗</a:t>
+            </a:r>
+            <a:endParaRPr kumimoji="1" lang="ja-JP" altLang="en-US" sz="3200" dirty="0"/>
+          </a:p>
+        </p:txBody>
+      </p:sp>
+      <p:sp>
+        <p:nvSpPr>
+          <p:cNvPr id="4" name="テキスト ボックス 3">
+            <a:extLst>
+              <a:ext uri="{FF2B5EF4-FFF2-40B4-BE49-F238E27FC236}">
+                <a16:creationId xmlns:a16="http://schemas.microsoft.com/office/drawing/2014/main" id="{517488DF-4C7B-4B66-956F-746A2BF40179}"/>
+              </a:ext>
+            </a:extLst>
+          </p:cNvPr>
+          <p:cNvSpPr txBox="1"/>
+          <p:nvPr/>
+        </p:nvSpPr>
+        <p:spPr>
+          <a:xfrm>
+            <a:off x="844132" y="1065177"/>
+            <a:ext cx="2619375" cy="369332"/>
+          </a:xfrm>
+          <a:prstGeom prst="rect">
+            <a:avLst/>
+          </a:prstGeom>
+          <a:noFill/>
+        </p:spPr>
+        <p:txBody>
+          <a:bodyPr wrap="square" rtlCol="0">
+            <a:spAutoFit/>
+          </a:bodyPr>
+          <a:lstStyle/>
+          <a:p>
+            <a:r>
+              <a:rPr kumimoji="1" lang="ja-JP" altLang="en-US" dirty="0"/>
+              <a:t>クロストーク</a:t>
+            </a:r>
+            <a:r>
+              <a:rPr lang="ja-JP" altLang="en-US" dirty="0"/>
+              <a:t>とは</a:t>
+            </a:r>
+            <a:endParaRPr kumimoji="1" lang="ja-JP" altLang="en-US" dirty="0"/>
+          </a:p>
+        </p:txBody>
+      </p:sp>
+      <p:sp>
+        <p:nvSpPr>
+          <p:cNvPr id="5" name="テキスト ボックス 4">
+            <a:extLst>
+              <a:ext uri="{FF2B5EF4-FFF2-40B4-BE49-F238E27FC236}">
+                <a16:creationId xmlns:a16="http://schemas.microsoft.com/office/drawing/2014/main" id="{6FD77E4D-80AE-4DF3-8270-DAAB0057AE26}"/>
+              </a:ext>
+            </a:extLst>
+          </p:cNvPr>
+          <p:cNvSpPr txBox="1"/>
+          <p:nvPr/>
+        </p:nvSpPr>
+        <p:spPr>
+          <a:xfrm>
+            <a:off x="7673790" y="1065177"/>
+            <a:ext cx="2483223" cy="369332"/>
+          </a:xfrm>
+          <a:prstGeom prst="rect">
+            <a:avLst/>
+          </a:prstGeom>
+          <a:noFill/>
+        </p:spPr>
+        <p:txBody>
+          <a:bodyPr wrap="square" rtlCol="0">
+            <a:spAutoFit/>
+          </a:bodyPr>
+          <a:lstStyle/>
+          <a:p>
+            <a:r>
+              <a:rPr kumimoji="1" lang="ja-JP" altLang="en-US" dirty="0"/>
+              <a:t>測定方法</a:t>
+            </a:r>
+          </a:p>
+        </p:txBody>
+      </p:sp>
+      <p:sp>
+        <p:nvSpPr>
+          <p:cNvPr id="6" name="正方形/長方形 5">
+            <a:extLst>
+              <a:ext uri="{FF2B5EF4-FFF2-40B4-BE49-F238E27FC236}">
+                <a16:creationId xmlns:a16="http://schemas.microsoft.com/office/drawing/2014/main" id="{94BC4219-7DE2-4BC4-9F19-40C5E4E89996}"/>
+              </a:ext>
+            </a:extLst>
+          </p:cNvPr>
+          <p:cNvSpPr/>
+          <p:nvPr/>
+        </p:nvSpPr>
+        <p:spPr>
+          <a:xfrm>
+            <a:off x="1047750" y="4067175"/>
+            <a:ext cx="247650" cy="2228850"/>
+          </a:xfrm>
+          <a:prstGeom prst="rect">
+            <a:avLst/>
+          </a:prstGeom>
+          <a:noFill/>
+        </p:spPr>
+        <p:style>
+          <a:lnRef idx="2">
+            <a:schemeClr val="accent1">
+              <a:shade val="50000"/>
+            </a:schemeClr>
+          </a:lnRef>
+          <a:fillRef idx="1">
+            <a:schemeClr val="accent1"/>
+          </a:fillRef>
+          <a:effectRef idx="0">
+            <a:schemeClr val="accent1"/>
+          </a:effectRef>
+          <a:fontRef idx="minor">
+            <a:schemeClr val="lt1"/>
+          </a:fontRef>
+        </p:style>
+        <p:txBody>
+          <a:bodyPr rtlCol="0" anchor="ctr"/>
+          <a:lstStyle/>
+          <a:p>
+            <a:pPr algn="ctr"/>
+            <a:endParaRPr kumimoji="1" lang="ja-JP" altLang="en-US"/>
+          </a:p>
+        </p:txBody>
+      </p:sp>
+      <p:sp>
+        <p:nvSpPr>
+          <p:cNvPr id="7" name="正方形/長方形 6">
+            <a:extLst>
+              <a:ext uri="{FF2B5EF4-FFF2-40B4-BE49-F238E27FC236}">
+                <a16:creationId xmlns:a16="http://schemas.microsoft.com/office/drawing/2014/main" id="{5EC91F2B-6409-487F-B390-07BD4CE3CFEC}"/>
+              </a:ext>
+            </a:extLst>
+          </p:cNvPr>
+          <p:cNvSpPr/>
+          <p:nvPr/>
+        </p:nvSpPr>
+        <p:spPr>
+          <a:xfrm>
+            <a:off x="2885515" y="4067175"/>
+            <a:ext cx="247650" cy="2228850"/>
+          </a:xfrm>
+          <a:prstGeom prst="rect">
+            <a:avLst/>
+          </a:prstGeom>
+          <a:noFill/>
+        </p:spPr>
+        <p:style>
+          <a:lnRef idx="2">
+            <a:schemeClr val="accent1">
+              <a:shade val="50000"/>
+            </a:schemeClr>
+          </a:lnRef>
+          <a:fillRef idx="1">
+            <a:schemeClr val="accent1"/>
+          </a:fillRef>
+          <a:effectRef idx="0">
+            <a:schemeClr val="accent1"/>
+          </a:effectRef>
+          <a:fontRef idx="minor">
+            <a:schemeClr val="lt1"/>
+          </a:fontRef>
+        </p:style>
+        <p:txBody>
+          <a:bodyPr rtlCol="0" anchor="ctr"/>
+          <a:lstStyle/>
+          <a:p>
+            <a:pPr algn="ctr"/>
+            <a:endParaRPr kumimoji="1" lang="ja-JP" altLang="en-US"/>
+          </a:p>
+        </p:txBody>
+      </p:sp>
+      <p:cxnSp>
+        <p:nvCxnSpPr>
+          <p:cNvPr id="9" name="直線矢印コネクタ 8">
+            <a:extLst>
+              <a:ext uri="{FF2B5EF4-FFF2-40B4-BE49-F238E27FC236}">
+                <a16:creationId xmlns:a16="http://schemas.microsoft.com/office/drawing/2014/main" id="{DDCB3CCA-2C43-453F-8F51-4C7AB75C4D0E}"/>
+              </a:ext>
+            </a:extLst>
+          </p:cNvPr>
+          <p:cNvCxnSpPr/>
+          <p:nvPr/>
+        </p:nvCxnSpPr>
+        <p:spPr>
+          <a:xfrm flipV="1">
+            <a:off x="1171575" y="3572350"/>
+            <a:ext cx="0" cy="255579"/>
+          </a:xfrm>
+          <a:prstGeom prst="straightConnector1">
+            <a:avLst/>
+          </a:prstGeom>
+          <a:ln>
+            <a:tailEnd type="triangle"/>
+          </a:ln>
+        </p:spPr>
+        <p:style>
+          <a:lnRef idx="1">
+            <a:schemeClr val="accent1"/>
+          </a:lnRef>
+          <a:fillRef idx="0">
+            <a:schemeClr val="accent1"/>
+          </a:fillRef>
+          <a:effectRef idx="0">
+            <a:schemeClr val="accent1"/>
+          </a:effectRef>
+          <a:fontRef idx="minor">
+            <a:schemeClr val="tx1"/>
+          </a:fontRef>
+        </p:style>
+      </p:cxnSp>
+      <p:cxnSp>
+        <p:nvCxnSpPr>
+          <p:cNvPr id="10" name="直線矢印コネクタ 9">
+            <a:extLst>
+              <a:ext uri="{FF2B5EF4-FFF2-40B4-BE49-F238E27FC236}">
+                <a16:creationId xmlns:a16="http://schemas.microsoft.com/office/drawing/2014/main" id="{087450AB-5204-48DC-A5F6-D15AA268AAC2}"/>
+              </a:ext>
+            </a:extLst>
+          </p:cNvPr>
+          <p:cNvCxnSpPr/>
+          <p:nvPr/>
+        </p:nvCxnSpPr>
+        <p:spPr>
+          <a:xfrm flipV="1">
+            <a:off x="3009340" y="3572349"/>
+            <a:ext cx="0" cy="255579"/>
+          </a:xfrm>
+          <a:prstGeom prst="straightConnector1">
+            <a:avLst/>
+          </a:prstGeom>
+          <a:ln>
+            <a:tailEnd type="triangle"/>
+          </a:ln>
+        </p:spPr>
+        <p:style>
+          <a:lnRef idx="1">
+            <a:schemeClr val="accent1"/>
+          </a:lnRef>
+          <a:fillRef idx="0">
+            <a:schemeClr val="accent1"/>
+          </a:fillRef>
+          <a:effectRef idx="0">
+            <a:schemeClr val="accent1"/>
+          </a:effectRef>
+          <a:fontRef idx="minor">
+            <a:schemeClr val="tx1"/>
+          </a:fontRef>
+        </p:style>
+      </p:cxnSp>
+      <p:grpSp>
+        <p:nvGrpSpPr>
+          <p:cNvPr id="13" name="グループ化 12">
+            <a:extLst>
+              <a:ext uri="{FF2B5EF4-FFF2-40B4-BE49-F238E27FC236}">
+                <a16:creationId xmlns:a16="http://schemas.microsoft.com/office/drawing/2014/main" id="{024F556D-543C-45C0-8FB8-897A6B57E654}"/>
+              </a:ext>
+            </a:extLst>
+          </p:cNvPr>
+          <p:cNvGrpSpPr/>
+          <p:nvPr/>
+        </p:nvGrpSpPr>
+        <p:grpSpPr>
+          <a:xfrm>
+            <a:off x="776588" y="2764624"/>
+            <a:ext cx="789973" cy="568480"/>
+            <a:chOff x="5514418" y="1718982"/>
+            <a:chExt cx="3400985" cy="3283324"/>
+          </a:xfrm>
+        </p:grpSpPr>
+        <p:pic>
+          <p:nvPicPr>
+            <p:cNvPr id="1026" name="Picture 2" descr="パルスの歪み:方形パルスの形状を維持する方法">
+              <a:extLst>
+                <a:ext uri="{FF2B5EF4-FFF2-40B4-BE49-F238E27FC236}">
+                  <a16:creationId xmlns:a16="http://schemas.microsoft.com/office/drawing/2014/main" id="{D7F335B9-D2F0-4962-AC2D-6DB13630042F}"/>
+                </a:ext>
+              </a:extLst>
+            </p:cNvPr>
+            <p:cNvPicPr>
+              <a:picLocks noChangeAspect="1" noChangeArrowheads="1"/>
+            </p:cNvPicPr>
+            <p:nvPr/>
+          </p:nvPicPr>
+          <p:blipFill rotWithShape="1">
+            <a:blip r:embed="rId3">
+              <a:extLst>
+                <a:ext uri="{28A0092B-C50C-407E-A947-70E740481C1C}">
+                  <a14:useLocalDpi xmlns:a14="http://schemas.microsoft.com/office/drawing/2010/main" val="0"/>
+                </a:ext>
+              </a:extLst>
+            </a:blip>
+            <a:srcRect l="50844" t="15693" r="3379" b="21404"/>
+            <a:stretch/>
+          </p:blipFill>
+          <p:spPr bwMode="auto">
+            <a:xfrm>
+              <a:off x="5514418" y="1718982"/>
+              <a:ext cx="3400985" cy="3283324"/>
+            </a:xfrm>
+            <a:prstGeom prst="rect">
+              <a:avLst/>
+            </a:prstGeom>
+            <a:noFill/>
+            <a:extLst>
+              <a:ext uri="{909E8E84-426E-40DD-AFC4-6F175D3DCCD1}">
+                <a14:hiddenFill xmlns:a14="http://schemas.microsoft.com/office/drawing/2010/main">
+                  <a:solidFill>
+                    <a:srgbClr val="FFFFFF"/>
+                  </a:solidFill>
+                </a14:hiddenFill>
+              </a:ext>
+            </a:extLst>
+          </p:spPr>
+        </p:pic>
+        <p:sp>
+          <p:nvSpPr>
+            <p:cNvPr id="12" name="正方形/長方形 11">
+              <a:extLst>
+                <a:ext uri="{FF2B5EF4-FFF2-40B4-BE49-F238E27FC236}">
+                  <a16:creationId xmlns:a16="http://schemas.microsoft.com/office/drawing/2014/main" id="{66781CB9-770E-4555-9841-E49AD8E74195}"/>
+                </a:ext>
+              </a:extLst>
+            </p:cNvPr>
+            <p:cNvSpPr/>
+            <p:nvPr/>
+          </p:nvSpPr>
+          <p:spPr>
+            <a:xfrm>
+              <a:off x="5514418" y="2940424"/>
+              <a:ext cx="581580" cy="887504"/>
+            </a:xfrm>
+            <a:prstGeom prst="rect">
+              <a:avLst/>
+            </a:prstGeom>
+            <a:solidFill>
+              <a:schemeClr val="bg1"/>
+            </a:solidFill>
+            <a:ln>
+              <a:solidFill>
+                <a:schemeClr val="bg1"/>
+              </a:solidFill>
+            </a:ln>
+          </p:spPr>
+          <p:style>
+            <a:lnRef idx="2">
+              <a:schemeClr val="accent1">
+                <a:shade val="50000"/>
+              </a:schemeClr>
+            </a:lnRef>
+            <a:fillRef idx="1">
+              <a:schemeClr val="accent1"/>
+            </a:fillRef>
+            <a:effectRef idx="0">
+              <a:schemeClr val="accent1"/>
+            </a:effectRef>
+            <a:fontRef idx="minor">
+              <a:schemeClr val="lt1"/>
+            </a:fontRef>
+          </p:style>
+          <p:txBody>
+            <a:bodyPr rtlCol="0" anchor="ctr"/>
+            <a:lstStyle/>
+            <a:p>
+              <a:pPr algn="ctr"/>
+              <a:endParaRPr kumimoji="1" lang="ja-JP" altLang="en-US"/>
+            </a:p>
+          </p:txBody>
+        </p:sp>
+      </p:grpSp>
+      <p:sp>
+        <p:nvSpPr>
+          <p:cNvPr id="14" name="テキスト ボックス 13">
+            <a:extLst>
+              <a:ext uri="{FF2B5EF4-FFF2-40B4-BE49-F238E27FC236}">
+                <a16:creationId xmlns:a16="http://schemas.microsoft.com/office/drawing/2014/main" id="{73DA608D-2368-4999-8717-312F0CC07041}"/>
+              </a:ext>
+            </a:extLst>
+          </p:cNvPr>
+          <p:cNvSpPr txBox="1"/>
+          <p:nvPr/>
+        </p:nvSpPr>
+        <p:spPr>
+          <a:xfrm>
+            <a:off x="2696764" y="2800552"/>
+            <a:ext cx="625151" cy="584775"/>
+          </a:xfrm>
+          <a:prstGeom prst="rect">
+            <a:avLst/>
+          </a:prstGeom>
+          <a:noFill/>
+        </p:spPr>
+        <p:txBody>
+          <a:bodyPr wrap="square" rtlCol="0">
+            <a:spAutoFit/>
+          </a:bodyPr>
+          <a:lstStyle/>
+          <a:p>
+            <a:r>
+              <a:rPr lang="ja-JP" altLang="en-US" sz="3200" dirty="0"/>
+              <a:t>？</a:t>
+            </a:r>
+            <a:endParaRPr kumimoji="1" lang="ja-JP" altLang="en-US" sz="3200" dirty="0"/>
+          </a:p>
+        </p:txBody>
+      </p:sp>
+      <p:pic>
+        <p:nvPicPr>
+          <p:cNvPr id="16" name="図 15" descr="グラフィカル ユーザー インターフェイス&#10;&#10;自動的に生成された説明">
+            <a:extLst>
+              <a:ext uri="{FF2B5EF4-FFF2-40B4-BE49-F238E27FC236}">
+                <a16:creationId xmlns:a16="http://schemas.microsoft.com/office/drawing/2014/main" id="{3F27E09F-9E0F-4EC6-96DB-BA01475619B7}"/>
+              </a:ext>
+            </a:extLst>
+          </p:cNvPr>
+          <p:cNvPicPr/>
+          <p:nvPr/>
+        </p:nvPicPr>
+        <p:blipFill rotWithShape="1">
+          <a:blip r:embed="rId4">
+            <a:extLst>
+              <a:ext uri="{28A0092B-C50C-407E-A947-70E740481C1C}">
+                <a14:useLocalDpi xmlns:a14="http://schemas.microsoft.com/office/drawing/2010/main" val="0"/>
+              </a:ext>
+            </a:extLst>
+          </a:blip>
+          <a:srcRect l="60584" t="27835" r="28616" b="16353"/>
+          <a:stretch/>
+        </p:blipFill>
+        <p:spPr bwMode="auto">
+          <a:xfrm>
+            <a:off x="7385800" y="1992248"/>
+            <a:ext cx="1994467" cy="4303777"/>
+          </a:xfrm>
+          <a:prstGeom prst="rect">
+            <a:avLst/>
+          </a:prstGeom>
+          <a:ln>
+            <a:noFill/>
+          </a:ln>
+          <a:extLst>
+            <a:ext uri="{53640926-AAD7-44D8-BBD7-CCE9431645EC}">
+              <a14:shadowObscured xmlns:a14="http://schemas.microsoft.com/office/drawing/2010/main"/>
+            </a:ext>
+          </a:extLst>
+        </p:spPr>
+      </p:pic>
     </p:spTree>
     <p:extLst>
       <p:ext uri="{BB962C8B-B14F-4D97-AF65-F5344CB8AC3E}">
-        <p14:creationId xmlns:p14="http://schemas.microsoft.com/office/powerpoint/2010/main" val="884445320"/>
+        <p14:creationId xmlns:p14="http://schemas.microsoft.com/office/powerpoint/2010/main" val="4000883359"/>
       </p:ext>
     </p:extLst>
   </p:cSld>
@@ -5337,20 +5871,1417 @@
           <a:lstStyle/>
           <a:p>
             <a:r>
+              <a:rPr lang="en-US" altLang="ja-JP" sz="3200" dirty="0"/>
+              <a:t>3</a:t>
+            </a:r>
+            <a:r>
               <a:rPr kumimoji="1" lang="en-US" altLang="ja-JP" sz="3200" dirty="0"/>
-              <a:t>4.</a:t>
-            </a:r>
-            <a:r>
-              <a:rPr kumimoji="1" lang="ja-JP" altLang="en-US" sz="3200" dirty="0"/>
-              <a:t>展望</a:t>
-            </a:r>
-          </a:p>
-        </p:txBody>
-      </p:sp>
+              <a:t>.</a:t>
+            </a:r>
+            <a:r>
+              <a:rPr lang="ja-JP" altLang="en-US" sz="3200" dirty="0"/>
+              <a:t>進捗</a:t>
+            </a:r>
+            <a:endParaRPr kumimoji="1" lang="ja-JP" altLang="en-US" sz="3200" dirty="0"/>
+          </a:p>
+        </p:txBody>
+      </p:sp>
+      <p:sp>
+        <p:nvSpPr>
+          <p:cNvPr id="3" name="テキスト ボックス 2">
+            <a:extLst>
+              <a:ext uri="{FF2B5EF4-FFF2-40B4-BE49-F238E27FC236}">
+                <a16:creationId xmlns:a16="http://schemas.microsoft.com/office/drawing/2014/main" id="{D4441E65-2F4C-4325-A44B-345991AE8AAD}"/>
+              </a:ext>
+            </a:extLst>
+          </p:cNvPr>
+          <p:cNvSpPr txBox="1"/>
+          <p:nvPr/>
+        </p:nvSpPr>
+        <p:spPr>
+          <a:xfrm>
+            <a:off x="781050" y="1314450"/>
+            <a:ext cx="3867150" cy="369332"/>
+          </a:xfrm>
+          <a:prstGeom prst="rect">
+            <a:avLst/>
+          </a:prstGeom>
+          <a:noFill/>
+        </p:spPr>
+        <p:txBody>
+          <a:bodyPr wrap="square" rtlCol="0">
+            <a:spAutoFit/>
+          </a:bodyPr>
+          <a:lstStyle/>
+          <a:p>
+            <a:r>
+              <a:rPr lang="ja-JP" altLang="en-US" dirty="0"/>
+              <a:t>測定結果</a:t>
+            </a:r>
+            <a:endParaRPr kumimoji="1" lang="ja-JP" altLang="en-US" dirty="0"/>
+          </a:p>
+        </p:txBody>
+      </p:sp>
+      <p:pic>
+        <p:nvPicPr>
+          <p:cNvPr id="8" name="図 7" descr="グラフィカル ユーザー インターフェイス&#10;&#10;自動的に生成された説明">
+            <a:extLst>
+              <a:ext uri="{FF2B5EF4-FFF2-40B4-BE49-F238E27FC236}">
+                <a16:creationId xmlns:a16="http://schemas.microsoft.com/office/drawing/2014/main" id="{1080691C-290C-4F95-89DF-7EF0D07140D1}"/>
+              </a:ext>
+            </a:extLst>
+          </p:cNvPr>
+          <p:cNvPicPr>
+            <a:picLocks noChangeAspect="1"/>
+          </p:cNvPicPr>
+          <p:nvPr/>
+        </p:nvPicPr>
+        <p:blipFill>
+          <a:blip r:embed="rId3">
+            <a:extLst>
+              <a:ext uri="{28A0092B-C50C-407E-A947-70E740481C1C}">
+                <a14:useLocalDpi xmlns:a14="http://schemas.microsoft.com/office/drawing/2010/main" val="0"/>
+              </a:ext>
+            </a:extLst>
+          </a:blip>
+          <a:stretch>
+            <a:fillRect/>
+          </a:stretch>
+        </p:blipFill>
+        <p:spPr>
+          <a:xfrm>
+            <a:off x="5008087" y="1499116"/>
+            <a:ext cx="5946282" cy="4457700"/>
+          </a:xfrm>
+          <a:prstGeom prst="rect">
+            <a:avLst/>
+          </a:prstGeom>
+        </p:spPr>
+      </p:pic>
     </p:spTree>
     <p:extLst>
       <p:ext uri="{BB962C8B-B14F-4D97-AF65-F5344CB8AC3E}">
-        <p14:creationId xmlns:p14="http://schemas.microsoft.com/office/powerpoint/2010/main" val="1540310305"/>
+        <p14:creationId xmlns:p14="http://schemas.microsoft.com/office/powerpoint/2010/main" val="423788584"/>
+      </p:ext>
+    </p:extLst>
+  </p:cSld>
+  <p:clrMapOvr>
+    <a:masterClrMapping/>
+  </p:clrMapOvr>
+</p:sld>
+</file>
+
+<file path=ppt/slides/slide12.xml><?xml version="1.0" encoding="utf-8"?>
+<p:sld xmlns:a="http://schemas.openxmlformats.org/drawingml/2006/main" xmlns:r="http://schemas.openxmlformats.org/officeDocument/2006/relationships" xmlns:p="http://schemas.openxmlformats.org/presentationml/2006/main">
+  <p:cSld>
+    <p:spTree>
+      <p:nvGrpSpPr>
+        <p:cNvPr id="1" name=""/>
+        <p:cNvGrpSpPr/>
+        <p:nvPr/>
+      </p:nvGrpSpPr>
+      <p:grpSpPr>
+        <a:xfrm>
+          <a:off x="0" y="0"/>
+          <a:ext cx="0" cy="0"/>
+          <a:chOff x="0" y="0"/>
+          <a:chExt cx="0" cy="0"/>
+        </a:xfrm>
+      </p:grpSpPr>
+      <p:sp>
+        <p:nvSpPr>
+          <p:cNvPr id="2" name="タイトル 1">
+            <a:extLst>
+              <a:ext uri="{FF2B5EF4-FFF2-40B4-BE49-F238E27FC236}">
+                <a16:creationId xmlns:a16="http://schemas.microsoft.com/office/drawing/2014/main" id="{914EDC32-94DC-4A5D-817A-284B39B21BBD}"/>
+              </a:ext>
+            </a:extLst>
+          </p:cNvPr>
+          <p:cNvSpPr>
+            <a:spLocks noGrp="1"/>
+          </p:cNvSpPr>
+          <p:nvPr>
+            <p:ph type="title"/>
+          </p:nvPr>
+        </p:nvSpPr>
+        <p:spPr>
+          <a:xfrm>
+            <a:off x="0" y="18256"/>
+            <a:ext cx="10515600" cy="662782"/>
+          </a:xfrm>
+        </p:spPr>
+        <p:txBody>
+          <a:bodyPr>
+            <a:normAutofit/>
+          </a:bodyPr>
+          <a:lstStyle/>
+          <a:p>
+            <a:r>
+              <a:rPr kumimoji="1" lang="en-US" altLang="ja-JP" sz="3200" dirty="0"/>
+              <a:t>4.</a:t>
+            </a:r>
+            <a:r>
+              <a:rPr kumimoji="1" lang="ja-JP" altLang="en-US" sz="3200" dirty="0"/>
+              <a:t>展望</a:t>
+            </a:r>
+          </a:p>
+        </p:txBody>
+      </p:sp>
+      <p:grpSp>
+        <p:nvGrpSpPr>
+          <p:cNvPr id="42" name="グループ化 41">
+            <a:extLst>
+              <a:ext uri="{FF2B5EF4-FFF2-40B4-BE49-F238E27FC236}">
+                <a16:creationId xmlns:a16="http://schemas.microsoft.com/office/drawing/2014/main" id="{B628CC4F-790E-476C-B513-1CA30A1E11FC}"/>
+              </a:ext>
+            </a:extLst>
+          </p:cNvPr>
+          <p:cNvGrpSpPr/>
+          <p:nvPr/>
+        </p:nvGrpSpPr>
+        <p:grpSpPr>
+          <a:xfrm>
+            <a:off x="2216042" y="998088"/>
+            <a:ext cx="7759915" cy="5445045"/>
+            <a:chOff x="2413187" y="1119386"/>
+            <a:chExt cx="7759915" cy="5445045"/>
+          </a:xfrm>
+        </p:grpSpPr>
+        <p:grpSp>
+          <p:nvGrpSpPr>
+            <p:cNvPr id="32" name="グループ化 31">
+              <a:extLst>
+                <a:ext uri="{FF2B5EF4-FFF2-40B4-BE49-F238E27FC236}">
+                  <a16:creationId xmlns:a16="http://schemas.microsoft.com/office/drawing/2014/main" id="{7634478B-7C95-4FD1-BF2F-BF9905C9FEAB}"/>
+                </a:ext>
+              </a:extLst>
+            </p:cNvPr>
+            <p:cNvGrpSpPr/>
+            <p:nvPr/>
+          </p:nvGrpSpPr>
+          <p:grpSpPr>
+            <a:xfrm>
+              <a:off x="2413187" y="1119386"/>
+              <a:ext cx="7759915" cy="5445045"/>
+              <a:chOff x="1876985" y="526209"/>
+              <a:chExt cx="7672783" cy="6038222"/>
+            </a:xfrm>
+          </p:grpSpPr>
+          <p:grpSp>
+            <p:nvGrpSpPr>
+              <p:cNvPr id="3" name="グループ化 2">
+                <a:extLst>
+                  <a:ext uri="{FF2B5EF4-FFF2-40B4-BE49-F238E27FC236}">
+                    <a16:creationId xmlns:a16="http://schemas.microsoft.com/office/drawing/2014/main" id="{D2E2EA81-5EC1-4193-813F-B25DA16904DC}"/>
+                  </a:ext>
+                </a:extLst>
+              </p:cNvPr>
+              <p:cNvGrpSpPr/>
+              <p:nvPr/>
+            </p:nvGrpSpPr>
+            <p:grpSpPr>
+              <a:xfrm>
+                <a:off x="1876985" y="526209"/>
+                <a:ext cx="7672783" cy="6038222"/>
+                <a:chOff x="4882921" y="-71226"/>
+                <a:chExt cx="7613877" cy="7497143"/>
+              </a:xfrm>
+            </p:grpSpPr>
+            <p:sp>
+              <p:nvSpPr>
+                <p:cNvPr id="5" name="正方形/長方形 4">
+                  <a:extLst>
+                    <a:ext uri="{FF2B5EF4-FFF2-40B4-BE49-F238E27FC236}">
+                      <a16:creationId xmlns:a16="http://schemas.microsoft.com/office/drawing/2014/main" id="{549D00DD-DAD7-47F8-89E6-5F1576A674EF}"/>
+                    </a:ext>
+                  </a:extLst>
+                </p:cNvPr>
+                <p:cNvSpPr/>
+                <p:nvPr/>
+              </p:nvSpPr>
+              <p:spPr>
+                <a:xfrm>
+                  <a:off x="4882921" y="99429"/>
+                  <a:ext cx="2064727" cy="6845400"/>
+                </a:xfrm>
+                <a:prstGeom prst="rect">
+                  <a:avLst/>
+                </a:prstGeom>
+                <a:ln>
+                  <a:solidFill>
+                    <a:schemeClr val="tx1"/>
+                  </a:solidFill>
+                  <a:prstDash val="dash"/>
+                </a:ln>
+              </p:spPr>
+              <p:style>
+                <a:lnRef idx="2">
+                  <a:schemeClr val="accent6"/>
+                </a:lnRef>
+                <a:fillRef idx="1">
+                  <a:schemeClr val="lt1"/>
+                </a:fillRef>
+                <a:effectRef idx="0">
+                  <a:schemeClr val="accent6"/>
+                </a:effectRef>
+                <a:fontRef idx="minor">
+                  <a:schemeClr val="dk1"/>
+                </a:fontRef>
+              </p:style>
+              <p:txBody>
+                <a:bodyPr rtlCol="0" anchor="ctr"/>
+                <a:lstStyle/>
+                <a:p>
+                  <a:pPr algn="ctr"/>
+                  <a:endParaRPr kumimoji="1" lang="en-US" altLang="ja-JP" dirty="0"/>
+                </a:p>
+              </p:txBody>
+            </p:sp>
+            <p:cxnSp>
+              <p:nvCxnSpPr>
+                <p:cNvPr id="6" name="直線コネクタ 5">
+                  <a:extLst>
+                    <a:ext uri="{FF2B5EF4-FFF2-40B4-BE49-F238E27FC236}">
+                      <a16:creationId xmlns:a16="http://schemas.microsoft.com/office/drawing/2014/main" id="{8F1871A4-A853-4B73-8578-1BE03B4F31E0}"/>
+                    </a:ext>
+                  </a:extLst>
+                </p:cNvPr>
+                <p:cNvCxnSpPr>
+                  <a:cxnSpLocks/>
+                </p:cNvCxnSpPr>
+                <p:nvPr/>
+              </p:nvCxnSpPr>
+              <p:spPr>
+                <a:xfrm>
+                  <a:off x="6398560" y="2746144"/>
+                  <a:ext cx="4867835" cy="5804"/>
+                </a:xfrm>
+                <a:prstGeom prst="line">
+                  <a:avLst/>
+                </a:prstGeom>
+              </p:spPr>
+              <p:style>
+                <a:lnRef idx="1">
+                  <a:schemeClr val="accent1"/>
+                </a:lnRef>
+                <a:fillRef idx="0">
+                  <a:schemeClr val="accent1"/>
+                </a:fillRef>
+                <a:effectRef idx="0">
+                  <a:schemeClr val="accent1"/>
+                </a:effectRef>
+                <a:fontRef idx="minor">
+                  <a:schemeClr val="tx1"/>
+                </a:fontRef>
+              </p:style>
+            </p:cxnSp>
+            <p:cxnSp>
+              <p:nvCxnSpPr>
+                <p:cNvPr id="7" name="直線コネクタ 6">
+                  <a:extLst>
+                    <a:ext uri="{FF2B5EF4-FFF2-40B4-BE49-F238E27FC236}">
+                      <a16:creationId xmlns:a16="http://schemas.microsoft.com/office/drawing/2014/main" id="{9258314A-1F5A-4FCE-9AE0-05CFD3BF0659}"/>
+                    </a:ext>
+                  </a:extLst>
+                </p:cNvPr>
+                <p:cNvCxnSpPr>
+                  <a:cxnSpLocks/>
+                  <a:stCxn id="24" idx="3"/>
+                </p:cNvCxnSpPr>
+                <p:nvPr/>
+              </p:nvCxnSpPr>
+              <p:spPr>
+                <a:xfrm flipV="1">
+                  <a:off x="6378361" y="3972508"/>
+                  <a:ext cx="2101121" cy="3919"/>
+                </a:xfrm>
+                <a:prstGeom prst="line">
+                  <a:avLst/>
+                </a:prstGeom>
+              </p:spPr>
+              <p:style>
+                <a:lnRef idx="1">
+                  <a:schemeClr val="accent1"/>
+                </a:lnRef>
+                <a:fillRef idx="0">
+                  <a:schemeClr val="accent1"/>
+                </a:fillRef>
+                <a:effectRef idx="0">
+                  <a:schemeClr val="accent1"/>
+                </a:effectRef>
+                <a:fontRef idx="minor">
+                  <a:schemeClr val="tx1"/>
+                </a:fontRef>
+              </p:style>
+            </p:cxnSp>
+            <p:cxnSp>
+              <p:nvCxnSpPr>
+                <p:cNvPr id="8" name="直線コネクタ 7">
+                  <a:extLst>
+                    <a:ext uri="{FF2B5EF4-FFF2-40B4-BE49-F238E27FC236}">
+                      <a16:creationId xmlns:a16="http://schemas.microsoft.com/office/drawing/2014/main" id="{FC891D0C-9953-4D94-8D03-61A98073661F}"/>
+                    </a:ext>
+                  </a:extLst>
+                </p:cNvPr>
+                <p:cNvCxnSpPr>
+                  <a:cxnSpLocks/>
+                </p:cNvCxnSpPr>
+                <p:nvPr/>
+              </p:nvCxnSpPr>
+              <p:spPr>
+                <a:xfrm>
+                  <a:off x="6263485" y="5082989"/>
+                  <a:ext cx="3768021" cy="0"/>
+                </a:xfrm>
+                <a:prstGeom prst="line">
+                  <a:avLst/>
+                </a:prstGeom>
+              </p:spPr>
+              <p:style>
+                <a:lnRef idx="1">
+                  <a:schemeClr val="accent1"/>
+                </a:lnRef>
+                <a:fillRef idx="0">
+                  <a:schemeClr val="accent1"/>
+                </a:fillRef>
+                <a:effectRef idx="0">
+                  <a:schemeClr val="accent1"/>
+                </a:effectRef>
+                <a:fontRef idx="minor">
+                  <a:schemeClr val="tx1"/>
+                </a:fontRef>
+              </p:style>
+            </p:cxnSp>
+            <p:sp>
+              <p:nvSpPr>
+                <p:cNvPr id="9" name="テキスト ボックス 8">
+                  <a:extLst>
+                    <a:ext uri="{FF2B5EF4-FFF2-40B4-BE49-F238E27FC236}">
+                      <a16:creationId xmlns:a16="http://schemas.microsoft.com/office/drawing/2014/main" id="{9F941C7F-FBF5-4ED5-A913-6EBDA62262E8}"/>
+                    </a:ext>
+                  </a:extLst>
+                </p:cNvPr>
+                <p:cNvSpPr txBox="1"/>
+                <p:nvPr/>
+              </p:nvSpPr>
+              <p:spPr>
+                <a:xfrm>
+                  <a:off x="5468050" y="7056585"/>
+                  <a:ext cx="1640542" cy="369332"/>
+                </a:xfrm>
+                <a:prstGeom prst="rect">
+                  <a:avLst/>
+                </a:prstGeom>
+                <a:noFill/>
+              </p:spPr>
+              <p:txBody>
+                <a:bodyPr wrap="square" rtlCol="0">
+                  <a:spAutoFit/>
+                </a:bodyPr>
+                <a:lstStyle/>
+                <a:p>
+                  <a:r>
+                    <a:rPr lang="ja-JP" altLang="en-US" dirty="0"/>
+                    <a:t>真空槽</a:t>
+                  </a:r>
+                  <a:endParaRPr kumimoji="1" lang="ja-JP" altLang="en-US" dirty="0"/>
+                </a:p>
+              </p:txBody>
+            </p:sp>
+            <p:sp>
+              <p:nvSpPr>
+                <p:cNvPr id="10" name="正方形/長方形 9">
+                  <a:extLst>
+                    <a:ext uri="{FF2B5EF4-FFF2-40B4-BE49-F238E27FC236}">
+                      <a16:creationId xmlns:a16="http://schemas.microsoft.com/office/drawing/2014/main" id="{D1D64CE5-34E1-44A9-92C5-C19A49F96638}"/>
+                    </a:ext>
+                  </a:extLst>
+                </p:cNvPr>
+                <p:cNvSpPr/>
+                <p:nvPr/>
+              </p:nvSpPr>
+              <p:spPr>
+                <a:xfrm>
+                  <a:off x="9234771" y="2595303"/>
+                  <a:ext cx="796735" cy="316232"/>
+                </a:xfrm>
+                <a:prstGeom prst="rect">
+                  <a:avLst/>
+                </a:prstGeom>
+                <a:solidFill>
+                  <a:schemeClr val="bg1"/>
+                </a:solidFill>
+              </p:spPr>
+              <p:style>
+                <a:lnRef idx="2">
+                  <a:schemeClr val="accent1">
+                    <a:shade val="50000"/>
+                  </a:schemeClr>
+                </a:lnRef>
+                <a:fillRef idx="1">
+                  <a:schemeClr val="accent1"/>
+                </a:fillRef>
+                <a:effectRef idx="0">
+                  <a:schemeClr val="accent1"/>
+                </a:effectRef>
+                <a:fontRef idx="minor">
+                  <a:schemeClr val="lt1"/>
+                </a:fontRef>
+              </p:style>
+              <p:txBody>
+                <a:bodyPr rtlCol="0" anchor="ctr"/>
+                <a:lstStyle/>
+                <a:p>
+                  <a:pPr algn="ctr"/>
+                  <a:endParaRPr kumimoji="1" lang="ja-JP" altLang="en-US"/>
+                </a:p>
+              </p:txBody>
+            </p:sp>
+            <p:cxnSp>
+              <p:nvCxnSpPr>
+                <p:cNvPr id="11" name="直線コネクタ 10">
+                  <a:extLst>
+                    <a:ext uri="{FF2B5EF4-FFF2-40B4-BE49-F238E27FC236}">
+                      <a16:creationId xmlns:a16="http://schemas.microsoft.com/office/drawing/2014/main" id="{31598519-C1D4-47AA-8369-DD0479900F2B}"/>
+                    </a:ext>
+                  </a:extLst>
+                </p:cNvPr>
+                <p:cNvCxnSpPr>
+                  <a:cxnSpLocks/>
+                </p:cNvCxnSpPr>
+                <p:nvPr/>
+              </p:nvCxnSpPr>
+              <p:spPr>
+                <a:xfrm>
+                  <a:off x="8467168" y="2746144"/>
+                  <a:ext cx="0" cy="2336845"/>
+                </a:xfrm>
+                <a:prstGeom prst="line">
+                  <a:avLst/>
+                </a:prstGeom>
+              </p:spPr>
+              <p:style>
+                <a:lnRef idx="1">
+                  <a:schemeClr val="accent1"/>
+                </a:lnRef>
+                <a:fillRef idx="0">
+                  <a:schemeClr val="accent1"/>
+                </a:fillRef>
+                <a:effectRef idx="0">
+                  <a:schemeClr val="accent1"/>
+                </a:effectRef>
+                <a:fontRef idx="minor">
+                  <a:schemeClr val="tx1"/>
+                </a:fontRef>
+              </p:style>
+            </p:cxnSp>
+            <p:sp>
+              <p:nvSpPr>
+                <p:cNvPr id="12" name="正方形/長方形 11">
+                  <a:extLst>
+                    <a:ext uri="{FF2B5EF4-FFF2-40B4-BE49-F238E27FC236}">
+                      <a16:creationId xmlns:a16="http://schemas.microsoft.com/office/drawing/2014/main" id="{A1C4117D-A24B-48C2-A983-2FB862ECB342}"/>
+                    </a:ext>
+                  </a:extLst>
+                </p:cNvPr>
+                <p:cNvSpPr/>
+                <p:nvPr/>
+              </p:nvSpPr>
+              <p:spPr>
+                <a:xfrm>
+                  <a:off x="8328221" y="3178653"/>
+                  <a:ext cx="268938" cy="645457"/>
+                </a:xfrm>
+                <a:prstGeom prst="rect">
+                  <a:avLst/>
+                </a:prstGeom>
+                <a:solidFill>
+                  <a:schemeClr val="bg1"/>
+                </a:solidFill>
+              </p:spPr>
+              <p:style>
+                <a:lnRef idx="2">
+                  <a:schemeClr val="accent1">
+                    <a:shade val="50000"/>
+                  </a:schemeClr>
+                </a:lnRef>
+                <a:fillRef idx="1">
+                  <a:schemeClr val="accent1"/>
+                </a:fillRef>
+                <a:effectRef idx="0">
+                  <a:schemeClr val="accent1"/>
+                </a:effectRef>
+                <a:fontRef idx="minor">
+                  <a:schemeClr val="lt1"/>
+                </a:fontRef>
+              </p:style>
+              <p:txBody>
+                <a:bodyPr rtlCol="0" anchor="ctr"/>
+                <a:lstStyle/>
+                <a:p>
+                  <a:pPr algn="ctr"/>
+                  <a:endParaRPr kumimoji="1" lang="ja-JP" altLang="en-US"/>
+                </a:p>
+              </p:txBody>
+            </p:sp>
+            <p:sp>
+              <p:nvSpPr>
+                <p:cNvPr id="13" name="正方形/長方形 12">
+                  <a:extLst>
+                    <a:ext uri="{FF2B5EF4-FFF2-40B4-BE49-F238E27FC236}">
+                      <a16:creationId xmlns:a16="http://schemas.microsoft.com/office/drawing/2014/main" id="{C2A6223F-DC45-4E7E-AAC7-272620B3C29E}"/>
+                    </a:ext>
+                  </a:extLst>
+                </p:cNvPr>
+                <p:cNvSpPr/>
+                <p:nvPr/>
+              </p:nvSpPr>
+              <p:spPr>
+                <a:xfrm>
+                  <a:off x="8328221" y="4189941"/>
+                  <a:ext cx="268938" cy="645457"/>
+                </a:xfrm>
+                <a:prstGeom prst="rect">
+                  <a:avLst/>
+                </a:prstGeom>
+                <a:solidFill>
+                  <a:schemeClr val="bg1"/>
+                </a:solidFill>
+              </p:spPr>
+              <p:style>
+                <a:lnRef idx="2">
+                  <a:schemeClr val="accent1">
+                    <a:shade val="50000"/>
+                  </a:schemeClr>
+                </a:lnRef>
+                <a:fillRef idx="1">
+                  <a:schemeClr val="accent1"/>
+                </a:fillRef>
+                <a:effectRef idx="0">
+                  <a:schemeClr val="accent1"/>
+                </a:effectRef>
+                <a:fontRef idx="minor">
+                  <a:schemeClr val="lt1"/>
+                </a:fontRef>
+              </p:style>
+              <p:txBody>
+                <a:bodyPr rtlCol="0" anchor="ctr"/>
+                <a:lstStyle/>
+                <a:p>
+                  <a:pPr algn="ctr"/>
+                  <a:endParaRPr kumimoji="1" lang="ja-JP" altLang="en-US"/>
+                </a:p>
+              </p:txBody>
+            </p:sp>
+            <p:sp>
+              <p:nvSpPr>
+                <p:cNvPr id="14" name="テキスト ボックス 13">
+                  <a:extLst>
+                    <a:ext uri="{FF2B5EF4-FFF2-40B4-BE49-F238E27FC236}">
+                      <a16:creationId xmlns:a16="http://schemas.microsoft.com/office/drawing/2014/main" id="{E4C35E4B-F892-4A39-83F3-5F41F4A490CB}"/>
+                    </a:ext>
+                  </a:extLst>
+                </p:cNvPr>
+                <p:cNvSpPr txBox="1"/>
+                <p:nvPr/>
+              </p:nvSpPr>
+              <p:spPr>
+                <a:xfrm>
+                  <a:off x="11571195" y="2561478"/>
+                  <a:ext cx="925603" cy="369331"/>
+                </a:xfrm>
+                <a:prstGeom prst="rect">
+                  <a:avLst/>
+                </a:prstGeom>
+                <a:noFill/>
+              </p:spPr>
+              <p:txBody>
+                <a:bodyPr wrap="square" rtlCol="0">
+                  <a:spAutoFit/>
+                </a:bodyPr>
+                <a:lstStyle/>
+                <a:p>
+                  <a:r>
+                    <a:rPr kumimoji="1" lang="en-US" altLang="ja-JP" dirty="0"/>
+                    <a:t>2000V</a:t>
+                  </a:r>
+                  <a:endParaRPr kumimoji="1" lang="ja-JP" altLang="en-US" dirty="0"/>
+                </a:p>
+              </p:txBody>
+            </p:sp>
+            <p:sp>
+              <p:nvSpPr>
+                <p:cNvPr id="15" name="テキスト ボックス 14">
+                  <a:extLst>
+                    <a:ext uri="{FF2B5EF4-FFF2-40B4-BE49-F238E27FC236}">
+                      <a16:creationId xmlns:a16="http://schemas.microsoft.com/office/drawing/2014/main" id="{21ABD22A-5F31-4865-A008-8CE60A0638FE}"/>
+                    </a:ext>
+                  </a:extLst>
+                </p:cNvPr>
+                <p:cNvSpPr txBox="1"/>
+                <p:nvPr/>
+              </p:nvSpPr>
+              <p:spPr>
+                <a:xfrm>
+                  <a:off x="10227609" y="4898323"/>
+                  <a:ext cx="1501588" cy="369332"/>
+                </a:xfrm>
+                <a:prstGeom prst="rect">
+                  <a:avLst/>
+                </a:prstGeom>
+                <a:noFill/>
+              </p:spPr>
+              <p:txBody>
+                <a:bodyPr wrap="square" rtlCol="0">
+                  <a:spAutoFit/>
+                </a:bodyPr>
+                <a:lstStyle/>
+                <a:p>
+                  <a:r>
+                    <a:rPr kumimoji="1" lang="ja-JP" altLang="en-US" dirty="0"/>
+                    <a:t>グラウンド</a:t>
+                  </a:r>
+                </a:p>
+              </p:txBody>
+            </p:sp>
+            <p:sp>
+              <p:nvSpPr>
+                <p:cNvPr id="16" name="テキスト ボックス 15">
+                  <a:extLst>
+                    <a:ext uri="{FF2B5EF4-FFF2-40B4-BE49-F238E27FC236}">
+                      <a16:creationId xmlns:a16="http://schemas.microsoft.com/office/drawing/2014/main" id="{CEA600A2-60DA-4E86-845B-59AA2C836D82}"/>
+                    </a:ext>
+                  </a:extLst>
+                </p:cNvPr>
+                <p:cNvSpPr txBox="1"/>
+                <p:nvPr/>
+              </p:nvSpPr>
+              <p:spPr>
+                <a:xfrm>
+                  <a:off x="9292377" y="2035981"/>
+                  <a:ext cx="894213" cy="369331"/>
+                </a:xfrm>
+                <a:prstGeom prst="rect">
+                  <a:avLst/>
+                </a:prstGeom>
+                <a:noFill/>
+                <a:ln>
+                  <a:solidFill>
+                    <a:schemeClr val="bg1"/>
+                  </a:solidFill>
+                </a:ln>
+              </p:spPr>
+              <p:txBody>
+                <a:bodyPr wrap="square" rtlCol="0">
+                  <a:spAutoFit/>
+                </a:bodyPr>
+                <a:lstStyle/>
+                <a:p>
+                  <a:r>
+                    <a:rPr kumimoji="1" lang="en-US" altLang="ja-JP" dirty="0"/>
+                    <a:t>100Ω</a:t>
+                  </a:r>
+                  <a:endParaRPr kumimoji="1" lang="ja-JP" altLang="en-US" dirty="0"/>
+                </a:p>
+              </p:txBody>
+            </p:sp>
+            <p:sp>
+              <p:nvSpPr>
+                <p:cNvPr id="17" name="テキスト ボックス 16">
+                  <a:extLst>
+                    <a:ext uri="{FF2B5EF4-FFF2-40B4-BE49-F238E27FC236}">
+                      <a16:creationId xmlns:a16="http://schemas.microsoft.com/office/drawing/2014/main" id="{32336160-A5CF-4DDA-A359-15828F82DF6C}"/>
+                    </a:ext>
+                  </a:extLst>
+                </p:cNvPr>
+                <p:cNvSpPr txBox="1"/>
+                <p:nvPr/>
+              </p:nvSpPr>
+              <p:spPr>
+                <a:xfrm>
+                  <a:off x="8704067" y="3286191"/>
+                  <a:ext cx="1035416" cy="369331"/>
+                </a:xfrm>
+                <a:prstGeom prst="rect">
+                  <a:avLst/>
+                </a:prstGeom>
+                <a:noFill/>
+                <a:ln>
+                  <a:solidFill>
+                    <a:schemeClr val="bg1"/>
+                  </a:solidFill>
+                </a:ln>
+              </p:spPr>
+              <p:txBody>
+                <a:bodyPr wrap="square" rtlCol="0">
+                  <a:spAutoFit/>
+                </a:bodyPr>
+                <a:lstStyle/>
+                <a:p>
+                  <a:r>
+                    <a:rPr lang="en-US" altLang="ja-JP" dirty="0"/>
+                    <a:t>100k</a:t>
+                  </a:r>
+                  <a:r>
+                    <a:rPr kumimoji="1" lang="en-US" altLang="ja-JP" dirty="0"/>
+                    <a:t>Ω</a:t>
+                  </a:r>
+                  <a:endParaRPr kumimoji="1" lang="ja-JP" altLang="en-US" dirty="0"/>
+                </a:p>
+              </p:txBody>
+            </p:sp>
+            <p:sp>
+              <p:nvSpPr>
+                <p:cNvPr id="18" name="テキスト ボックス 17">
+                  <a:extLst>
+                    <a:ext uri="{FF2B5EF4-FFF2-40B4-BE49-F238E27FC236}">
+                      <a16:creationId xmlns:a16="http://schemas.microsoft.com/office/drawing/2014/main" id="{37719856-4FF9-4586-BCD9-5911903764C8}"/>
+                    </a:ext>
+                  </a:extLst>
+                </p:cNvPr>
+                <p:cNvSpPr txBox="1"/>
+                <p:nvPr/>
+              </p:nvSpPr>
+              <p:spPr>
+                <a:xfrm>
+                  <a:off x="8606115" y="4189768"/>
+                  <a:ext cx="894213" cy="369332"/>
+                </a:xfrm>
+                <a:prstGeom prst="rect">
+                  <a:avLst/>
+                </a:prstGeom>
+                <a:noFill/>
+                <a:ln>
+                  <a:solidFill>
+                    <a:schemeClr val="bg1"/>
+                  </a:solidFill>
+                </a:ln>
+              </p:spPr>
+              <p:txBody>
+                <a:bodyPr wrap="square" rtlCol="0">
+                  <a:spAutoFit/>
+                </a:bodyPr>
+                <a:lstStyle/>
+                <a:p>
+                  <a:r>
+                    <a:rPr lang="en-US" altLang="ja-JP" dirty="0"/>
+                    <a:t>2M</a:t>
+                  </a:r>
+                  <a:r>
+                    <a:rPr kumimoji="1" lang="en-US" altLang="ja-JP" dirty="0"/>
+                    <a:t>Ω</a:t>
+                  </a:r>
+                  <a:endParaRPr kumimoji="1" lang="ja-JP" altLang="en-US" dirty="0"/>
+                </a:p>
+              </p:txBody>
+            </p:sp>
+            <p:cxnSp>
+              <p:nvCxnSpPr>
+                <p:cNvPr id="19" name="直線コネクタ 18">
+                  <a:extLst>
+                    <a:ext uri="{FF2B5EF4-FFF2-40B4-BE49-F238E27FC236}">
+                      <a16:creationId xmlns:a16="http://schemas.microsoft.com/office/drawing/2014/main" id="{2EE088FB-5654-4FB1-887E-CB025402F13B}"/>
+                    </a:ext>
+                  </a:extLst>
+                </p:cNvPr>
+                <p:cNvCxnSpPr>
+                  <a:cxnSpLocks/>
+                </p:cNvCxnSpPr>
+                <p:nvPr/>
+              </p:nvCxnSpPr>
+              <p:spPr>
+                <a:xfrm flipV="1">
+                  <a:off x="8072211" y="1047970"/>
+                  <a:ext cx="0" cy="889659"/>
+                </a:xfrm>
+                <a:prstGeom prst="line">
+                  <a:avLst/>
+                </a:prstGeom>
+              </p:spPr>
+              <p:style>
+                <a:lnRef idx="1">
+                  <a:schemeClr val="accent1"/>
+                </a:lnRef>
+                <a:fillRef idx="0">
+                  <a:schemeClr val="accent1"/>
+                </a:fillRef>
+                <a:effectRef idx="0">
+                  <a:schemeClr val="accent1"/>
+                </a:effectRef>
+                <a:fontRef idx="minor">
+                  <a:schemeClr val="tx1"/>
+                </a:fontRef>
+              </p:style>
+            </p:cxnSp>
+            <p:cxnSp>
+              <p:nvCxnSpPr>
+                <p:cNvPr id="20" name="直線コネクタ 19">
+                  <a:extLst>
+                    <a:ext uri="{FF2B5EF4-FFF2-40B4-BE49-F238E27FC236}">
+                      <a16:creationId xmlns:a16="http://schemas.microsoft.com/office/drawing/2014/main" id="{E6EE23BB-1D80-46B1-90E7-A4E2BC0079ED}"/>
+                    </a:ext>
+                  </a:extLst>
+                </p:cNvPr>
+                <p:cNvCxnSpPr>
+                  <a:cxnSpLocks/>
+                </p:cNvCxnSpPr>
+                <p:nvPr/>
+              </p:nvCxnSpPr>
+              <p:spPr>
+                <a:xfrm>
+                  <a:off x="7815537" y="1050826"/>
+                  <a:ext cx="449360" cy="9812"/>
+                </a:xfrm>
+                <a:prstGeom prst="line">
+                  <a:avLst/>
+                </a:prstGeom>
+              </p:spPr>
+              <p:style>
+                <a:lnRef idx="1">
+                  <a:schemeClr val="accent1"/>
+                </a:lnRef>
+                <a:fillRef idx="0">
+                  <a:schemeClr val="accent1"/>
+                </a:fillRef>
+                <a:effectRef idx="0">
+                  <a:schemeClr val="accent1"/>
+                </a:effectRef>
+                <a:fontRef idx="minor">
+                  <a:schemeClr val="tx1"/>
+                </a:fontRef>
+              </p:style>
+            </p:cxnSp>
+            <p:cxnSp>
+              <p:nvCxnSpPr>
+                <p:cNvPr id="21" name="直線コネクタ 20">
+                  <a:extLst>
+                    <a:ext uri="{FF2B5EF4-FFF2-40B4-BE49-F238E27FC236}">
+                      <a16:creationId xmlns:a16="http://schemas.microsoft.com/office/drawing/2014/main" id="{C75E1223-1B50-4AD4-8D2D-C84D0F76C686}"/>
+                    </a:ext>
+                  </a:extLst>
+                </p:cNvPr>
+                <p:cNvCxnSpPr>
+                  <a:cxnSpLocks/>
+                </p:cNvCxnSpPr>
+                <p:nvPr/>
+              </p:nvCxnSpPr>
+              <p:spPr>
+                <a:xfrm>
+                  <a:off x="7815536" y="762298"/>
+                  <a:ext cx="449360" cy="9812"/>
+                </a:xfrm>
+                <a:prstGeom prst="line">
+                  <a:avLst/>
+                </a:prstGeom>
+              </p:spPr>
+              <p:style>
+                <a:lnRef idx="1">
+                  <a:schemeClr val="accent1"/>
+                </a:lnRef>
+                <a:fillRef idx="0">
+                  <a:schemeClr val="accent1"/>
+                </a:fillRef>
+                <a:effectRef idx="0">
+                  <a:schemeClr val="accent1"/>
+                </a:effectRef>
+                <a:fontRef idx="minor">
+                  <a:schemeClr val="tx1"/>
+                </a:fontRef>
+              </p:style>
+            </p:cxnSp>
+            <p:cxnSp>
+              <p:nvCxnSpPr>
+                <p:cNvPr id="22" name="直線コネクタ 21">
+                  <a:extLst>
+                    <a:ext uri="{FF2B5EF4-FFF2-40B4-BE49-F238E27FC236}">
+                      <a16:creationId xmlns:a16="http://schemas.microsoft.com/office/drawing/2014/main" id="{177E8D71-F1F9-4FA3-81CC-A2E8BCAA1D6B}"/>
+                    </a:ext>
+                  </a:extLst>
+                </p:cNvPr>
+                <p:cNvCxnSpPr>
+                  <a:cxnSpLocks/>
+                </p:cNvCxnSpPr>
+                <p:nvPr/>
+              </p:nvCxnSpPr>
+              <p:spPr>
+                <a:xfrm flipV="1">
+                  <a:off x="8072211" y="467703"/>
+                  <a:ext cx="0" cy="294595"/>
+                </a:xfrm>
+                <a:prstGeom prst="line">
+                  <a:avLst/>
+                </a:prstGeom>
+              </p:spPr>
+              <p:style>
+                <a:lnRef idx="1">
+                  <a:schemeClr val="accent1"/>
+                </a:lnRef>
+                <a:fillRef idx="0">
+                  <a:schemeClr val="accent1"/>
+                </a:fillRef>
+                <a:effectRef idx="0">
+                  <a:schemeClr val="accent1"/>
+                </a:effectRef>
+                <a:fontRef idx="minor">
+                  <a:schemeClr val="tx1"/>
+                </a:fontRef>
+              </p:style>
+            </p:cxnSp>
+            <p:sp>
+              <p:nvSpPr>
+                <p:cNvPr id="23" name="テキスト ボックス 22">
+                  <a:extLst>
+                    <a:ext uri="{FF2B5EF4-FFF2-40B4-BE49-F238E27FC236}">
+                      <a16:creationId xmlns:a16="http://schemas.microsoft.com/office/drawing/2014/main" id="{44524F64-6F6B-4E1E-A16C-812639ACEB76}"/>
+                    </a:ext>
+                  </a:extLst>
+                </p:cNvPr>
+                <p:cNvSpPr txBox="1"/>
+                <p:nvPr/>
+              </p:nvSpPr>
+              <p:spPr>
+                <a:xfrm>
+                  <a:off x="7157727" y="-71226"/>
+                  <a:ext cx="2039465" cy="369331"/>
+                </a:xfrm>
+                <a:prstGeom prst="rect">
+                  <a:avLst/>
+                </a:prstGeom>
+                <a:noFill/>
+                <a:ln>
+                  <a:solidFill>
+                    <a:schemeClr val="bg1"/>
+                  </a:solidFill>
+                </a:ln>
+              </p:spPr>
+              <p:txBody>
+                <a:bodyPr wrap="square" rtlCol="0">
+                  <a:spAutoFit/>
+                </a:bodyPr>
+                <a:lstStyle/>
+                <a:p>
+                  <a:r>
+                    <a:rPr kumimoji="1" lang="ja-JP" altLang="en-US" dirty="0"/>
+                    <a:t>オシロスコープへ</a:t>
+                  </a:r>
+                </a:p>
+              </p:txBody>
+            </p:sp>
+            <p:sp>
+              <p:nvSpPr>
+                <p:cNvPr id="24" name="正方形/長方形 23">
+                  <a:extLst>
+                    <a:ext uri="{FF2B5EF4-FFF2-40B4-BE49-F238E27FC236}">
+                      <a16:creationId xmlns:a16="http://schemas.microsoft.com/office/drawing/2014/main" id="{B2E4DE81-B5B2-4577-82CD-EF99C172B0CF}"/>
+                    </a:ext>
+                  </a:extLst>
+                </p:cNvPr>
+                <p:cNvSpPr/>
+                <p:nvPr/>
+              </p:nvSpPr>
+              <p:spPr>
+                <a:xfrm>
+                  <a:off x="5454882" y="2600664"/>
+                  <a:ext cx="923478" cy="2751525"/>
+                </a:xfrm>
+                <a:prstGeom prst="rect">
+                  <a:avLst/>
+                </a:prstGeom>
+                <a:ln>
+                  <a:solidFill>
+                    <a:schemeClr val="tx1"/>
+                  </a:solidFill>
+                </a:ln>
+              </p:spPr>
+              <p:style>
+                <a:lnRef idx="2">
+                  <a:schemeClr val="accent6"/>
+                </a:lnRef>
+                <a:fillRef idx="1">
+                  <a:schemeClr val="lt1"/>
+                </a:fillRef>
+                <a:effectRef idx="0">
+                  <a:schemeClr val="accent6"/>
+                </a:effectRef>
+                <a:fontRef idx="minor">
+                  <a:schemeClr val="dk1"/>
+                </a:fontRef>
+              </p:style>
+              <p:txBody>
+                <a:bodyPr rtlCol="0" anchor="ctr"/>
+                <a:lstStyle/>
+                <a:p>
+                  <a:pPr algn="ctr"/>
+                  <a:r>
+                    <a:rPr kumimoji="1" lang="en-US" altLang="ja-JP" dirty="0"/>
+                    <a:t>M</a:t>
+                  </a:r>
+                </a:p>
+                <a:p>
+                  <a:pPr algn="ctr"/>
+                  <a:r>
+                    <a:rPr kumimoji="1" lang="en-US" altLang="ja-JP" dirty="0"/>
+                    <a:t>C</a:t>
+                  </a:r>
+                </a:p>
+                <a:p>
+                  <a:pPr algn="ctr"/>
+                  <a:r>
+                    <a:rPr lang="en-US" altLang="ja-JP" dirty="0"/>
+                    <a:t>P</a:t>
+                  </a:r>
+                  <a:endParaRPr kumimoji="1" lang="en-US" altLang="ja-JP" dirty="0"/>
+                </a:p>
+              </p:txBody>
+            </p:sp>
+          </p:grpSp>
+          <p:sp>
+            <p:nvSpPr>
+              <p:cNvPr id="25" name="楕円 24">
+                <a:extLst>
+                  <a:ext uri="{FF2B5EF4-FFF2-40B4-BE49-F238E27FC236}">
+                    <a16:creationId xmlns:a16="http://schemas.microsoft.com/office/drawing/2014/main" id="{B8E6B868-2C5C-44FE-8FD1-1B9D7951D1C5}"/>
+                  </a:ext>
+                </a:extLst>
+              </p:cNvPr>
+              <p:cNvSpPr/>
+              <p:nvPr/>
+            </p:nvSpPr>
+            <p:spPr>
+              <a:xfrm>
+                <a:off x="2042831" y="5630752"/>
+                <a:ext cx="1801906" cy="430306"/>
+              </a:xfrm>
+              <a:prstGeom prst="ellipse">
+                <a:avLst/>
+              </a:prstGeom>
+              <a:noFill/>
+            </p:spPr>
+            <p:style>
+              <a:lnRef idx="2">
+                <a:schemeClr val="accent1">
+                  <a:shade val="50000"/>
+                </a:schemeClr>
+              </a:lnRef>
+              <a:fillRef idx="1">
+                <a:schemeClr val="accent1"/>
+              </a:fillRef>
+              <a:effectRef idx="0">
+                <a:schemeClr val="accent1"/>
+              </a:effectRef>
+              <a:fontRef idx="minor">
+                <a:schemeClr val="lt1"/>
+              </a:fontRef>
+            </p:style>
+            <p:txBody>
+              <a:bodyPr rtlCol="0" anchor="ctr"/>
+              <a:lstStyle/>
+              <a:p>
+                <a:pPr algn="ctr"/>
+                <a:r>
+                  <a:rPr kumimoji="1" lang="ja-JP" altLang="en-US" dirty="0">
+                    <a:solidFill>
+                      <a:schemeClr val="tx1"/>
+                    </a:solidFill>
+                  </a:rPr>
+                  <a:t>線源</a:t>
+                </a:r>
+              </a:p>
+            </p:txBody>
+          </p:sp>
+          <p:cxnSp>
+            <p:nvCxnSpPr>
+              <p:cNvPr id="27" name="直線矢印コネクタ 26">
+                <a:extLst>
+                  <a:ext uri="{FF2B5EF4-FFF2-40B4-BE49-F238E27FC236}">
+                    <a16:creationId xmlns:a16="http://schemas.microsoft.com/office/drawing/2014/main" id="{C09E0BB3-03C5-4EB8-AEF6-74CD59C334CB}"/>
+                  </a:ext>
+                </a:extLst>
+              </p:cNvPr>
+              <p:cNvCxnSpPr/>
+              <p:nvPr/>
+            </p:nvCxnSpPr>
+            <p:spPr>
+              <a:xfrm flipV="1">
+                <a:off x="2466641" y="5073113"/>
+                <a:ext cx="0" cy="469701"/>
+              </a:xfrm>
+              <a:prstGeom prst="straightConnector1">
+                <a:avLst/>
+              </a:prstGeom>
+              <a:ln>
+                <a:tailEnd type="triangle"/>
+              </a:ln>
+            </p:spPr>
+            <p:style>
+              <a:lnRef idx="1">
+                <a:schemeClr val="accent1"/>
+              </a:lnRef>
+              <a:fillRef idx="0">
+                <a:schemeClr val="accent1"/>
+              </a:fillRef>
+              <a:effectRef idx="0">
+                <a:schemeClr val="accent1"/>
+              </a:effectRef>
+              <a:fontRef idx="minor">
+                <a:schemeClr val="tx1"/>
+              </a:fontRef>
+            </p:style>
+          </p:cxnSp>
+          <p:cxnSp>
+            <p:nvCxnSpPr>
+              <p:cNvPr id="28" name="直線矢印コネクタ 27">
+                <a:extLst>
+                  <a:ext uri="{FF2B5EF4-FFF2-40B4-BE49-F238E27FC236}">
+                    <a16:creationId xmlns:a16="http://schemas.microsoft.com/office/drawing/2014/main" id="{9FE1020E-4EB1-40D9-8930-45A441DEDA17}"/>
+                  </a:ext>
+                </a:extLst>
+              </p:cNvPr>
+              <p:cNvCxnSpPr/>
+              <p:nvPr/>
+            </p:nvCxnSpPr>
+            <p:spPr>
+              <a:xfrm flipV="1">
+                <a:off x="2716306" y="5073113"/>
+                <a:ext cx="0" cy="469701"/>
+              </a:xfrm>
+              <a:prstGeom prst="straightConnector1">
+                <a:avLst/>
+              </a:prstGeom>
+              <a:ln>
+                <a:tailEnd type="triangle"/>
+              </a:ln>
+            </p:spPr>
+            <p:style>
+              <a:lnRef idx="1">
+                <a:schemeClr val="accent1"/>
+              </a:lnRef>
+              <a:fillRef idx="0">
+                <a:schemeClr val="accent1"/>
+              </a:fillRef>
+              <a:effectRef idx="0">
+                <a:schemeClr val="accent1"/>
+              </a:effectRef>
+              <a:fontRef idx="minor">
+                <a:schemeClr val="tx1"/>
+              </a:fontRef>
+            </p:style>
+          </p:cxnSp>
+          <p:cxnSp>
+            <p:nvCxnSpPr>
+              <p:cNvPr id="29" name="直線矢印コネクタ 28">
+                <a:extLst>
+                  <a:ext uri="{FF2B5EF4-FFF2-40B4-BE49-F238E27FC236}">
+                    <a16:creationId xmlns:a16="http://schemas.microsoft.com/office/drawing/2014/main" id="{C4B08605-71F4-4DA9-9433-15D6BC2D099B}"/>
+                  </a:ext>
+                </a:extLst>
+              </p:cNvPr>
+              <p:cNvCxnSpPr/>
+              <p:nvPr/>
+            </p:nvCxnSpPr>
+            <p:spPr>
+              <a:xfrm flipV="1">
+                <a:off x="3151689" y="5073113"/>
+                <a:ext cx="0" cy="469701"/>
+              </a:xfrm>
+              <a:prstGeom prst="straightConnector1">
+                <a:avLst/>
+              </a:prstGeom>
+              <a:ln>
+                <a:tailEnd type="triangle"/>
+              </a:ln>
+            </p:spPr>
+            <p:style>
+              <a:lnRef idx="1">
+                <a:schemeClr val="accent1"/>
+              </a:lnRef>
+              <a:fillRef idx="0">
+                <a:schemeClr val="accent1"/>
+              </a:fillRef>
+              <a:effectRef idx="0">
+                <a:schemeClr val="accent1"/>
+              </a:effectRef>
+              <a:fontRef idx="minor">
+                <a:schemeClr val="tx1"/>
+              </a:fontRef>
+            </p:style>
+          </p:cxnSp>
+          <p:cxnSp>
+            <p:nvCxnSpPr>
+              <p:cNvPr id="30" name="直線矢印コネクタ 29">
+                <a:extLst>
+                  <a:ext uri="{FF2B5EF4-FFF2-40B4-BE49-F238E27FC236}">
+                    <a16:creationId xmlns:a16="http://schemas.microsoft.com/office/drawing/2014/main" id="{3B9948EA-6EF2-4196-B044-CC972227E135}"/>
+                  </a:ext>
+                </a:extLst>
+              </p:cNvPr>
+              <p:cNvCxnSpPr/>
+              <p:nvPr/>
+            </p:nvCxnSpPr>
+            <p:spPr>
+              <a:xfrm flipV="1">
+                <a:off x="3384023" y="5073113"/>
+                <a:ext cx="0" cy="469701"/>
+              </a:xfrm>
+              <a:prstGeom prst="straightConnector1">
+                <a:avLst/>
+              </a:prstGeom>
+              <a:ln>
+                <a:tailEnd type="triangle"/>
+              </a:ln>
+            </p:spPr>
+            <p:style>
+              <a:lnRef idx="1">
+                <a:schemeClr val="accent1"/>
+              </a:lnRef>
+              <a:fillRef idx="0">
+                <a:schemeClr val="accent1"/>
+              </a:fillRef>
+              <a:effectRef idx="0">
+                <a:schemeClr val="accent1"/>
+              </a:effectRef>
+              <a:fontRef idx="minor">
+                <a:schemeClr val="tx1"/>
+              </a:fontRef>
+            </p:style>
+          </p:cxnSp>
+          <p:cxnSp>
+            <p:nvCxnSpPr>
+              <p:cNvPr id="31" name="直線矢印コネクタ 30">
+                <a:extLst>
+                  <a:ext uri="{FF2B5EF4-FFF2-40B4-BE49-F238E27FC236}">
+                    <a16:creationId xmlns:a16="http://schemas.microsoft.com/office/drawing/2014/main" id="{44E3C530-0E88-4892-BB09-59606D1DBBD0}"/>
+                  </a:ext>
+                </a:extLst>
+              </p:cNvPr>
+              <p:cNvCxnSpPr/>
+              <p:nvPr/>
+            </p:nvCxnSpPr>
+            <p:spPr>
+              <a:xfrm flipV="1">
+                <a:off x="2918697" y="5073113"/>
+                <a:ext cx="0" cy="469701"/>
+              </a:xfrm>
+              <a:prstGeom prst="straightConnector1">
+                <a:avLst/>
+              </a:prstGeom>
+              <a:ln>
+                <a:tailEnd type="triangle"/>
+              </a:ln>
+            </p:spPr>
+            <p:style>
+              <a:lnRef idx="1">
+                <a:schemeClr val="accent1"/>
+              </a:lnRef>
+              <a:fillRef idx="0">
+                <a:schemeClr val="accent1"/>
+              </a:fillRef>
+              <a:effectRef idx="0">
+                <a:schemeClr val="accent1"/>
+              </a:effectRef>
+              <a:fontRef idx="minor">
+                <a:schemeClr val="tx1"/>
+              </a:fontRef>
+            </p:style>
+          </p:cxnSp>
+        </p:grpSp>
+        <p:sp>
+          <p:nvSpPr>
+            <p:cNvPr id="37" name="正方形/長方形 36">
+              <a:extLst>
+                <a:ext uri="{FF2B5EF4-FFF2-40B4-BE49-F238E27FC236}">
+                  <a16:creationId xmlns:a16="http://schemas.microsoft.com/office/drawing/2014/main" id="{EF4C64BF-F706-47BB-BB06-AB21BE92EAB1}"/>
+                </a:ext>
+              </a:extLst>
+            </p:cNvPr>
+            <p:cNvSpPr/>
+            <p:nvPr/>
+          </p:nvSpPr>
+          <p:spPr>
+            <a:xfrm>
+              <a:off x="2837002" y="2246075"/>
+              <a:ext cx="1259424" cy="669048"/>
+            </a:xfrm>
+            <a:prstGeom prst="rect">
+              <a:avLst/>
+            </a:prstGeom>
+            <a:noFill/>
+          </p:spPr>
+          <p:style>
+            <a:lnRef idx="2">
+              <a:schemeClr val="accent1">
+                <a:shade val="50000"/>
+              </a:schemeClr>
+            </a:lnRef>
+            <a:fillRef idx="1">
+              <a:schemeClr val="accent1"/>
+            </a:fillRef>
+            <a:effectRef idx="0">
+              <a:schemeClr val="accent1"/>
+            </a:effectRef>
+            <a:fontRef idx="minor">
+              <a:schemeClr val="lt1"/>
+            </a:fontRef>
+          </p:style>
+          <p:txBody>
+            <a:bodyPr rtlCol="0" anchor="ctr"/>
+            <a:lstStyle/>
+            <a:p>
+              <a:pPr algn="ctr"/>
+              <a:r>
+                <a:rPr kumimoji="1" lang="ja-JP" altLang="en-US" dirty="0">
+                  <a:solidFill>
+                    <a:schemeClr val="tx1"/>
+                  </a:solidFill>
+                </a:rPr>
+                <a:t>読み出し電極</a:t>
+              </a:r>
+            </a:p>
+          </p:txBody>
+        </p:sp>
+        <p:cxnSp>
+          <p:nvCxnSpPr>
+            <p:cNvPr id="39" name="直線コネクタ 38">
+              <a:extLst>
+                <a:ext uri="{FF2B5EF4-FFF2-40B4-BE49-F238E27FC236}">
+                  <a16:creationId xmlns:a16="http://schemas.microsoft.com/office/drawing/2014/main" id="{E44B1F5A-B11A-41B3-8DCF-DD2CD9F528C2}"/>
+                </a:ext>
+              </a:extLst>
+            </p:cNvPr>
+            <p:cNvCxnSpPr>
+              <a:cxnSpLocks/>
+            </p:cNvCxnSpPr>
+            <p:nvPr/>
+          </p:nvCxnSpPr>
+          <p:spPr>
+            <a:xfrm>
+              <a:off x="4120083" y="2578383"/>
+              <a:ext cx="1543566" cy="0"/>
+            </a:xfrm>
+            <a:prstGeom prst="line">
+              <a:avLst/>
+            </a:prstGeom>
+          </p:spPr>
+          <p:style>
+            <a:lnRef idx="1">
+              <a:schemeClr val="accent1"/>
+            </a:lnRef>
+            <a:fillRef idx="0">
+              <a:schemeClr val="accent1"/>
+            </a:fillRef>
+            <a:effectRef idx="0">
+              <a:schemeClr val="accent1"/>
+            </a:effectRef>
+            <a:fontRef idx="minor">
+              <a:schemeClr val="tx1"/>
+            </a:fontRef>
+          </p:style>
+        </p:cxnSp>
+      </p:grpSp>
+    </p:spTree>
+    <p:extLst>
+      <p:ext uri="{BB962C8B-B14F-4D97-AF65-F5344CB8AC3E}">
+        <p14:creationId xmlns:p14="http://schemas.microsoft.com/office/powerpoint/2010/main" val="884445320"/>
       </p:ext>
     </p:extLst>
   </p:cSld>
@@ -7697,583 +9628,6 @@
           <a:lstStyle/>
           <a:p>
             <a:r>
-              <a:rPr lang="en-US" altLang="ja-JP" sz="3200" dirty="0"/>
-              <a:t>1.</a:t>
-            </a:r>
-            <a:r>
-              <a:rPr lang="ja-JP" altLang="en-US" sz="3200" dirty="0"/>
-              <a:t>はじめに</a:t>
-            </a:r>
-            <a:endParaRPr kumimoji="1" lang="ja-JP" altLang="en-US" sz="3200" dirty="0"/>
-          </a:p>
-        </p:txBody>
-      </p:sp>
-      <p:sp>
-        <p:nvSpPr>
-          <p:cNvPr id="5" name="テキスト ボックス 4">
-            <a:extLst>
-              <a:ext uri="{FF2B5EF4-FFF2-40B4-BE49-F238E27FC236}">
-                <a16:creationId xmlns:a16="http://schemas.microsoft.com/office/drawing/2014/main" id="{3F077639-D6D1-4F79-816A-483E415C9242}"/>
-              </a:ext>
-            </a:extLst>
-          </p:cNvPr>
-          <p:cNvSpPr txBox="1"/>
-          <p:nvPr/>
-        </p:nvSpPr>
-        <p:spPr>
-          <a:xfrm>
-            <a:off x="699808" y="1680322"/>
-            <a:ext cx="2115671" cy="369332"/>
-          </a:xfrm>
-          <a:prstGeom prst="rect">
-            <a:avLst/>
-          </a:prstGeom>
-          <a:noFill/>
-        </p:spPr>
-        <p:txBody>
-          <a:bodyPr wrap="square" rtlCol="0">
-            <a:spAutoFit/>
-          </a:bodyPr>
-          <a:lstStyle/>
-          <a:p>
-            <a:r>
-              <a:rPr lang="ja-JP" altLang="en-US" dirty="0"/>
-              <a:t>前半の結果</a:t>
-            </a:r>
-            <a:endParaRPr kumimoji="1" lang="ja-JP" altLang="en-US" dirty="0"/>
-          </a:p>
-        </p:txBody>
-      </p:sp>
-      <p:grpSp>
-        <p:nvGrpSpPr>
-          <p:cNvPr id="6" name="グループ化 5">
-            <a:extLst>
-              <a:ext uri="{FF2B5EF4-FFF2-40B4-BE49-F238E27FC236}">
-                <a16:creationId xmlns:a16="http://schemas.microsoft.com/office/drawing/2014/main" id="{A6DFA881-AC39-401B-AA2A-56FF91AA29EB}"/>
-              </a:ext>
-            </a:extLst>
-          </p:cNvPr>
-          <p:cNvGrpSpPr/>
-          <p:nvPr/>
-        </p:nvGrpSpPr>
-        <p:grpSpPr>
-          <a:xfrm>
-            <a:off x="5257800" y="349647"/>
-            <a:ext cx="6620759" cy="4645630"/>
-            <a:chOff x="1676400" y="1091640"/>
-            <a:chExt cx="8808638" cy="5770887"/>
-          </a:xfrm>
-        </p:grpSpPr>
-        <p:pic>
-          <p:nvPicPr>
-            <p:cNvPr id="7" name="図 6" descr="グラフ, ヒストグラム&#10;&#10;自動的に生成された説明">
-              <a:extLst>
-                <a:ext uri="{FF2B5EF4-FFF2-40B4-BE49-F238E27FC236}">
-                  <a16:creationId xmlns:a16="http://schemas.microsoft.com/office/drawing/2014/main" id="{E1920106-56FC-4BA7-AEC9-6C9EF9110EF9}"/>
-                </a:ext>
-              </a:extLst>
-            </p:cNvPr>
-            <p:cNvPicPr>
-              <a:picLocks noChangeAspect="1"/>
-            </p:cNvPicPr>
-            <p:nvPr/>
-          </p:nvPicPr>
-          <p:blipFill rotWithShape="1">
-            <a:blip r:embed="rId3">
-              <a:extLst>
-                <a:ext uri="{28A0092B-C50C-407E-A947-70E740481C1C}">
-                  <a14:useLocalDpi xmlns:a14="http://schemas.microsoft.com/office/drawing/2010/main" val="0"/>
-                </a:ext>
-              </a:extLst>
-            </a:blip>
-            <a:srcRect l="4117" t="6367" r="2202" b="6934"/>
-            <a:stretch/>
-          </p:blipFill>
-          <p:spPr>
-            <a:xfrm>
-              <a:off x="1676400" y="1325563"/>
-              <a:ext cx="8808638" cy="5536964"/>
-            </a:xfrm>
-            <a:prstGeom prst="rect">
-              <a:avLst/>
-            </a:prstGeom>
-          </p:spPr>
-        </p:pic>
-        <p:grpSp>
-          <p:nvGrpSpPr>
-            <p:cNvPr id="8" name="グループ化 7">
-              <a:extLst>
-                <a:ext uri="{FF2B5EF4-FFF2-40B4-BE49-F238E27FC236}">
-                  <a16:creationId xmlns:a16="http://schemas.microsoft.com/office/drawing/2014/main" id="{B6A30F32-20AE-4DFF-A360-D328034D882C}"/>
-                </a:ext>
-              </a:extLst>
-            </p:cNvPr>
-            <p:cNvGrpSpPr/>
-            <p:nvPr/>
-          </p:nvGrpSpPr>
-          <p:grpSpPr>
-            <a:xfrm>
-              <a:off x="1877073" y="1091640"/>
-              <a:ext cx="6131908" cy="458792"/>
-              <a:chOff x="753938" y="1648102"/>
-              <a:chExt cx="6131908" cy="458792"/>
-            </a:xfrm>
-          </p:grpSpPr>
-          <p:sp>
-            <p:nvSpPr>
-              <p:cNvPr id="9" name="テキスト ボックス 8">
-                <a:extLst>
-                  <a:ext uri="{FF2B5EF4-FFF2-40B4-BE49-F238E27FC236}">
-                    <a16:creationId xmlns:a16="http://schemas.microsoft.com/office/drawing/2014/main" id="{A70FE8B2-E835-4317-9886-A50F3277BC5F}"/>
-                  </a:ext>
-                </a:extLst>
-              </p:cNvPr>
-              <p:cNvSpPr txBox="1"/>
-              <p:nvPr/>
-            </p:nvSpPr>
-            <p:spPr>
-              <a:xfrm>
-                <a:off x="753938" y="1648102"/>
-                <a:ext cx="1024519" cy="458792"/>
-              </a:xfrm>
-              <a:prstGeom prst="rect">
-                <a:avLst/>
-              </a:prstGeom>
-              <a:noFill/>
-            </p:spPr>
-            <p:txBody>
-              <a:bodyPr wrap="square" rtlCol="0">
-                <a:spAutoFit/>
-              </a:bodyPr>
-              <a:lstStyle/>
-              <a:p>
-                <a:r>
-                  <a:rPr lang="en-US" altLang="ja-JP" dirty="0"/>
-                  <a:t>20</a:t>
-                </a:r>
-                <a:r>
-                  <a:rPr kumimoji="1" lang="ja-JP" altLang="en-US" dirty="0"/>
-                  <a:t>価</a:t>
-                </a:r>
-              </a:p>
-            </p:txBody>
-          </p:sp>
-          <p:sp>
-            <p:nvSpPr>
-              <p:cNvPr id="10" name="テキスト ボックス 9">
-                <a:extLst>
-                  <a:ext uri="{FF2B5EF4-FFF2-40B4-BE49-F238E27FC236}">
-                    <a16:creationId xmlns:a16="http://schemas.microsoft.com/office/drawing/2014/main" id="{9A5E11BB-8506-42BF-8F0B-692D744EB9D1}"/>
-                  </a:ext>
-                </a:extLst>
-              </p:cNvPr>
-              <p:cNvSpPr txBox="1"/>
-              <p:nvPr/>
-            </p:nvSpPr>
-            <p:spPr>
-              <a:xfrm>
-                <a:off x="5481252" y="1692832"/>
-                <a:ext cx="1404594" cy="369332"/>
-              </a:xfrm>
-              <a:prstGeom prst="rect">
-                <a:avLst/>
-              </a:prstGeom>
-              <a:noFill/>
-            </p:spPr>
-            <p:txBody>
-              <a:bodyPr wrap="square" rtlCol="0">
-                <a:spAutoFit/>
-              </a:bodyPr>
-              <a:lstStyle/>
-              <a:p>
-                <a:r>
-                  <a:rPr kumimoji="1" lang="en-US" altLang="ja-JP" dirty="0"/>
-                  <a:t>1</a:t>
-                </a:r>
-                <a:r>
-                  <a:rPr kumimoji="1" lang="ja-JP" altLang="en-US" dirty="0"/>
-                  <a:t>価</a:t>
-                </a:r>
-              </a:p>
-            </p:txBody>
-          </p:sp>
-          <p:cxnSp>
-            <p:nvCxnSpPr>
-              <p:cNvPr id="11" name="直線矢印コネクタ 10">
-                <a:extLst>
-                  <a:ext uri="{FF2B5EF4-FFF2-40B4-BE49-F238E27FC236}">
-                    <a16:creationId xmlns:a16="http://schemas.microsoft.com/office/drawing/2014/main" id="{8DE1FBDF-E066-4310-9B46-C1D4DABCD293}"/>
-                  </a:ext>
-                </a:extLst>
-              </p:cNvPr>
-              <p:cNvCxnSpPr>
-                <a:cxnSpLocks/>
-                <a:stCxn id="9" idx="3"/>
-                <a:endCxn id="10" idx="1"/>
-              </p:cNvCxnSpPr>
-              <p:nvPr/>
-            </p:nvCxnSpPr>
-            <p:spPr>
-              <a:xfrm>
-                <a:off x="1778457" y="1877499"/>
-                <a:ext cx="3702795" cy="0"/>
-              </a:xfrm>
-              <a:prstGeom prst="straightConnector1">
-                <a:avLst/>
-              </a:prstGeom>
-              <a:ln w="19050">
-                <a:headEnd type="triangle"/>
-                <a:tailEnd type="triangle"/>
-              </a:ln>
-            </p:spPr>
-            <p:style>
-              <a:lnRef idx="1">
-                <a:schemeClr val="dk1"/>
-              </a:lnRef>
-              <a:fillRef idx="0">
-                <a:schemeClr val="dk1"/>
-              </a:fillRef>
-              <a:effectRef idx="0">
-                <a:schemeClr val="dk1"/>
-              </a:effectRef>
-              <a:fontRef idx="minor">
-                <a:schemeClr val="tx1"/>
-              </a:fontRef>
-            </p:style>
-          </p:cxnSp>
-        </p:grpSp>
-      </p:grpSp>
-      <p:sp>
-        <p:nvSpPr>
-          <p:cNvPr id="3" name="テキスト ボックス 2">
-            <a:extLst>
-              <a:ext uri="{FF2B5EF4-FFF2-40B4-BE49-F238E27FC236}">
-                <a16:creationId xmlns:a16="http://schemas.microsoft.com/office/drawing/2014/main" id="{88F667D0-6CAD-41AB-961F-41F907141805}"/>
-              </a:ext>
-            </a:extLst>
-          </p:cNvPr>
-          <p:cNvSpPr txBox="1"/>
-          <p:nvPr/>
-        </p:nvSpPr>
-        <p:spPr>
-          <a:xfrm>
-            <a:off x="1885949" y="5398156"/>
-            <a:ext cx="6608613" cy="369332"/>
-          </a:xfrm>
-          <a:prstGeom prst="rect">
-            <a:avLst/>
-          </a:prstGeom>
-          <a:noFill/>
-        </p:spPr>
-        <p:txBody>
-          <a:bodyPr wrap="square" rtlCol="0">
-            <a:spAutoFit/>
-          </a:bodyPr>
-          <a:lstStyle/>
-          <a:p>
-            <a:r>
-              <a:rPr kumimoji="1" lang="ja-JP" altLang="en-US" dirty="0"/>
-              <a:t>⇒位置分解能を</a:t>
-            </a:r>
-            <a:r>
-              <a:rPr kumimoji="1" lang="en-US" altLang="ja-JP" dirty="0"/>
-              <a:t>2mm</a:t>
-            </a:r>
-            <a:r>
-              <a:rPr kumimoji="1" lang="ja-JP" altLang="en-US" dirty="0"/>
-              <a:t>以下まで向上できればセパレートできる</a:t>
-            </a:r>
-          </a:p>
-        </p:txBody>
-      </p:sp>
-      <p:sp>
-        <p:nvSpPr>
-          <p:cNvPr id="4" name="テキスト ボックス 3">
-            <a:extLst>
-              <a:ext uri="{FF2B5EF4-FFF2-40B4-BE49-F238E27FC236}">
-                <a16:creationId xmlns:a16="http://schemas.microsoft.com/office/drawing/2014/main" id="{5B38600D-1712-452C-A1C5-57F240BDC4C5}"/>
-              </a:ext>
-            </a:extLst>
-          </p:cNvPr>
-          <p:cNvSpPr txBox="1"/>
-          <p:nvPr/>
-        </p:nvSpPr>
-        <p:spPr>
-          <a:xfrm>
-            <a:off x="892033" y="2804523"/>
-            <a:ext cx="4516597" cy="646331"/>
-          </a:xfrm>
-          <a:prstGeom prst="rect">
-            <a:avLst/>
-          </a:prstGeom>
-          <a:noFill/>
-        </p:spPr>
-        <p:txBody>
-          <a:bodyPr wrap="square" rtlCol="0">
-            <a:spAutoFit/>
-          </a:bodyPr>
-          <a:lstStyle/>
-          <a:p>
-            <a:r>
-              <a:rPr kumimoji="1" lang="ja-JP" altLang="en-US" dirty="0"/>
-              <a:t>現状の設定では</a:t>
-            </a:r>
-            <a:r>
-              <a:rPr kumimoji="1" lang="en-US" altLang="ja-JP" dirty="0"/>
-              <a:t>5mm</a:t>
-            </a:r>
-            <a:r>
-              <a:rPr kumimoji="1" lang="ja-JP" altLang="en-US" dirty="0"/>
-              <a:t>以上のセパレートができない</a:t>
-            </a:r>
-          </a:p>
-        </p:txBody>
-      </p:sp>
-    </p:spTree>
-    <p:extLst>
-      <p:ext uri="{BB962C8B-B14F-4D97-AF65-F5344CB8AC3E}">
-        <p14:creationId xmlns:p14="http://schemas.microsoft.com/office/powerpoint/2010/main" val="858992588"/>
-      </p:ext>
-    </p:extLst>
-  </p:cSld>
-  <p:clrMapOvr>
-    <a:masterClrMapping/>
-  </p:clrMapOvr>
-</p:sld>
-</file>
-
-<file path=ppt/slides/slide5.xml><?xml version="1.0" encoding="utf-8"?>
-<p:sld xmlns:a="http://schemas.openxmlformats.org/drawingml/2006/main" xmlns:r="http://schemas.openxmlformats.org/officeDocument/2006/relationships" xmlns:p="http://schemas.openxmlformats.org/presentationml/2006/main">
-  <p:cSld>
-    <p:spTree>
-      <p:nvGrpSpPr>
-        <p:cNvPr id="1" name=""/>
-        <p:cNvGrpSpPr/>
-        <p:nvPr/>
-      </p:nvGrpSpPr>
-      <p:grpSpPr>
-        <a:xfrm>
-          <a:off x="0" y="0"/>
-          <a:ext cx="0" cy="0"/>
-          <a:chOff x="0" y="0"/>
-          <a:chExt cx="0" cy="0"/>
-        </a:xfrm>
-      </p:grpSpPr>
-      <p:sp>
-        <p:nvSpPr>
-          <p:cNvPr id="2" name="タイトル 1">
-            <a:extLst>
-              <a:ext uri="{FF2B5EF4-FFF2-40B4-BE49-F238E27FC236}">
-                <a16:creationId xmlns:a16="http://schemas.microsoft.com/office/drawing/2014/main" id="{914EDC32-94DC-4A5D-817A-284B39B21BBD}"/>
-              </a:ext>
-            </a:extLst>
-          </p:cNvPr>
-          <p:cNvSpPr>
-            <a:spLocks noGrp="1"/>
-          </p:cNvSpPr>
-          <p:nvPr>
-            <p:ph type="title"/>
-          </p:nvPr>
-        </p:nvSpPr>
-        <p:spPr>
-          <a:xfrm>
-            <a:off x="0" y="18256"/>
-            <a:ext cx="10515600" cy="662782"/>
-          </a:xfrm>
-        </p:spPr>
-        <p:txBody>
-          <a:bodyPr>
-            <a:normAutofit/>
-          </a:bodyPr>
-          <a:lstStyle/>
-          <a:p>
-            <a:r>
-              <a:rPr lang="en-US" altLang="ja-JP" sz="3200" dirty="0"/>
-              <a:t>1.</a:t>
-            </a:r>
-            <a:r>
-              <a:rPr lang="ja-JP" altLang="en-US" sz="3200" dirty="0"/>
-              <a:t>はじめに</a:t>
-            </a:r>
-            <a:endParaRPr kumimoji="1" lang="ja-JP" altLang="en-US" sz="3200" dirty="0"/>
-          </a:p>
-        </p:txBody>
-      </p:sp>
-      <p:sp>
-        <p:nvSpPr>
-          <p:cNvPr id="5" name="テキスト ボックス 4">
-            <a:extLst>
-              <a:ext uri="{FF2B5EF4-FFF2-40B4-BE49-F238E27FC236}">
-                <a16:creationId xmlns:a16="http://schemas.microsoft.com/office/drawing/2014/main" id="{3F077639-D6D1-4F79-816A-483E415C9242}"/>
-              </a:ext>
-            </a:extLst>
-          </p:cNvPr>
-          <p:cNvSpPr txBox="1"/>
-          <p:nvPr/>
-        </p:nvSpPr>
-        <p:spPr>
-          <a:xfrm>
-            <a:off x="690283" y="1004047"/>
-            <a:ext cx="2115671" cy="369332"/>
-          </a:xfrm>
-          <a:prstGeom prst="rect">
-            <a:avLst/>
-          </a:prstGeom>
-          <a:noFill/>
-        </p:spPr>
-        <p:txBody>
-          <a:bodyPr wrap="square" rtlCol="0">
-            <a:spAutoFit/>
-          </a:bodyPr>
-          <a:lstStyle/>
-          <a:p>
-            <a:r>
-              <a:rPr kumimoji="1" lang="en-US" altLang="ja-JP" dirty="0"/>
-              <a:t>MCP</a:t>
-            </a:r>
-            <a:r>
-              <a:rPr lang="ja-JP" altLang="en-US" dirty="0"/>
-              <a:t>とは？</a:t>
-            </a:r>
-            <a:endParaRPr kumimoji="1" lang="ja-JP" altLang="en-US" dirty="0"/>
-          </a:p>
-        </p:txBody>
-      </p:sp>
-      <p:pic>
-        <p:nvPicPr>
-          <p:cNvPr id="15" name="図 14" descr="テーブル, 屋内, 木製, 座る が含まれている画像&#10;&#10;自動的に生成された説明">
-            <a:extLst>
-              <a:ext uri="{FF2B5EF4-FFF2-40B4-BE49-F238E27FC236}">
-                <a16:creationId xmlns:a16="http://schemas.microsoft.com/office/drawing/2014/main" id="{650A2105-D969-4B80-9D4A-E29A5325C944}"/>
-              </a:ext>
-            </a:extLst>
-          </p:cNvPr>
-          <p:cNvPicPr/>
-          <p:nvPr/>
-        </p:nvPicPr>
-        <p:blipFill rotWithShape="1">
-          <a:blip r:embed="rId3" cstate="print">
-            <a:extLst>
-              <a:ext uri="{28A0092B-C50C-407E-A947-70E740481C1C}">
-                <a14:useLocalDpi xmlns:a14="http://schemas.microsoft.com/office/drawing/2010/main" val="0"/>
-              </a:ext>
-            </a:extLst>
-          </a:blip>
-          <a:srcRect l="28921" t="33789" r="23677" b="33735"/>
-          <a:stretch/>
-        </p:blipFill>
-        <p:spPr bwMode="auto">
-          <a:xfrm>
-            <a:off x="7862439" y="1373379"/>
-            <a:ext cx="2150745" cy="1965960"/>
-          </a:xfrm>
-          <a:prstGeom prst="rect">
-            <a:avLst/>
-          </a:prstGeom>
-          <a:ln>
-            <a:noFill/>
-          </a:ln>
-          <a:extLst>
-            <a:ext uri="{53640926-AAD7-44D8-BBD7-CCE9431645EC}">
-              <a14:shadowObscured xmlns:a14="http://schemas.microsoft.com/office/drawing/2010/main"/>
-            </a:ext>
-          </a:extLst>
-        </p:spPr>
-      </p:pic>
-      <p:sp>
-        <p:nvSpPr>
-          <p:cNvPr id="13" name="テキスト ボックス 12">
-            <a:extLst>
-              <a:ext uri="{FF2B5EF4-FFF2-40B4-BE49-F238E27FC236}">
-                <a16:creationId xmlns:a16="http://schemas.microsoft.com/office/drawing/2014/main" id="{4D577146-0D4D-4B02-90DA-B8D554131147}"/>
-              </a:ext>
-            </a:extLst>
-          </p:cNvPr>
-          <p:cNvSpPr txBox="1"/>
-          <p:nvPr/>
-        </p:nvSpPr>
-        <p:spPr>
-          <a:xfrm>
-            <a:off x="1640542" y="5669287"/>
-            <a:ext cx="8552329" cy="369332"/>
-          </a:xfrm>
-          <a:prstGeom prst="rect">
-            <a:avLst/>
-          </a:prstGeom>
-          <a:noFill/>
-        </p:spPr>
-        <p:txBody>
-          <a:bodyPr wrap="square" rtlCol="0">
-            <a:spAutoFit/>
-          </a:bodyPr>
-          <a:lstStyle/>
-          <a:p>
-            <a:r>
-              <a:rPr kumimoji="1" lang="ja-JP" altLang="en-US" dirty="0"/>
-              <a:t>⇒電極を分割することで位置分解能向上の可能性あり</a:t>
-            </a:r>
-          </a:p>
-        </p:txBody>
-      </p:sp>
-    </p:spTree>
-    <p:extLst>
-      <p:ext uri="{BB962C8B-B14F-4D97-AF65-F5344CB8AC3E}">
-        <p14:creationId xmlns:p14="http://schemas.microsoft.com/office/powerpoint/2010/main" val="549871897"/>
-      </p:ext>
-    </p:extLst>
-  </p:cSld>
-  <p:clrMapOvr>
-    <a:masterClrMapping/>
-  </p:clrMapOvr>
-</p:sld>
-</file>
-
-<file path=ppt/slides/slide6.xml><?xml version="1.0" encoding="utf-8"?>
-<p:sld xmlns:a="http://schemas.openxmlformats.org/drawingml/2006/main" xmlns:r="http://schemas.openxmlformats.org/officeDocument/2006/relationships" xmlns:p="http://schemas.openxmlformats.org/presentationml/2006/main">
-  <p:cSld>
-    <p:spTree>
-      <p:nvGrpSpPr>
-        <p:cNvPr id="1" name=""/>
-        <p:cNvGrpSpPr/>
-        <p:nvPr/>
-      </p:nvGrpSpPr>
-      <p:grpSpPr>
-        <a:xfrm>
-          <a:off x="0" y="0"/>
-          <a:ext cx="0" cy="0"/>
-          <a:chOff x="0" y="0"/>
-          <a:chExt cx="0" cy="0"/>
-        </a:xfrm>
-      </p:grpSpPr>
-      <p:sp>
-        <p:nvSpPr>
-          <p:cNvPr id="2" name="タイトル 1">
-            <a:extLst>
-              <a:ext uri="{FF2B5EF4-FFF2-40B4-BE49-F238E27FC236}">
-                <a16:creationId xmlns:a16="http://schemas.microsoft.com/office/drawing/2014/main" id="{914EDC32-94DC-4A5D-817A-284B39B21BBD}"/>
-              </a:ext>
-            </a:extLst>
-          </p:cNvPr>
-          <p:cNvSpPr>
-            <a:spLocks noGrp="1"/>
-          </p:cNvSpPr>
-          <p:nvPr>
-            <p:ph type="title"/>
-          </p:nvPr>
-        </p:nvSpPr>
-        <p:spPr>
-          <a:xfrm>
-            <a:off x="0" y="18256"/>
-            <a:ext cx="10515600" cy="662782"/>
-          </a:xfrm>
-        </p:spPr>
-        <p:txBody>
-          <a:bodyPr>
-            <a:normAutofit/>
-          </a:bodyPr>
-          <a:lstStyle/>
-          <a:p>
-            <a:r>
               <a:rPr kumimoji="1" lang="en-US" altLang="ja-JP" sz="3200" dirty="0"/>
               <a:t>2.</a:t>
             </a:r>
@@ -8808,7 +10162,7 @@
         <p:spPr>
           <a:xfrm>
             <a:off x="1728500" y="1298622"/>
-            <a:ext cx="9895817" cy="923330"/>
+            <a:ext cx="9895817" cy="646331"/>
           </a:xfrm>
           <a:prstGeom prst="rect">
             <a:avLst/>
@@ -8829,28 +10183,8 @@
           </a:p>
           <a:p>
             <a:r>
-              <a:rPr lang="en-US" altLang="ja-JP" dirty="0"/>
-              <a:t>1</a:t>
-            </a:r>
-            <a:r>
               <a:rPr lang="ja-JP" altLang="en-US" dirty="0"/>
-              <a:t>価～</a:t>
-            </a:r>
-            <a:r>
-              <a:rPr lang="en-US" altLang="ja-JP" dirty="0"/>
-              <a:t>20</a:t>
-            </a:r>
-            <a:r>
-              <a:rPr lang="ja-JP" altLang="en-US" dirty="0"/>
-              <a:t>価の</a:t>
-            </a:r>
-            <a:r>
-              <a:rPr lang="en-US" altLang="ja-JP" dirty="0"/>
-              <a:t>132 Sn</a:t>
-            </a:r>
-            <a:r>
-              <a:rPr lang="ja-JP" altLang="en-US" dirty="0"/>
-              <a:t>イオンを入射させて分別させて、分解能を</a:t>
+              <a:t>位置分解能を</a:t>
             </a:r>
             <a:r>
               <a:rPr lang="en-US" altLang="ja-JP" dirty="0"/>
@@ -8868,6 +10202,611 @@
     <p:extLst>
       <p:ext uri="{BB962C8B-B14F-4D97-AF65-F5344CB8AC3E}">
         <p14:creationId xmlns:p14="http://schemas.microsoft.com/office/powerpoint/2010/main" val="2557816933"/>
+      </p:ext>
+    </p:extLst>
+  </p:cSld>
+  <p:clrMapOvr>
+    <a:masterClrMapping/>
+  </p:clrMapOvr>
+</p:sld>
+</file>
+
+<file path=ppt/slides/slide5.xml><?xml version="1.0" encoding="utf-8"?>
+<p:sld xmlns:a="http://schemas.openxmlformats.org/drawingml/2006/main" xmlns:r="http://schemas.openxmlformats.org/officeDocument/2006/relationships" xmlns:p="http://schemas.openxmlformats.org/presentationml/2006/main">
+  <p:cSld>
+    <p:spTree>
+      <p:nvGrpSpPr>
+        <p:cNvPr id="1" name=""/>
+        <p:cNvGrpSpPr/>
+        <p:nvPr/>
+      </p:nvGrpSpPr>
+      <p:grpSpPr>
+        <a:xfrm>
+          <a:off x="0" y="0"/>
+          <a:ext cx="0" cy="0"/>
+          <a:chOff x="0" y="0"/>
+          <a:chExt cx="0" cy="0"/>
+        </a:xfrm>
+      </p:grpSpPr>
+      <p:sp>
+        <p:nvSpPr>
+          <p:cNvPr id="2" name="タイトル 1">
+            <a:extLst>
+              <a:ext uri="{FF2B5EF4-FFF2-40B4-BE49-F238E27FC236}">
+                <a16:creationId xmlns:a16="http://schemas.microsoft.com/office/drawing/2014/main" id="{914EDC32-94DC-4A5D-817A-284B39B21BBD}"/>
+              </a:ext>
+            </a:extLst>
+          </p:cNvPr>
+          <p:cNvSpPr>
+            <a:spLocks noGrp="1"/>
+          </p:cNvSpPr>
+          <p:nvPr>
+            <p:ph type="title"/>
+          </p:nvPr>
+        </p:nvSpPr>
+        <p:spPr>
+          <a:xfrm>
+            <a:off x="0" y="18256"/>
+            <a:ext cx="10515600" cy="662782"/>
+          </a:xfrm>
+        </p:spPr>
+        <p:txBody>
+          <a:bodyPr>
+            <a:normAutofit/>
+          </a:bodyPr>
+          <a:lstStyle/>
+          <a:p>
+            <a:r>
+              <a:rPr kumimoji="1" lang="en-US" altLang="ja-JP" sz="3200" dirty="0"/>
+              <a:t>2.</a:t>
+            </a:r>
+            <a:r>
+              <a:rPr kumimoji="1" lang="ja-JP" altLang="en-US" sz="3200" dirty="0"/>
+              <a:t>目的と方針</a:t>
+            </a:r>
+          </a:p>
+        </p:txBody>
+      </p:sp>
+      <p:sp>
+        <p:nvSpPr>
+          <p:cNvPr id="5" name="テキスト ボックス 4">
+            <a:extLst>
+              <a:ext uri="{FF2B5EF4-FFF2-40B4-BE49-F238E27FC236}">
+                <a16:creationId xmlns:a16="http://schemas.microsoft.com/office/drawing/2014/main" id="{3F077639-D6D1-4F79-816A-483E415C9242}"/>
+              </a:ext>
+            </a:extLst>
+          </p:cNvPr>
+          <p:cNvSpPr txBox="1"/>
+          <p:nvPr/>
+        </p:nvSpPr>
+        <p:spPr>
+          <a:xfrm>
+            <a:off x="699808" y="1680322"/>
+            <a:ext cx="2115671" cy="369332"/>
+          </a:xfrm>
+          <a:prstGeom prst="rect">
+            <a:avLst/>
+          </a:prstGeom>
+          <a:noFill/>
+        </p:spPr>
+        <p:txBody>
+          <a:bodyPr wrap="square" rtlCol="0">
+            <a:spAutoFit/>
+          </a:bodyPr>
+          <a:lstStyle/>
+          <a:p>
+            <a:r>
+              <a:rPr lang="ja-JP" altLang="en-US" dirty="0"/>
+              <a:t>前半の結果</a:t>
+            </a:r>
+            <a:endParaRPr kumimoji="1" lang="ja-JP" altLang="en-US" dirty="0"/>
+          </a:p>
+        </p:txBody>
+      </p:sp>
+      <p:grpSp>
+        <p:nvGrpSpPr>
+          <p:cNvPr id="6" name="グループ化 5">
+            <a:extLst>
+              <a:ext uri="{FF2B5EF4-FFF2-40B4-BE49-F238E27FC236}">
+                <a16:creationId xmlns:a16="http://schemas.microsoft.com/office/drawing/2014/main" id="{A6DFA881-AC39-401B-AA2A-56FF91AA29EB}"/>
+              </a:ext>
+            </a:extLst>
+          </p:cNvPr>
+          <p:cNvGrpSpPr/>
+          <p:nvPr/>
+        </p:nvGrpSpPr>
+        <p:grpSpPr>
+          <a:xfrm>
+            <a:off x="5257800" y="349647"/>
+            <a:ext cx="6620759" cy="4645630"/>
+            <a:chOff x="1676400" y="1091640"/>
+            <a:chExt cx="8808638" cy="5770887"/>
+          </a:xfrm>
+        </p:grpSpPr>
+        <p:pic>
+          <p:nvPicPr>
+            <p:cNvPr id="7" name="図 6" descr="グラフ, ヒストグラム&#10;&#10;自動的に生成された説明">
+              <a:extLst>
+                <a:ext uri="{FF2B5EF4-FFF2-40B4-BE49-F238E27FC236}">
+                  <a16:creationId xmlns:a16="http://schemas.microsoft.com/office/drawing/2014/main" id="{E1920106-56FC-4BA7-AEC9-6C9EF9110EF9}"/>
+                </a:ext>
+              </a:extLst>
+            </p:cNvPr>
+            <p:cNvPicPr>
+              <a:picLocks noChangeAspect="1"/>
+            </p:cNvPicPr>
+            <p:nvPr/>
+          </p:nvPicPr>
+          <p:blipFill rotWithShape="1">
+            <a:blip r:embed="rId3">
+              <a:extLst>
+                <a:ext uri="{28A0092B-C50C-407E-A947-70E740481C1C}">
+                  <a14:useLocalDpi xmlns:a14="http://schemas.microsoft.com/office/drawing/2010/main" val="0"/>
+                </a:ext>
+              </a:extLst>
+            </a:blip>
+            <a:srcRect l="4117" t="6367" r="2202" b="6934"/>
+            <a:stretch/>
+          </p:blipFill>
+          <p:spPr>
+            <a:xfrm>
+              <a:off x="1676400" y="1325563"/>
+              <a:ext cx="8808638" cy="5536964"/>
+            </a:xfrm>
+            <a:prstGeom prst="rect">
+              <a:avLst/>
+            </a:prstGeom>
+          </p:spPr>
+        </p:pic>
+        <p:grpSp>
+          <p:nvGrpSpPr>
+            <p:cNvPr id="8" name="グループ化 7">
+              <a:extLst>
+                <a:ext uri="{FF2B5EF4-FFF2-40B4-BE49-F238E27FC236}">
+                  <a16:creationId xmlns:a16="http://schemas.microsoft.com/office/drawing/2014/main" id="{B6A30F32-20AE-4DFF-A360-D328034D882C}"/>
+                </a:ext>
+              </a:extLst>
+            </p:cNvPr>
+            <p:cNvGrpSpPr/>
+            <p:nvPr/>
+          </p:nvGrpSpPr>
+          <p:grpSpPr>
+            <a:xfrm>
+              <a:off x="1877073" y="1091640"/>
+              <a:ext cx="6131908" cy="458792"/>
+              <a:chOff x="753938" y="1648102"/>
+              <a:chExt cx="6131908" cy="458792"/>
+            </a:xfrm>
+          </p:grpSpPr>
+          <p:sp>
+            <p:nvSpPr>
+              <p:cNvPr id="9" name="テキスト ボックス 8">
+                <a:extLst>
+                  <a:ext uri="{FF2B5EF4-FFF2-40B4-BE49-F238E27FC236}">
+                    <a16:creationId xmlns:a16="http://schemas.microsoft.com/office/drawing/2014/main" id="{A70FE8B2-E835-4317-9886-A50F3277BC5F}"/>
+                  </a:ext>
+                </a:extLst>
+              </p:cNvPr>
+              <p:cNvSpPr txBox="1"/>
+              <p:nvPr/>
+            </p:nvSpPr>
+            <p:spPr>
+              <a:xfrm>
+                <a:off x="753938" y="1648102"/>
+                <a:ext cx="1024519" cy="458792"/>
+              </a:xfrm>
+              <a:prstGeom prst="rect">
+                <a:avLst/>
+              </a:prstGeom>
+              <a:noFill/>
+            </p:spPr>
+            <p:txBody>
+              <a:bodyPr wrap="square" rtlCol="0">
+                <a:spAutoFit/>
+              </a:bodyPr>
+              <a:lstStyle/>
+              <a:p>
+                <a:r>
+                  <a:rPr lang="en-US" altLang="ja-JP" dirty="0"/>
+                  <a:t>20</a:t>
+                </a:r>
+                <a:r>
+                  <a:rPr kumimoji="1" lang="ja-JP" altLang="en-US" dirty="0"/>
+                  <a:t>価</a:t>
+                </a:r>
+              </a:p>
+            </p:txBody>
+          </p:sp>
+          <p:sp>
+            <p:nvSpPr>
+              <p:cNvPr id="10" name="テキスト ボックス 9">
+                <a:extLst>
+                  <a:ext uri="{FF2B5EF4-FFF2-40B4-BE49-F238E27FC236}">
+                    <a16:creationId xmlns:a16="http://schemas.microsoft.com/office/drawing/2014/main" id="{9A5E11BB-8506-42BF-8F0B-692D744EB9D1}"/>
+                  </a:ext>
+                </a:extLst>
+              </p:cNvPr>
+              <p:cNvSpPr txBox="1"/>
+              <p:nvPr/>
+            </p:nvSpPr>
+            <p:spPr>
+              <a:xfrm>
+                <a:off x="5481252" y="1692832"/>
+                <a:ext cx="1404594" cy="369332"/>
+              </a:xfrm>
+              <a:prstGeom prst="rect">
+                <a:avLst/>
+              </a:prstGeom>
+              <a:noFill/>
+            </p:spPr>
+            <p:txBody>
+              <a:bodyPr wrap="square" rtlCol="0">
+                <a:spAutoFit/>
+              </a:bodyPr>
+              <a:lstStyle/>
+              <a:p>
+                <a:r>
+                  <a:rPr kumimoji="1" lang="en-US" altLang="ja-JP" dirty="0"/>
+                  <a:t>1</a:t>
+                </a:r>
+                <a:r>
+                  <a:rPr kumimoji="1" lang="ja-JP" altLang="en-US" dirty="0"/>
+                  <a:t>価</a:t>
+                </a:r>
+              </a:p>
+            </p:txBody>
+          </p:sp>
+          <p:cxnSp>
+            <p:nvCxnSpPr>
+              <p:cNvPr id="11" name="直線矢印コネクタ 10">
+                <a:extLst>
+                  <a:ext uri="{FF2B5EF4-FFF2-40B4-BE49-F238E27FC236}">
+                    <a16:creationId xmlns:a16="http://schemas.microsoft.com/office/drawing/2014/main" id="{8DE1FBDF-E066-4310-9B46-C1D4DABCD293}"/>
+                  </a:ext>
+                </a:extLst>
+              </p:cNvPr>
+              <p:cNvCxnSpPr>
+                <a:cxnSpLocks/>
+                <a:stCxn id="9" idx="3"/>
+                <a:endCxn id="10" idx="1"/>
+              </p:cNvCxnSpPr>
+              <p:nvPr/>
+            </p:nvCxnSpPr>
+            <p:spPr>
+              <a:xfrm>
+                <a:off x="1778457" y="1877499"/>
+                <a:ext cx="3702795" cy="0"/>
+              </a:xfrm>
+              <a:prstGeom prst="straightConnector1">
+                <a:avLst/>
+              </a:prstGeom>
+              <a:ln w="19050">
+                <a:headEnd type="triangle"/>
+                <a:tailEnd type="triangle"/>
+              </a:ln>
+            </p:spPr>
+            <p:style>
+              <a:lnRef idx="1">
+                <a:schemeClr val="dk1"/>
+              </a:lnRef>
+              <a:fillRef idx="0">
+                <a:schemeClr val="dk1"/>
+              </a:fillRef>
+              <a:effectRef idx="0">
+                <a:schemeClr val="dk1"/>
+              </a:effectRef>
+              <a:fontRef idx="minor">
+                <a:schemeClr val="tx1"/>
+              </a:fontRef>
+            </p:style>
+          </p:cxnSp>
+        </p:grpSp>
+      </p:grpSp>
+      <p:sp>
+        <p:nvSpPr>
+          <p:cNvPr id="3" name="テキスト ボックス 2">
+            <a:extLst>
+              <a:ext uri="{FF2B5EF4-FFF2-40B4-BE49-F238E27FC236}">
+                <a16:creationId xmlns:a16="http://schemas.microsoft.com/office/drawing/2014/main" id="{88F667D0-6CAD-41AB-961F-41F907141805}"/>
+              </a:ext>
+            </a:extLst>
+          </p:cNvPr>
+          <p:cNvSpPr txBox="1"/>
+          <p:nvPr/>
+        </p:nvSpPr>
+        <p:spPr>
+          <a:xfrm>
+            <a:off x="1885949" y="5398156"/>
+            <a:ext cx="6608613" cy="369332"/>
+          </a:xfrm>
+          <a:prstGeom prst="rect">
+            <a:avLst/>
+          </a:prstGeom>
+          <a:noFill/>
+        </p:spPr>
+        <p:txBody>
+          <a:bodyPr wrap="square" rtlCol="0">
+            <a:spAutoFit/>
+          </a:bodyPr>
+          <a:lstStyle/>
+          <a:p>
+            <a:r>
+              <a:rPr kumimoji="1" lang="ja-JP" altLang="en-US" dirty="0"/>
+              <a:t>⇒位置分解能を</a:t>
+            </a:r>
+            <a:r>
+              <a:rPr kumimoji="1" lang="en-US" altLang="ja-JP" dirty="0"/>
+              <a:t>2mm</a:t>
+            </a:r>
+            <a:r>
+              <a:rPr kumimoji="1" lang="ja-JP" altLang="en-US" dirty="0"/>
+              <a:t>以下まで向上できればセパレートできる</a:t>
+            </a:r>
+          </a:p>
+        </p:txBody>
+      </p:sp>
+      <p:sp>
+        <p:nvSpPr>
+          <p:cNvPr id="4" name="テキスト ボックス 3">
+            <a:extLst>
+              <a:ext uri="{FF2B5EF4-FFF2-40B4-BE49-F238E27FC236}">
+                <a16:creationId xmlns:a16="http://schemas.microsoft.com/office/drawing/2014/main" id="{5B38600D-1712-452C-A1C5-57F240BDC4C5}"/>
+              </a:ext>
+            </a:extLst>
+          </p:cNvPr>
+          <p:cNvSpPr txBox="1"/>
+          <p:nvPr/>
+        </p:nvSpPr>
+        <p:spPr>
+          <a:xfrm>
+            <a:off x="892033" y="2804523"/>
+            <a:ext cx="4516597" cy="646331"/>
+          </a:xfrm>
+          <a:prstGeom prst="rect">
+            <a:avLst/>
+          </a:prstGeom>
+          <a:noFill/>
+        </p:spPr>
+        <p:txBody>
+          <a:bodyPr wrap="square" rtlCol="0">
+            <a:spAutoFit/>
+          </a:bodyPr>
+          <a:lstStyle/>
+          <a:p>
+            <a:r>
+              <a:rPr kumimoji="1" lang="ja-JP" altLang="en-US" dirty="0"/>
+              <a:t>現状の設定では</a:t>
+            </a:r>
+            <a:r>
+              <a:rPr kumimoji="1" lang="en-US" altLang="ja-JP" dirty="0"/>
+              <a:t>5mm</a:t>
+            </a:r>
+            <a:r>
+              <a:rPr kumimoji="1" lang="ja-JP" altLang="en-US" dirty="0"/>
+              <a:t>以上のセパレートができない</a:t>
+            </a:r>
+          </a:p>
+        </p:txBody>
+      </p:sp>
+    </p:spTree>
+    <p:extLst>
+      <p:ext uri="{BB962C8B-B14F-4D97-AF65-F5344CB8AC3E}">
+        <p14:creationId xmlns:p14="http://schemas.microsoft.com/office/powerpoint/2010/main" val="858992588"/>
+      </p:ext>
+    </p:extLst>
+  </p:cSld>
+  <p:clrMapOvr>
+    <a:masterClrMapping/>
+  </p:clrMapOvr>
+</p:sld>
+</file>
+
+<file path=ppt/slides/slide6.xml><?xml version="1.0" encoding="utf-8"?>
+<p:sld xmlns:a="http://schemas.openxmlformats.org/drawingml/2006/main" xmlns:r="http://schemas.openxmlformats.org/officeDocument/2006/relationships" xmlns:p="http://schemas.openxmlformats.org/presentationml/2006/main">
+  <p:cSld>
+    <p:spTree>
+      <p:nvGrpSpPr>
+        <p:cNvPr id="1" name=""/>
+        <p:cNvGrpSpPr/>
+        <p:nvPr/>
+      </p:nvGrpSpPr>
+      <p:grpSpPr>
+        <a:xfrm>
+          <a:off x="0" y="0"/>
+          <a:ext cx="0" cy="0"/>
+          <a:chOff x="0" y="0"/>
+          <a:chExt cx="0" cy="0"/>
+        </a:xfrm>
+      </p:grpSpPr>
+      <p:sp>
+        <p:nvSpPr>
+          <p:cNvPr id="2" name="タイトル 1">
+            <a:extLst>
+              <a:ext uri="{FF2B5EF4-FFF2-40B4-BE49-F238E27FC236}">
+                <a16:creationId xmlns:a16="http://schemas.microsoft.com/office/drawing/2014/main" id="{914EDC32-94DC-4A5D-817A-284B39B21BBD}"/>
+              </a:ext>
+            </a:extLst>
+          </p:cNvPr>
+          <p:cNvSpPr>
+            <a:spLocks noGrp="1"/>
+          </p:cNvSpPr>
+          <p:nvPr>
+            <p:ph type="title"/>
+          </p:nvPr>
+        </p:nvSpPr>
+        <p:spPr>
+          <a:xfrm>
+            <a:off x="0" y="18256"/>
+            <a:ext cx="10515600" cy="662782"/>
+          </a:xfrm>
+        </p:spPr>
+        <p:txBody>
+          <a:bodyPr>
+            <a:normAutofit/>
+          </a:bodyPr>
+          <a:lstStyle/>
+          <a:p>
+            <a:r>
+              <a:rPr lang="en-US" altLang="ja-JP" sz="3200" dirty="0"/>
+              <a:t>2.</a:t>
+            </a:r>
+            <a:r>
+              <a:rPr lang="ja-JP" altLang="en-US" sz="3200" dirty="0"/>
+              <a:t>目的と方針</a:t>
+            </a:r>
+            <a:endParaRPr kumimoji="1" lang="ja-JP" altLang="en-US" sz="3200" dirty="0"/>
+          </a:p>
+        </p:txBody>
+      </p:sp>
+      <p:sp>
+        <p:nvSpPr>
+          <p:cNvPr id="5" name="テキスト ボックス 4">
+            <a:extLst>
+              <a:ext uri="{FF2B5EF4-FFF2-40B4-BE49-F238E27FC236}">
+                <a16:creationId xmlns:a16="http://schemas.microsoft.com/office/drawing/2014/main" id="{3F077639-D6D1-4F79-816A-483E415C9242}"/>
+              </a:ext>
+            </a:extLst>
+          </p:cNvPr>
+          <p:cNvSpPr txBox="1"/>
+          <p:nvPr/>
+        </p:nvSpPr>
+        <p:spPr>
+          <a:xfrm>
+            <a:off x="690283" y="1004047"/>
+            <a:ext cx="2115671" cy="369332"/>
+          </a:xfrm>
+          <a:prstGeom prst="rect">
+            <a:avLst/>
+          </a:prstGeom>
+          <a:noFill/>
+        </p:spPr>
+        <p:txBody>
+          <a:bodyPr wrap="square" rtlCol="0">
+            <a:spAutoFit/>
+          </a:bodyPr>
+          <a:lstStyle/>
+          <a:p>
+            <a:r>
+              <a:rPr kumimoji="1" lang="en-US" altLang="ja-JP" dirty="0"/>
+              <a:t>MCP</a:t>
+            </a:r>
+            <a:r>
+              <a:rPr lang="ja-JP" altLang="en-US" dirty="0"/>
+              <a:t>とは？</a:t>
+            </a:r>
+            <a:endParaRPr kumimoji="1" lang="ja-JP" altLang="en-US" dirty="0"/>
+          </a:p>
+        </p:txBody>
+      </p:sp>
+      <p:pic>
+        <p:nvPicPr>
+          <p:cNvPr id="15" name="図 14" descr="テーブル, 屋内, 木製, 座る が含まれている画像&#10;&#10;自動的に生成された説明">
+            <a:extLst>
+              <a:ext uri="{FF2B5EF4-FFF2-40B4-BE49-F238E27FC236}">
+                <a16:creationId xmlns:a16="http://schemas.microsoft.com/office/drawing/2014/main" id="{650A2105-D969-4B80-9D4A-E29A5325C944}"/>
+              </a:ext>
+            </a:extLst>
+          </p:cNvPr>
+          <p:cNvPicPr/>
+          <p:nvPr/>
+        </p:nvPicPr>
+        <p:blipFill rotWithShape="1">
+          <a:blip r:embed="rId3" cstate="print">
+            <a:extLst>
+              <a:ext uri="{28A0092B-C50C-407E-A947-70E740481C1C}">
+                <a14:useLocalDpi xmlns:a14="http://schemas.microsoft.com/office/drawing/2010/main" val="0"/>
+              </a:ext>
+            </a:extLst>
+          </a:blip>
+          <a:srcRect l="28921" t="33789" r="23677" b="33735"/>
+          <a:stretch/>
+        </p:blipFill>
+        <p:spPr bwMode="auto">
+          <a:xfrm>
+            <a:off x="7700682" y="1441381"/>
+            <a:ext cx="3092431" cy="3467562"/>
+          </a:xfrm>
+          <a:prstGeom prst="rect">
+            <a:avLst/>
+          </a:prstGeom>
+          <a:ln>
+            <a:noFill/>
+          </a:ln>
+          <a:extLst>
+            <a:ext uri="{53640926-AAD7-44D8-BBD7-CCE9431645EC}">
+              <a14:shadowObscured xmlns:a14="http://schemas.microsoft.com/office/drawing/2010/main"/>
+            </a:ext>
+          </a:extLst>
+        </p:spPr>
+      </p:pic>
+      <p:sp>
+        <p:nvSpPr>
+          <p:cNvPr id="13" name="テキスト ボックス 12">
+            <a:extLst>
+              <a:ext uri="{FF2B5EF4-FFF2-40B4-BE49-F238E27FC236}">
+                <a16:creationId xmlns:a16="http://schemas.microsoft.com/office/drawing/2014/main" id="{4D577146-0D4D-4B02-90DA-B8D554131147}"/>
+              </a:ext>
+            </a:extLst>
+          </p:cNvPr>
+          <p:cNvSpPr txBox="1"/>
+          <p:nvPr/>
+        </p:nvSpPr>
+        <p:spPr>
+          <a:xfrm>
+            <a:off x="1640542" y="5669287"/>
+            <a:ext cx="8552329" cy="369332"/>
+          </a:xfrm>
+          <a:prstGeom prst="rect">
+            <a:avLst/>
+          </a:prstGeom>
+          <a:noFill/>
+        </p:spPr>
+        <p:txBody>
+          <a:bodyPr wrap="square" rtlCol="0">
+            <a:spAutoFit/>
+          </a:bodyPr>
+          <a:lstStyle/>
+          <a:p>
+            <a:r>
+              <a:rPr kumimoji="1" lang="ja-JP" altLang="en-US" dirty="0"/>
+              <a:t>⇒　電極を分割することで位置分解能向上の可能性あり</a:t>
+            </a:r>
+          </a:p>
+        </p:txBody>
+      </p:sp>
+      <p:pic>
+        <p:nvPicPr>
+          <p:cNvPr id="4" name="図 3">
+            <a:extLst>
+              <a:ext uri="{FF2B5EF4-FFF2-40B4-BE49-F238E27FC236}">
+                <a16:creationId xmlns:a16="http://schemas.microsoft.com/office/drawing/2014/main" id="{6B0B8B45-546D-4E1F-9C07-C99DA5A99176}"/>
+              </a:ext>
+            </a:extLst>
+          </p:cNvPr>
+          <p:cNvPicPr>
+            <a:picLocks noChangeAspect="1"/>
+          </p:cNvPicPr>
+          <p:nvPr/>
+        </p:nvPicPr>
+        <p:blipFill rotWithShape="1">
+          <a:blip r:embed="rId4"/>
+          <a:srcRect l="30625" t="40694" r="33047" b="18781"/>
+          <a:stretch/>
+        </p:blipFill>
+        <p:spPr>
+          <a:xfrm>
+            <a:off x="1487581" y="1785583"/>
+            <a:ext cx="4429125" cy="2779158"/>
+          </a:xfrm>
+          <a:prstGeom prst="rect">
+            <a:avLst/>
+          </a:prstGeom>
+        </p:spPr>
+      </p:pic>
+    </p:spTree>
+    <p:extLst>
+      <p:ext uri="{BB962C8B-B14F-4D97-AF65-F5344CB8AC3E}">
+        <p14:creationId xmlns:p14="http://schemas.microsoft.com/office/powerpoint/2010/main" val="549871897"/>
       </p:ext>
     </p:extLst>
   </p:cSld>
@@ -8938,53 +10877,12 @@
           </a:p>
         </p:txBody>
       </p:sp>
-      <p:pic>
-        <p:nvPicPr>
-          <p:cNvPr id="3" name="図 2" descr="グラフィカル ユーザー インターフェイス&#10;&#10;自動的に生成された説明">
-            <a:extLst>
-              <a:ext uri="{FF2B5EF4-FFF2-40B4-BE49-F238E27FC236}">
-                <a16:creationId xmlns:a16="http://schemas.microsoft.com/office/drawing/2014/main" id="{E47C8BE8-BBE0-4D9D-AEC7-FADE8B521475}"/>
-              </a:ext>
-            </a:extLst>
-          </p:cNvPr>
-          <p:cNvPicPr/>
-          <p:nvPr/>
-        </p:nvPicPr>
-        <p:blipFill rotWithShape="1">
-          <a:blip r:embed="rId3">
-            <a:extLst>
-              <a:ext uri="{28A0092B-C50C-407E-A947-70E740481C1C}">
-                <a14:useLocalDpi xmlns:a14="http://schemas.microsoft.com/office/drawing/2010/main" val="0"/>
-              </a:ext>
-            </a:extLst>
-          </a:blip>
-          <a:srcRect l="45391" t="18987" r="14429" b="7382"/>
-          <a:stretch/>
-        </p:blipFill>
-        <p:spPr bwMode="auto">
-          <a:xfrm>
-            <a:off x="6096000" y="1094273"/>
-            <a:ext cx="5153025" cy="4954102"/>
-          </a:xfrm>
-          <a:prstGeom prst="rect">
-            <a:avLst/>
-          </a:prstGeom>
-          <a:ln>
-            <a:noFill/>
-          </a:ln>
-          <a:extLst>
-            <a:ext uri="{53640926-AAD7-44D8-BBD7-CCE9431645EC}">
-              <a14:shadowObscured xmlns:a14="http://schemas.microsoft.com/office/drawing/2010/main"/>
-            </a:ext>
-          </a:extLst>
-        </p:spPr>
-      </p:pic>
       <p:sp>
         <p:nvSpPr>
           <p:cNvPr id="4" name="テキスト ボックス 3">
             <a:extLst>
               <a:ext uri="{FF2B5EF4-FFF2-40B4-BE49-F238E27FC236}">
-                <a16:creationId xmlns:a16="http://schemas.microsoft.com/office/drawing/2014/main" id="{07851E4B-1E4F-46D8-BBD8-19349033D133}"/>
+                <a16:creationId xmlns:a16="http://schemas.microsoft.com/office/drawing/2014/main" id="{88396007-02B7-4A65-9208-B6E49B2AEC08}"/>
               </a:ext>
             </a:extLst>
           </p:cNvPr>
@@ -8993,8 +10891,8 @@
         </p:nvSpPr>
         <p:spPr>
           <a:xfrm>
-            <a:off x="657225" y="1371600"/>
-            <a:ext cx="4629150" cy="2585323"/>
+            <a:off x="699247" y="914400"/>
+            <a:ext cx="3173506" cy="369332"/>
           </a:xfrm>
           <a:prstGeom prst="rect">
             <a:avLst/>
@@ -9008,95 +10906,924 @@
           <a:lstStyle/>
           <a:p>
             <a:r>
+              <a:rPr kumimoji="1" lang="en-US" altLang="ja-JP" dirty="0"/>
+              <a:t>MCP</a:t>
+            </a:r>
+            <a:r>
               <a:rPr kumimoji="1" lang="ja-JP" altLang="en-US" dirty="0"/>
-              <a:t>直径：</a:t>
-            </a:r>
-            <a:r>
-              <a:rPr kumimoji="1" lang="en-US" altLang="ja-JP" dirty="0"/>
-              <a:t>75mm</a:t>
-            </a:r>
-          </a:p>
-          <a:p>
-            <a:endParaRPr lang="en-US" altLang="ja-JP" dirty="0"/>
-          </a:p>
-          <a:p>
-            <a:r>
-              <a:rPr kumimoji="1" lang="ja-JP" altLang="en-US" dirty="0"/>
-              <a:t>電極：幅</a:t>
-            </a:r>
-            <a:r>
-              <a:rPr kumimoji="1" lang="en-US" altLang="ja-JP" dirty="0"/>
-              <a:t>1.0mm</a:t>
-            </a:r>
-            <a:r>
-              <a:rPr kumimoji="1" lang="ja-JP" altLang="en-US" dirty="0"/>
-              <a:t>　間隙</a:t>
-            </a:r>
-            <a:r>
-              <a:rPr kumimoji="1" lang="en-US" altLang="ja-JP" dirty="0"/>
-              <a:t>0.075mm</a:t>
-            </a:r>
-            <a:r>
-              <a:rPr kumimoji="1" lang="ja-JP" altLang="en-US" dirty="0"/>
-              <a:t>　（左側）</a:t>
-            </a:r>
-            <a:endParaRPr kumimoji="1" lang="en-US" altLang="ja-JP" dirty="0"/>
-          </a:p>
-          <a:p>
-            <a:r>
-              <a:rPr lang="ja-JP" altLang="en-US" dirty="0"/>
-              <a:t>　　　幅</a:t>
-            </a:r>
-            <a:r>
-              <a:rPr lang="en-US" altLang="ja-JP" dirty="0"/>
-              <a:t>0.5mm</a:t>
-            </a:r>
-            <a:r>
-              <a:rPr lang="ja-JP" altLang="en-US" dirty="0"/>
-              <a:t>　間隙</a:t>
-            </a:r>
-            <a:r>
-              <a:rPr lang="en-US" altLang="ja-JP" dirty="0"/>
-              <a:t>0.075mm</a:t>
-            </a:r>
-            <a:r>
-              <a:rPr lang="ja-JP" altLang="en-US" dirty="0"/>
-              <a:t>　（右側）</a:t>
-            </a:r>
-            <a:endParaRPr lang="en-US" altLang="ja-JP" dirty="0"/>
-          </a:p>
-          <a:p>
-            <a:endParaRPr kumimoji="1" lang="en-US" altLang="ja-JP" dirty="0"/>
-          </a:p>
-          <a:p>
-            <a:r>
-              <a:rPr lang="ja-JP" altLang="en-US" dirty="0"/>
-              <a:t>取付穴：直径（大）</a:t>
-            </a:r>
-            <a:endParaRPr lang="en-US" altLang="ja-JP" dirty="0"/>
-          </a:p>
-          <a:p>
-            <a:r>
-              <a:rPr kumimoji="1" lang="ja-JP" altLang="en-US" dirty="0"/>
-              <a:t>　　　　直径（小）</a:t>
-            </a:r>
-            <a:endParaRPr kumimoji="1" lang="en-US" altLang="ja-JP" dirty="0"/>
-          </a:p>
-          <a:p>
-            <a:endParaRPr lang="en-US" altLang="ja-JP" dirty="0"/>
-          </a:p>
-          <a:p>
-            <a:r>
-              <a:rPr kumimoji="1" lang="ja-JP" altLang="en-US" dirty="0"/>
-              <a:t>ビア：直径</a:t>
-            </a:r>
-          </a:p>
-        </p:txBody>
-      </p:sp>
+              <a:t>からくるパルスの測定</a:t>
+            </a:r>
+          </a:p>
+        </p:txBody>
+      </p:sp>
+      <p:grpSp>
+        <p:nvGrpSpPr>
+          <p:cNvPr id="5" name="グループ化 4">
+            <a:extLst>
+              <a:ext uri="{FF2B5EF4-FFF2-40B4-BE49-F238E27FC236}">
+                <a16:creationId xmlns:a16="http://schemas.microsoft.com/office/drawing/2014/main" id="{AA5EB2AD-B3B1-4803-8051-647A0D73120E}"/>
+              </a:ext>
+            </a:extLst>
+          </p:cNvPr>
+          <p:cNvGrpSpPr/>
+          <p:nvPr/>
+        </p:nvGrpSpPr>
+        <p:grpSpPr>
+          <a:xfrm>
+            <a:off x="2083173" y="1838325"/>
+            <a:ext cx="7365627" cy="4764795"/>
+            <a:chOff x="4882920" y="121012"/>
+            <a:chExt cx="7309079" cy="5916037"/>
+          </a:xfrm>
+        </p:grpSpPr>
+        <p:cxnSp>
+          <p:nvCxnSpPr>
+            <p:cNvPr id="6" name="直線コネクタ 5">
+              <a:extLst>
+                <a:ext uri="{FF2B5EF4-FFF2-40B4-BE49-F238E27FC236}">
+                  <a16:creationId xmlns:a16="http://schemas.microsoft.com/office/drawing/2014/main" id="{E3D755EE-D7C2-4DD8-B586-E901EA7B5146}"/>
+                </a:ext>
+              </a:extLst>
+            </p:cNvPr>
+            <p:cNvCxnSpPr>
+              <a:cxnSpLocks/>
+            </p:cNvCxnSpPr>
+            <p:nvPr/>
+          </p:nvCxnSpPr>
+          <p:spPr>
+            <a:xfrm>
+              <a:off x="8467168" y="1814248"/>
+              <a:ext cx="0" cy="3268741"/>
+            </a:xfrm>
+            <a:prstGeom prst="line">
+              <a:avLst/>
+            </a:prstGeom>
+          </p:spPr>
+          <p:style>
+            <a:lnRef idx="1">
+              <a:schemeClr val="accent1"/>
+            </a:lnRef>
+            <a:fillRef idx="0">
+              <a:schemeClr val="accent1"/>
+            </a:fillRef>
+            <a:effectRef idx="0">
+              <a:schemeClr val="accent1"/>
+            </a:effectRef>
+            <a:fontRef idx="minor">
+              <a:schemeClr val="tx1"/>
+            </a:fontRef>
+          </p:style>
+        </p:cxnSp>
+        <p:sp>
+          <p:nvSpPr>
+            <p:cNvPr id="7" name="正方形/長方形 6">
+              <a:extLst>
+                <a:ext uri="{FF2B5EF4-FFF2-40B4-BE49-F238E27FC236}">
+                  <a16:creationId xmlns:a16="http://schemas.microsoft.com/office/drawing/2014/main" id="{4215F1BA-677A-48BC-9242-D5878460A788}"/>
+                </a:ext>
+              </a:extLst>
+            </p:cNvPr>
+            <p:cNvSpPr/>
+            <p:nvPr/>
+          </p:nvSpPr>
+          <p:spPr>
+            <a:xfrm>
+              <a:off x="4882920" y="1275976"/>
+              <a:ext cx="2212501" cy="4308228"/>
+            </a:xfrm>
+            <a:prstGeom prst="rect">
+              <a:avLst/>
+            </a:prstGeom>
+            <a:ln>
+              <a:solidFill>
+                <a:schemeClr val="tx1"/>
+              </a:solidFill>
+              <a:prstDash val="dash"/>
+            </a:ln>
+          </p:spPr>
+          <p:style>
+            <a:lnRef idx="2">
+              <a:schemeClr val="accent6"/>
+            </a:lnRef>
+            <a:fillRef idx="1">
+              <a:schemeClr val="lt1"/>
+            </a:fillRef>
+            <a:effectRef idx="0">
+              <a:schemeClr val="accent6"/>
+            </a:effectRef>
+            <a:fontRef idx="minor">
+              <a:schemeClr val="dk1"/>
+            </a:fontRef>
+          </p:style>
+          <p:txBody>
+            <a:bodyPr rtlCol="0" anchor="ctr"/>
+            <a:lstStyle/>
+            <a:p>
+              <a:pPr algn="ctr"/>
+              <a:endParaRPr kumimoji="1" lang="en-US" altLang="ja-JP" dirty="0"/>
+            </a:p>
+          </p:txBody>
+        </p:sp>
+        <p:cxnSp>
+          <p:nvCxnSpPr>
+            <p:cNvPr id="8" name="直線コネクタ 7">
+              <a:extLst>
+                <a:ext uri="{FF2B5EF4-FFF2-40B4-BE49-F238E27FC236}">
+                  <a16:creationId xmlns:a16="http://schemas.microsoft.com/office/drawing/2014/main" id="{A320DDFC-0461-44D0-BEB4-BA0768D2B4C7}"/>
+                </a:ext>
+              </a:extLst>
+            </p:cNvPr>
+            <p:cNvCxnSpPr>
+              <a:cxnSpLocks/>
+            </p:cNvCxnSpPr>
+            <p:nvPr/>
+          </p:nvCxnSpPr>
+          <p:spPr>
+            <a:xfrm>
+              <a:off x="6378389" y="1820773"/>
+              <a:ext cx="4867835" cy="5804"/>
+            </a:xfrm>
+            <a:prstGeom prst="line">
+              <a:avLst/>
+            </a:prstGeom>
+          </p:spPr>
+          <p:style>
+            <a:lnRef idx="1">
+              <a:schemeClr val="accent1"/>
+            </a:lnRef>
+            <a:fillRef idx="0">
+              <a:schemeClr val="accent1"/>
+            </a:fillRef>
+            <a:effectRef idx="0">
+              <a:schemeClr val="accent1"/>
+            </a:effectRef>
+            <a:fontRef idx="minor">
+              <a:schemeClr val="tx1"/>
+            </a:fontRef>
+          </p:style>
+        </p:cxnSp>
+        <p:cxnSp>
+          <p:nvCxnSpPr>
+            <p:cNvPr id="9" name="直線コネクタ 8">
+              <a:extLst>
+                <a:ext uri="{FF2B5EF4-FFF2-40B4-BE49-F238E27FC236}">
+                  <a16:creationId xmlns:a16="http://schemas.microsoft.com/office/drawing/2014/main" id="{7E914558-0CED-46A1-BD2B-8791BB276DDA}"/>
+                </a:ext>
+              </a:extLst>
+            </p:cNvPr>
+            <p:cNvCxnSpPr>
+              <a:cxnSpLocks/>
+              <a:stCxn id="26" idx="3"/>
+            </p:cNvCxnSpPr>
+            <p:nvPr/>
+          </p:nvCxnSpPr>
+          <p:spPr>
+            <a:xfrm>
+              <a:off x="6378389" y="3471847"/>
+              <a:ext cx="2079072" cy="0"/>
+            </a:xfrm>
+            <a:prstGeom prst="line">
+              <a:avLst/>
+            </a:prstGeom>
+          </p:spPr>
+          <p:style>
+            <a:lnRef idx="1">
+              <a:schemeClr val="accent1"/>
+            </a:lnRef>
+            <a:fillRef idx="0">
+              <a:schemeClr val="accent1"/>
+            </a:fillRef>
+            <a:effectRef idx="0">
+              <a:schemeClr val="accent1"/>
+            </a:effectRef>
+            <a:fontRef idx="minor">
+              <a:schemeClr val="tx1"/>
+            </a:fontRef>
+          </p:style>
+        </p:cxnSp>
+        <p:cxnSp>
+          <p:nvCxnSpPr>
+            <p:cNvPr id="10" name="直線コネクタ 9">
+              <a:extLst>
+                <a:ext uri="{FF2B5EF4-FFF2-40B4-BE49-F238E27FC236}">
+                  <a16:creationId xmlns:a16="http://schemas.microsoft.com/office/drawing/2014/main" id="{D57A0963-71EB-4376-8ECF-75BAB8460503}"/>
+                </a:ext>
+              </a:extLst>
+            </p:cNvPr>
+            <p:cNvCxnSpPr>
+              <a:cxnSpLocks/>
+            </p:cNvCxnSpPr>
+            <p:nvPr/>
+          </p:nvCxnSpPr>
+          <p:spPr>
+            <a:xfrm>
+              <a:off x="6263485" y="5082989"/>
+              <a:ext cx="3768021" cy="0"/>
+            </a:xfrm>
+            <a:prstGeom prst="line">
+              <a:avLst/>
+            </a:prstGeom>
+          </p:spPr>
+          <p:style>
+            <a:lnRef idx="1">
+              <a:schemeClr val="accent1"/>
+            </a:lnRef>
+            <a:fillRef idx="0">
+              <a:schemeClr val="accent1"/>
+            </a:fillRef>
+            <a:effectRef idx="0">
+              <a:schemeClr val="accent1"/>
+            </a:effectRef>
+            <a:fontRef idx="minor">
+              <a:schemeClr val="tx1"/>
+            </a:fontRef>
+          </p:style>
+        </p:cxnSp>
+        <p:sp>
+          <p:nvSpPr>
+            <p:cNvPr id="11" name="テキスト ボックス 10">
+              <a:extLst>
+                <a:ext uri="{FF2B5EF4-FFF2-40B4-BE49-F238E27FC236}">
+                  <a16:creationId xmlns:a16="http://schemas.microsoft.com/office/drawing/2014/main" id="{58DBC786-D8E7-48B0-A6BB-E4C52E297C41}"/>
+                </a:ext>
+              </a:extLst>
+            </p:cNvPr>
+            <p:cNvSpPr txBox="1"/>
+            <p:nvPr/>
+          </p:nvSpPr>
+          <p:spPr>
+            <a:xfrm>
+              <a:off x="5558118" y="5667717"/>
+              <a:ext cx="1640542" cy="369332"/>
+            </a:xfrm>
+            <a:prstGeom prst="rect">
+              <a:avLst/>
+            </a:prstGeom>
+            <a:noFill/>
+          </p:spPr>
+          <p:txBody>
+            <a:bodyPr wrap="square" rtlCol="0">
+              <a:spAutoFit/>
+            </a:bodyPr>
+            <a:lstStyle/>
+            <a:p>
+              <a:r>
+                <a:rPr lang="ja-JP" altLang="en-US" dirty="0"/>
+                <a:t>真空槽</a:t>
+              </a:r>
+              <a:endParaRPr kumimoji="1" lang="ja-JP" altLang="en-US" dirty="0"/>
+            </a:p>
+          </p:txBody>
+        </p:sp>
+        <p:sp>
+          <p:nvSpPr>
+            <p:cNvPr id="12" name="正方形/長方形 11">
+              <a:extLst>
+                <a:ext uri="{FF2B5EF4-FFF2-40B4-BE49-F238E27FC236}">
+                  <a16:creationId xmlns:a16="http://schemas.microsoft.com/office/drawing/2014/main" id="{7EE8441B-1D74-488E-8DAE-8787CACF18EC}"/>
+                </a:ext>
+              </a:extLst>
+            </p:cNvPr>
+            <p:cNvSpPr/>
+            <p:nvPr/>
+          </p:nvSpPr>
+          <p:spPr>
+            <a:xfrm>
+              <a:off x="9556938" y="1656132"/>
+              <a:ext cx="796735" cy="316232"/>
+            </a:xfrm>
+            <a:prstGeom prst="rect">
+              <a:avLst/>
+            </a:prstGeom>
+            <a:solidFill>
+              <a:schemeClr val="bg1"/>
+            </a:solidFill>
+          </p:spPr>
+          <p:style>
+            <a:lnRef idx="2">
+              <a:schemeClr val="accent1">
+                <a:shade val="50000"/>
+              </a:schemeClr>
+            </a:lnRef>
+            <a:fillRef idx="1">
+              <a:schemeClr val="accent1"/>
+            </a:fillRef>
+            <a:effectRef idx="0">
+              <a:schemeClr val="accent1"/>
+            </a:effectRef>
+            <a:fontRef idx="minor">
+              <a:schemeClr val="lt1"/>
+            </a:fontRef>
+          </p:style>
+          <p:txBody>
+            <a:bodyPr rtlCol="0" anchor="ctr"/>
+            <a:lstStyle/>
+            <a:p>
+              <a:pPr algn="ctr"/>
+              <a:endParaRPr kumimoji="1" lang="ja-JP" altLang="en-US"/>
+            </a:p>
+          </p:txBody>
+        </p:sp>
+        <p:cxnSp>
+          <p:nvCxnSpPr>
+            <p:cNvPr id="13" name="直線コネクタ 12">
+              <a:extLst>
+                <a:ext uri="{FF2B5EF4-FFF2-40B4-BE49-F238E27FC236}">
+                  <a16:creationId xmlns:a16="http://schemas.microsoft.com/office/drawing/2014/main" id="{7F357FC0-BEBB-4428-9B3B-572AF3E2EE2A}"/>
+                </a:ext>
+              </a:extLst>
+            </p:cNvPr>
+            <p:cNvCxnSpPr/>
+            <p:nvPr/>
+          </p:nvCxnSpPr>
+          <p:spPr>
+            <a:xfrm>
+              <a:off x="8467168" y="1814248"/>
+              <a:ext cx="0" cy="3268741"/>
+            </a:xfrm>
+            <a:prstGeom prst="line">
+              <a:avLst/>
+            </a:prstGeom>
+          </p:spPr>
+          <p:style>
+            <a:lnRef idx="1">
+              <a:schemeClr val="accent1"/>
+            </a:lnRef>
+            <a:fillRef idx="0">
+              <a:schemeClr val="accent1"/>
+            </a:fillRef>
+            <a:effectRef idx="0">
+              <a:schemeClr val="accent1"/>
+            </a:effectRef>
+            <a:fontRef idx="minor">
+              <a:schemeClr val="tx1"/>
+            </a:fontRef>
+          </p:style>
+        </p:cxnSp>
+        <p:sp>
+          <p:nvSpPr>
+            <p:cNvPr id="14" name="正方形/長方形 13">
+              <a:extLst>
+                <a:ext uri="{FF2B5EF4-FFF2-40B4-BE49-F238E27FC236}">
+                  <a16:creationId xmlns:a16="http://schemas.microsoft.com/office/drawing/2014/main" id="{94E7F7AA-1AEA-43AF-954C-12DF2526DB69}"/>
+                </a:ext>
+              </a:extLst>
+            </p:cNvPr>
+            <p:cNvSpPr/>
+            <p:nvPr/>
+          </p:nvSpPr>
+          <p:spPr>
+            <a:xfrm>
+              <a:off x="8332699" y="2279272"/>
+              <a:ext cx="268938" cy="645457"/>
+            </a:xfrm>
+            <a:prstGeom prst="rect">
+              <a:avLst/>
+            </a:prstGeom>
+            <a:solidFill>
+              <a:schemeClr val="bg1"/>
+            </a:solidFill>
+          </p:spPr>
+          <p:style>
+            <a:lnRef idx="2">
+              <a:schemeClr val="accent1">
+                <a:shade val="50000"/>
+              </a:schemeClr>
+            </a:lnRef>
+            <a:fillRef idx="1">
+              <a:schemeClr val="accent1"/>
+            </a:fillRef>
+            <a:effectRef idx="0">
+              <a:schemeClr val="accent1"/>
+            </a:effectRef>
+            <a:fontRef idx="minor">
+              <a:schemeClr val="lt1"/>
+            </a:fontRef>
+          </p:style>
+          <p:txBody>
+            <a:bodyPr rtlCol="0" anchor="ctr"/>
+            <a:lstStyle/>
+            <a:p>
+              <a:pPr algn="ctr"/>
+              <a:endParaRPr kumimoji="1" lang="ja-JP" altLang="en-US"/>
+            </a:p>
+          </p:txBody>
+        </p:sp>
+        <p:sp>
+          <p:nvSpPr>
+            <p:cNvPr id="15" name="正方形/長方形 14">
+              <a:extLst>
+                <a:ext uri="{FF2B5EF4-FFF2-40B4-BE49-F238E27FC236}">
+                  <a16:creationId xmlns:a16="http://schemas.microsoft.com/office/drawing/2014/main" id="{9E445F59-C2E1-4A64-A60A-E1DCB8883259}"/>
+                </a:ext>
+              </a:extLst>
+            </p:cNvPr>
+            <p:cNvSpPr/>
+            <p:nvPr/>
+          </p:nvSpPr>
+          <p:spPr>
+            <a:xfrm>
+              <a:off x="8328221" y="3962393"/>
+              <a:ext cx="268938" cy="645457"/>
+            </a:xfrm>
+            <a:prstGeom prst="rect">
+              <a:avLst/>
+            </a:prstGeom>
+            <a:solidFill>
+              <a:schemeClr val="bg1"/>
+            </a:solidFill>
+          </p:spPr>
+          <p:style>
+            <a:lnRef idx="2">
+              <a:schemeClr val="accent1">
+                <a:shade val="50000"/>
+              </a:schemeClr>
+            </a:lnRef>
+            <a:fillRef idx="1">
+              <a:schemeClr val="accent1"/>
+            </a:fillRef>
+            <a:effectRef idx="0">
+              <a:schemeClr val="accent1"/>
+            </a:effectRef>
+            <a:fontRef idx="minor">
+              <a:schemeClr val="lt1"/>
+            </a:fontRef>
+          </p:style>
+          <p:txBody>
+            <a:bodyPr rtlCol="0" anchor="ctr"/>
+            <a:lstStyle/>
+            <a:p>
+              <a:pPr algn="ctr"/>
+              <a:endParaRPr kumimoji="1" lang="ja-JP" altLang="en-US"/>
+            </a:p>
+          </p:txBody>
+        </p:sp>
+        <p:sp>
+          <p:nvSpPr>
+            <p:cNvPr id="16" name="テキスト ボックス 15">
+              <a:extLst>
+                <a:ext uri="{FF2B5EF4-FFF2-40B4-BE49-F238E27FC236}">
+                  <a16:creationId xmlns:a16="http://schemas.microsoft.com/office/drawing/2014/main" id="{A13573B2-58A5-4F3A-B601-73DD3EC3D724}"/>
+                </a:ext>
+              </a:extLst>
+            </p:cNvPr>
+            <p:cNvSpPr txBox="1"/>
+            <p:nvPr/>
+          </p:nvSpPr>
+          <p:spPr>
+            <a:xfrm>
+              <a:off x="11266396" y="1656132"/>
+              <a:ext cx="925603" cy="369332"/>
+            </a:xfrm>
+            <a:prstGeom prst="rect">
+              <a:avLst/>
+            </a:prstGeom>
+            <a:noFill/>
+          </p:spPr>
+          <p:txBody>
+            <a:bodyPr wrap="square" rtlCol="0">
+              <a:spAutoFit/>
+            </a:bodyPr>
+            <a:lstStyle/>
+            <a:p>
+              <a:r>
+                <a:rPr kumimoji="1" lang="en-US" altLang="ja-JP" dirty="0"/>
+                <a:t>2000V</a:t>
+              </a:r>
+              <a:endParaRPr kumimoji="1" lang="ja-JP" altLang="en-US" dirty="0"/>
+            </a:p>
+          </p:txBody>
+        </p:sp>
+        <p:sp>
+          <p:nvSpPr>
+            <p:cNvPr id="17" name="テキスト ボックス 16">
+              <a:extLst>
+                <a:ext uri="{FF2B5EF4-FFF2-40B4-BE49-F238E27FC236}">
+                  <a16:creationId xmlns:a16="http://schemas.microsoft.com/office/drawing/2014/main" id="{8001C500-B09B-4A53-BD67-784683BD756C}"/>
+                </a:ext>
+              </a:extLst>
+            </p:cNvPr>
+            <p:cNvSpPr txBox="1"/>
+            <p:nvPr/>
+          </p:nvSpPr>
+          <p:spPr>
+            <a:xfrm>
+              <a:off x="10227609" y="4898323"/>
+              <a:ext cx="1501588" cy="369332"/>
+            </a:xfrm>
+            <a:prstGeom prst="rect">
+              <a:avLst/>
+            </a:prstGeom>
+            <a:noFill/>
+          </p:spPr>
+          <p:txBody>
+            <a:bodyPr wrap="square" rtlCol="0">
+              <a:spAutoFit/>
+            </a:bodyPr>
+            <a:lstStyle/>
+            <a:p>
+              <a:r>
+                <a:rPr kumimoji="1" lang="ja-JP" altLang="en-US" dirty="0"/>
+                <a:t>グラウンド</a:t>
+              </a:r>
+            </a:p>
+          </p:txBody>
+        </p:sp>
+        <p:sp>
+          <p:nvSpPr>
+            <p:cNvPr id="18" name="テキスト ボックス 17">
+              <a:extLst>
+                <a:ext uri="{FF2B5EF4-FFF2-40B4-BE49-F238E27FC236}">
+                  <a16:creationId xmlns:a16="http://schemas.microsoft.com/office/drawing/2014/main" id="{F95F1170-2065-48BC-8AAC-EFD4F5AA758E}"/>
+                </a:ext>
+              </a:extLst>
+            </p:cNvPr>
+            <p:cNvSpPr txBox="1"/>
+            <p:nvPr/>
+          </p:nvSpPr>
+          <p:spPr>
+            <a:xfrm>
+              <a:off x="9658372" y="1986587"/>
+              <a:ext cx="894213" cy="369332"/>
+            </a:xfrm>
+            <a:prstGeom prst="rect">
+              <a:avLst/>
+            </a:prstGeom>
+            <a:noFill/>
+            <a:ln>
+              <a:solidFill>
+                <a:schemeClr val="bg1"/>
+              </a:solidFill>
+            </a:ln>
+          </p:spPr>
+          <p:txBody>
+            <a:bodyPr wrap="square" rtlCol="0">
+              <a:spAutoFit/>
+            </a:bodyPr>
+            <a:lstStyle/>
+            <a:p>
+              <a:r>
+                <a:rPr kumimoji="1" lang="en-US" altLang="ja-JP" dirty="0"/>
+                <a:t>100Ω</a:t>
+              </a:r>
+              <a:endParaRPr kumimoji="1" lang="ja-JP" altLang="en-US" dirty="0"/>
+            </a:p>
+          </p:txBody>
+        </p:sp>
+        <p:sp>
+          <p:nvSpPr>
+            <p:cNvPr id="19" name="テキスト ボックス 18">
+              <a:extLst>
+                <a:ext uri="{FF2B5EF4-FFF2-40B4-BE49-F238E27FC236}">
+                  <a16:creationId xmlns:a16="http://schemas.microsoft.com/office/drawing/2014/main" id="{893E961B-92A1-4ACB-A19F-AF255F259363}"/>
+                </a:ext>
+              </a:extLst>
+            </p:cNvPr>
+            <p:cNvSpPr txBox="1"/>
+            <p:nvPr/>
+          </p:nvSpPr>
+          <p:spPr>
+            <a:xfrm>
+              <a:off x="8653220" y="2746451"/>
+              <a:ext cx="1035416" cy="369332"/>
+            </a:xfrm>
+            <a:prstGeom prst="rect">
+              <a:avLst/>
+            </a:prstGeom>
+            <a:noFill/>
+            <a:ln>
+              <a:solidFill>
+                <a:schemeClr val="bg1"/>
+              </a:solidFill>
+            </a:ln>
+          </p:spPr>
+          <p:txBody>
+            <a:bodyPr wrap="square" rtlCol="0">
+              <a:spAutoFit/>
+            </a:bodyPr>
+            <a:lstStyle/>
+            <a:p>
+              <a:r>
+                <a:rPr lang="en-US" altLang="ja-JP" dirty="0"/>
+                <a:t>100k</a:t>
+              </a:r>
+              <a:r>
+                <a:rPr kumimoji="1" lang="en-US" altLang="ja-JP" dirty="0"/>
+                <a:t>Ω</a:t>
+              </a:r>
+              <a:endParaRPr kumimoji="1" lang="ja-JP" altLang="en-US" dirty="0"/>
+            </a:p>
+          </p:txBody>
+        </p:sp>
+        <p:sp>
+          <p:nvSpPr>
+            <p:cNvPr id="20" name="テキスト ボックス 19">
+              <a:extLst>
+                <a:ext uri="{FF2B5EF4-FFF2-40B4-BE49-F238E27FC236}">
+                  <a16:creationId xmlns:a16="http://schemas.microsoft.com/office/drawing/2014/main" id="{C4DA0656-09CF-4BCF-91C1-106551DBA655}"/>
+                </a:ext>
+              </a:extLst>
+            </p:cNvPr>
+            <p:cNvSpPr txBox="1"/>
+            <p:nvPr/>
+          </p:nvSpPr>
+          <p:spPr>
+            <a:xfrm>
+              <a:off x="8606115" y="4189768"/>
+              <a:ext cx="894213" cy="369332"/>
+            </a:xfrm>
+            <a:prstGeom prst="rect">
+              <a:avLst/>
+            </a:prstGeom>
+            <a:noFill/>
+            <a:ln>
+              <a:solidFill>
+                <a:schemeClr val="bg1"/>
+              </a:solidFill>
+            </a:ln>
+          </p:spPr>
+          <p:txBody>
+            <a:bodyPr wrap="square" rtlCol="0">
+              <a:spAutoFit/>
+            </a:bodyPr>
+            <a:lstStyle/>
+            <a:p>
+              <a:r>
+                <a:rPr lang="en-US" altLang="ja-JP" dirty="0"/>
+                <a:t>2M</a:t>
+              </a:r>
+              <a:r>
+                <a:rPr kumimoji="1" lang="en-US" altLang="ja-JP" dirty="0"/>
+                <a:t>Ω</a:t>
+              </a:r>
+              <a:endParaRPr kumimoji="1" lang="ja-JP" altLang="en-US" dirty="0"/>
+            </a:p>
+          </p:txBody>
+        </p:sp>
+        <p:cxnSp>
+          <p:nvCxnSpPr>
+            <p:cNvPr id="21" name="直線コネクタ 20">
+              <a:extLst>
+                <a:ext uri="{FF2B5EF4-FFF2-40B4-BE49-F238E27FC236}">
+                  <a16:creationId xmlns:a16="http://schemas.microsoft.com/office/drawing/2014/main" id="{3E3260A0-92EE-47B0-BDB2-8E994CF532E9}"/>
+                </a:ext>
+              </a:extLst>
+            </p:cNvPr>
+            <p:cNvCxnSpPr>
+              <a:cxnSpLocks/>
+            </p:cNvCxnSpPr>
+            <p:nvPr/>
+          </p:nvCxnSpPr>
+          <p:spPr>
+            <a:xfrm flipV="1">
+              <a:off x="7449670" y="1047970"/>
+              <a:ext cx="0" cy="766278"/>
+            </a:xfrm>
+            <a:prstGeom prst="line">
+              <a:avLst/>
+            </a:prstGeom>
+          </p:spPr>
+          <p:style>
+            <a:lnRef idx="1">
+              <a:schemeClr val="accent1"/>
+            </a:lnRef>
+            <a:fillRef idx="0">
+              <a:schemeClr val="accent1"/>
+            </a:fillRef>
+            <a:effectRef idx="0">
+              <a:schemeClr val="accent1"/>
+            </a:effectRef>
+            <a:fontRef idx="minor">
+              <a:schemeClr val="tx1"/>
+            </a:fontRef>
+          </p:style>
+        </p:cxnSp>
+        <p:cxnSp>
+          <p:nvCxnSpPr>
+            <p:cNvPr id="22" name="直線コネクタ 21">
+              <a:extLst>
+                <a:ext uri="{FF2B5EF4-FFF2-40B4-BE49-F238E27FC236}">
+                  <a16:creationId xmlns:a16="http://schemas.microsoft.com/office/drawing/2014/main" id="{B98595D3-C18B-4679-8EFE-B74021F0D255}"/>
+                </a:ext>
+              </a:extLst>
+            </p:cNvPr>
+            <p:cNvCxnSpPr>
+              <a:cxnSpLocks/>
+            </p:cNvCxnSpPr>
+            <p:nvPr/>
+          </p:nvCxnSpPr>
+          <p:spPr>
+            <a:xfrm>
+              <a:off x="7252447" y="1036875"/>
+              <a:ext cx="449360" cy="9811"/>
+            </a:xfrm>
+            <a:prstGeom prst="line">
+              <a:avLst/>
+            </a:prstGeom>
+          </p:spPr>
+          <p:style>
+            <a:lnRef idx="1">
+              <a:schemeClr val="accent1"/>
+            </a:lnRef>
+            <a:fillRef idx="0">
+              <a:schemeClr val="accent1"/>
+            </a:fillRef>
+            <a:effectRef idx="0">
+              <a:schemeClr val="accent1"/>
+            </a:effectRef>
+            <a:fontRef idx="minor">
+              <a:schemeClr val="tx1"/>
+            </a:fontRef>
+          </p:style>
+        </p:cxnSp>
+        <p:cxnSp>
+          <p:nvCxnSpPr>
+            <p:cNvPr id="23" name="直線コネクタ 22">
+              <a:extLst>
+                <a:ext uri="{FF2B5EF4-FFF2-40B4-BE49-F238E27FC236}">
+                  <a16:creationId xmlns:a16="http://schemas.microsoft.com/office/drawing/2014/main" id="{4FA5320A-58FE-486E-928C-4B6C7F2613FE}"/>
+                </a:ext>
+              </a:extLst>
+            </p:cNvPr>
+            <p:cNvCxnSpPr>
+              <a:cxnSpLocks/>
+            </p:cNvCxnSpPr>
+            <p:nvPr/>
+          </p:nvCxnSpPr>
+          <p:spPr>
+            <a:xfrm>
+              <a:off x="7252447" y="774930"/>
+              <a:ext cx="449360" cy="9811"/>
+            </a:xfrm>
+            <a:prstGeom prst="line">
+              <a:avLst/>
+            </a:prstGeom>
+          </p:spPr>
+          <p:style>
+            <a:lnRef idx="1">
+              <a:schemeClr val="accent1"/>
+            </a:lnRef>
+            <a:fillRef idx="0">
+              <a:schemeClr val="accent1"/>
+            </a:fillRef>
+            <a:effectRef idx="0">
+              <a:schemeClr val="accent1"/>
+            </a:effectRef>
+            <a:fontRef idx="minor">
+              <a:schemeClr val="tx1"/>
+            </a:fontRef>
+          </p:style>
+        </p:cxnSp>
+        <p:cxnSp>
+          <p:nvCxnSpPr>
+            <p:cNvPr id="24" name="直線コネクタ 23">
+              <a:extLst>
+                <a:ext uri="{FF2B5EF4-FFF2-40B4-BE49-F238E27FC236}">
+                  <a16:creationId xmlns:a16="http://schemas.microsoft.com/office/drawing/2014/main" id="{A71F5998-9A96-4621-B2D0-B06A02FEC7AC}"/>
+                </a:ext>
+              </a:extLst>
+            </p:cNvPr>
+            <p:cNvCxnSpPr>
+              <a:cxnSpLocks/>
+            </p:cNvCxnSpPr>
+            <p:nvPr/>
+          </p:nvCxnSpPr>
+          <p:spPr>
+            <a:xfrm flipV="1">
+              <a:off x="7449670" y="480335"/>
+              <a:ext cx="0" cy="294595"/>
+            </a:xfrm>
+            <a:prstGeom prst="line">
+              <a:avLst/>
+            </a:prstGeom>
+          </p:spPr>
+          <p:style>
+            <a:lnRef idx="1">
+              <a:schemeClr val="accent1"/>
+            </a:lnRef>
+            <a:fillRef idx="0">
+              <a:schemeClr val="accent1"/>
+            </a:fillRef>
+            <a:effectRef idx="0">
+              <a:schemeClr val="accent1"/>
+            </a:effectRef>
+            <a:fontRef idx="minor">
+              <a:schemeClr val="tx1"/>
+            </a:fontRef>
+          </p:style>
+        </p:cxnSp>
+        <p:sp>
+          <p:nvSpPr>
+            <p:cNvPr id="25" name="テキスト ボックス 24">
+              <a:extLst>
+                <a:ext uri="{FF2B5EF4-FFF2-40B4-BE49-F238E27FC236}">
+                  <a16:creationId xmlns:a16="http://schemas.microsoft.com/office/drawing/2014/main" id="{CF28F138-F63C-4670-9012-408C63F44B25}"/>
+                </a:ext>
+              </a:extLst>
+            </p:cNvPr>
+            <p:cNvSpPr txBox="1"/>
+            <p:nvPr/>
+          </p:nvSpPr>
+          <p:spPr>
+            <a:xfrm>
+              <a:off x="6557694" y="121012"/>
+              <a:ext cx="2039465" cy="369332"/>
+            </a:xfrm>
+            <a:prstGeom prst="rect">
+              <a:avLst/>
+            </a:prstGeom>
+            <a:noFill/>
+            <a:ln>
+              <a:solidFill>
+                <a:schemeClr val="bg1"/>
+              </a:solidFill>
+            </a:ln>
+          </p:spPr>
+          <p:txBody>
+            <a:bodyPr wrap="square" rtlCol="0">
+              <a:spAutoFit/>
+            </a:bodyPr>
+            <a:lstStyle/>
+            <a:p>
+              <a:r>
+                <a:rPr kumimoji="1" lang="ja-JP" altLang="en-US" dirty="0"/>
+                <a:t>オシロスコープへ</a:t>
+              </a:r>
+            </a:p>
+          </p:txBody>
+        </p:sp>
+        <p:sp>
+          <p:nvSpPr>
+            <p:cNvPr id="26" name="正方形/長方形 25">
+              <a:extLst>
+                <a:ext uri="{FF2B5EF4-FFF2-40B4-BE49-F238E27FC236}">
+                  <a16:creationId xmlns:a16="http://schemas.microsoft.com/office/drawing/2014/main" id="{BD904693-724B-4E75-A676-DABDFB66737C}"/>
+                </a:ext>
+              </a:extLst>
+            </p:cNvPr>
+            <p:cNvSpPr/>
+            <p:nvPr/>
+          </p:nvSpPr>
+          <p:spPr>
+            <a:xfrm>
+              <a:off x="5454882" y="1591503"/>
+              <a:ext cx="923507" cy="3760687"/>
+            </a:xfrm>
+            <a:prstGeom prst="rect">
+              <a:avLst/>
+            </a:prstGeom>
+            <a:ln>
+              <a:solidFill>
+                <a:schemeClr val="tx1"/>
+              </a:solidFill>
+            </a:ln>
+          </p:spPr>
+          <p:style>
+            <a:lnRef idx="2">
+              <a:schemeClr val="accent6"/>
+            </a:lnRef>
+            <a:fillRef idx="1">
+              <a:schemeClr val="lt1"/>
+            </a:fillRef>
+            <a:effectRef idx="0">
+              <a:schemeClr val="accent6"/>
+            </a:effectRef>
+            <a:fontRef idx="minor">
+              <a:schemeClr val="dk1"/>
+            </a:fontRef>
+          </p:style>
+          <p:txBody>
+            <a:bodyPr rtlCol="0" anchor="ctr"/>
+            <a:lstStyle/>
+            <a:p>
+              <a:pPr algn="ctr"/>
+              <a:r>
+                <a:rPr kumimoji="1" lang="en-US" altLang="ja-JP" dirty="0"/>
+                <a:t>M</a:t>
+              </a:r>
+            </a:p>
+            <a:p>
+              <a:pPr algn="ctr"/>
+              <a:r>
+                <a:rPr kumimoji="1" lang="en-US" altLang="ja-JP" dirty="0"/>
+                <a:t>C</a:t>
+              </a:r>
+            </a:p>
+            <a:p>
+              <a:pPr algn="ctr"/>
+              <a:r>
+                <a:rPr lang="en-US" altLang="ja-JP" dirty="0"/>
+                <a:t>P</a:t>
+              </a:r>
+              <a:endParaRPr kumimoji="1" lang="en-US" altLang="ja-JP" dirty="0"/>
+            </a:p>
+          </p:txBody>
+        </p:sp>
+      </p:grpSp>
     </p:spTree>
     <p:extLst>
       <p:ext uri="{BB962C8B-B14F-4D97-AF65-F5344CB8AC3E}">
-        <p14:creationId xmlns:p14="http://schemas.microsoft.com/office/powerpoint/2010/main" val="2085754909"/>
+        <p14:creationId xmlns:p14="http://schemas.microsoft.com/office/powerpoint/2010/main" val="932110413"/>
       </p:ext>
     </p:extLst>
   </p:cSld>
@@ -9169,10 +11896,10 @@
       </p:sp>
       <p:sp>
         <p:nvSpPr>
-          <p:cNvPr id="3" name="テキスト ボックス 2">
-            <a:extLst>
-              <a:ext uri="{FF2B5EF4-FFF2-40B4-BE49-F238E27FC236}">
-                <a16:creationId xmlns:a16="http://schemas.microsoft.com/office/drawing/2014/main" id="{1BB5EEC3-B964-45EE-9B56-30DEC3B4A3D2}"/>
+          <p:cNvPr id="4" name="テキスト ボックス 3">
+            <a:extLst>
+              <a:ext uri="{FF2B5EF4-FFF2-40B4-BE49-F238E27FC236}">
+                <a16:creationId xmlns:a16="http://schemas.microsoft.com/office/drawing/2014/main" id="{88396007-02B7-4A65-9208-B6E49B2AEC08}"/>
               </a:ext>
             </a:extLst>
           </p:cNvPr>
@@ -9181,8 +11908,8 @@
         </p:nvSpPr>
         <p:spPr>
           <a:xfrm>
-            <a:off x="657225" y="1219200"/>
-            <a:ext cx="2619375" cy="369332"/>
+            <a:off x="699247" y="914400"/>
+            <a:ext cx="3173506" cy="369332"/>
           </a:xfrm>
           <a:prstGeom prst="rect">
             <a:avLst/>
@@ -9196,16 +11923,55 @@
           <a:lstStyle/>
           <a:p>
             <a:r>
+              <a:rPr kumimoji="1" lang="en-US" altLang="ja-JP" dirty="0"/>
+              <a:t>MCP</a:t>
+            </a:r>
+            <a:r>
               <a:rPr kumimoji="1" lang="ja-JP" altLang="en-US" dirty="0"/>
-              <a:t>クロストークの測定</a:t>
-            </a:r>
-          </a:p>
-        </p:txBody>
-      </p:sp>
+              <a:t>からくるパルスの測定</a:t>
+            </a:r>
+          </a:p>
+        </p:txBody>
+      </p:sp>
+      <p:pic>
+        <p:nvPicPr>
+          <p:cNvPr id="27" name="図 26" descr="グラフィカル ユーザー インターフェイス, アプリケーション&#10;&#10;自動的に生成された説明">
+            <a:extLst>
+              <a:ext uri="{FF2B5EF4-FFF2-40B4-BE49-F238E27FC236}">
+                <a16:creationId xmlns:a16="http://schemas.microsoft.com/office/drawing/2014/main" id="{9D09043D-35E8-4C52-9C06-427D080F88E5}"/>
+              </a:ext>
+            </a:extLst>
+          </p:cNvPr>
+          <p:cNvPicPr>
+            <a:picLocks noChangeAspect="1"/>
+          </p:cNvPicPr>
+          <p:nvPr/>
+        </p:nvPicPr>
+        <p:blipFill rotWithShape="1">
+          <a:blip r:embed="rId3">
+            <a:extLst>
+              <a:ext uri="{28A0092B-C50C-407E-A947-70E740481C1C}">
+                <a14:useLocalDpi xmlns:a14="http://schemas.microsoft.com/office/drawing/2010/main" val="0"/>
+              </a:ext>
+            </a:extLst>
+          </a:blip>
+          <a:srcRect l="25697" b="10222"/>
+          <a:stretch/>
+        </p:blipFill>
+        <p:spPr>
+          <a:xfrm>
+            <a:off x="4311665" y="681038"/>
+            <a:ext cx="6797310" cy="6156960"/>
+          </a:xfrm>
+          <a:prstGeom prst="rect">
+            <a:avLst/>
+          </a:prstGeom>
+        </p:spPr>
+      </p:pic>
     </p:spTree>
     <p:extLst>
       <p:ext uri="{BB962C8B-B14F-4D97-AF65-F5344CB8AC3E}">
-        <p14:creationId xmlns:p14="http://schemas.microsoft.com/office/powerpoint/2010/main" val="4000883359"/>
+        <p14:creationId xmlns:p14="http://schemas.microsoft.com/office/powerpoint/2010/main" val="1908410375"/>
       </p:ext>
     </p:extLst>
   </p:cSld>
@@ -9276,12 +12042,53 @@
           </a:p>
         </p:txBody>
       </p:sp>
-      <p:sp>
-        <p:nvSpPr>
-          <p:cNvPr id="3" name="テキスト ボックス 2">
-            <a:extLst>
-              <a:ext uri="{FF2B5EF4-FFF2-40B4-BE49-F238E27FC236}">
-                <a16:creationId xmlns:a16="http://schemas.microsoft.com/office/drawing/2014/main" id="{D4441E65-2F4C-4325-A44B-345991AE8AAD}"/>
+      <p:pic>
+        <p:nvPicPr>
+          <p:cNvPr id="3" name="図 2" descr="グラフィカル ユーザー インターフェイス&#10;&#10;自動的に生成された説明">
+            <a:extLst>
+              <a:ext uri="{FF2B5EF4-FFF2-40B4-BE49-F238E27FC236}">
+                <a16:creationId xmlns:a16="http://schemas.microsoft.com/office/drawing/2014/main" id="{E47C8BE8-BBE0-4D9D-AEC7-FADE8B521475}"/>
+              </a:ext>
+            </a:extLst>
+          </p:cNvPr>
+          <p:cNvPicPr/>
+          <p:nvPr/>
+        </p:nvPicPr>
+        <p:blipFill rotWithShape="1">
+          <a:blip r:embed="rId3">
+            <a:extLst>
+              <a:ext uri="{28A0092B-C50C-407E-A947-70E740481C1C}">
+                <a14:useLocalDpi xmlns:a14="http://schemas.microsoft.com/office/drawing/2010/main" val="0"/>
+              </a:ext>
+            </a:extLst>
+          </a:blip>
+          <a:srcRect l="45391" t="18987" r="14429" b="7382"/>
+          <a:stretch/>
+        </p:blipFill>
+        <p:spPr bwMode="auto">
+          <a:xfrm>
+            <a:off x="6096000" y="1094273"/>
+            <a:ext cx="5153025" cy="4954102"/>
+          </a:xfrm>
+          <a:prstGeom prst="rect">
+            <a:avLst/>
+          </a:prstGeom>
+          <a:ln>
+            <a:noFill/>
+          </a:ln>
+          <a:extLst>
+            <a:ext uri="{53640926-AAD7-44D8-BBD7-CCE9431645EC}">
+              <a14:shadowObscured xmlns:a14="http://schemas.microsoft.com/office/drawing/2010/main"/>
+            </a:ext>
+          </a:extLst>
+        </p:spPr>
+      </p:pic>
+      <p:sp>
+        <p:nvSpPr>
+          <p:cNvPr id="4" name="テキスト ボックス 3">
+            <a:extLst>
+              <a:ext uri="{FF2B5EF4-FFF2-40B4-BE49-F238E27FC236}">
+                <a16:creationId xmlns:a16="http://schemas.microsoft.com/office/drawing/2014/main" id="{07851E4B-1E4F-46D8-BBD8-19349033D133}"/>
               </a:ext>
             </a:extLst>
           </p:cNvPr>
@@ -9290,8 +12097,8 @@
         </p:nvSpPr>
         <p:spPr>
           <a:xfrm>
-            <a:off x="781050" y="1314450"/>
-            <a:ext cx="3867150" cy="369332"/>
+            <a:off x="1293719" y="2278662"/>
+            <a:ext cx="4629150" cy="2585323"/>
           </a:xfrm>
           <a:prstGeom prst="rect">
             <a:avLst/>
@@ -9306,7 +12113,142 @@
           <a:p>
             <a:r>
               <a:rPr kumimoji="1" lang="ja-JP" altLang="en-US" dirty="0"/>
-              <a:t>考察</a:t>
+              <a:t>直径：</a:t>
+            </a:r>
+            <a:r>
+              <a:rPr kumimoji="1" lang="en-US" altLang="ja-JP" dirty="0"/>
+              <a:t>75mm</a:t>
+            </a:r>
+          </a:p>
+          <a:p>
+            <a:endParaRPr lang="en-US" altLang="ja-JP" dirty="0"/>
+          </a:p>
+          <a:p>
+            <a:r>
+              <a:rPr kumimoji="1" lang="ja-JP" altLang="en-US" dirty="0"/>
+              <a:t>電極：幅</a:t>
+            </a:r>
+            <a:r>
+              <a:rPr kumimoji="1" lang="en-US" altLang="ja-JP" dirty="0"/>
+              <a:t>1.0mm</a:t>
+            </a:r>
+            <a:r>
+              <a:rPr kumimoji="1" lang="ja-JP" altLang="en-US" dirty="0"/>
+              <a:t>　間隙</a:t>
+            </a:r>
+            <a:r>
+              <a:rPr kumimoji="1" lang="en-US" altLang="ja-JP" dirty="0"/>
+              <a:t>0.075mm</a:t>
+            </a:r>
+            <a:r>
+              <a:rPr kumimoji="1" lang="ja-JP" altLang="en-US" dirty="0"/>
+              <a:t>　（左側）</a:t>
+            </a:r>
+            <a:endParaRPr kumimoji="1" lang="en-US" altLang="ja-JP" dirty="0"/>
+          </a:p>
+          <a:p>
+            <a:r>
+              <a:rPr lang="ja-JP" altLang="en-US" dirty="0"/>
+              <a:t>　　　幅</a:t>
+            </a:r>
+            <a:r>
+              <a:rPr lang="en-US" altLang="ja-JP" dirty="0"/>
+              <a:t>0.5mm</a:t>
+            </a:r>
+            <a:r>
+              <a:rPr lang="ja-JP" altLang="en-US" dirty="0"/>
+              <a:t>　間隙</a:t>
+            </a:r>
+            <a:r>
+              <a:rPr lang="en-US" altLang="ja-JP" dirty="0"/>
+              <a:t>0.075mm</a:t>
+            </a:r>
+            <a:r>
+              <a:rPr lang="ja-JP" altLang="en-US" dirty="0"/>
+              <a:t>　（右側）</a:t>
+            </a:r>
+            <a:endParaRPr lang="en-US" altLang="ja-JP" dirty="0"/>
+          </a:p>
+          <a:p>
+            <a:endParaRPr kumimoji="1" lang="en-US" altLang="ja-JP" dirty="0"/>
+          </a:p>
+          <a:p>
+            <a:r>
+              <a:rPr lang="ja-JP" altLang="en-US" dirty="0"/>
+              <a:t>取付穴：直径</a:t>
+            </a:r>
+            <a:r>
+              <a:rPr lang="en-US" altLang="ja-JP" dirty="0"/>
+              <a:t>5.91mm</a:t>
+            </a:r>
+            <a:r>
+              <a:rPr lang="ja-JP" altLang="en-US" dirty="0"/>
+              <a:t>（大）</a:t>
+            </a:r>
+            <a:endParaRPr lang="en-US" altLang="ja-JP" dirty="0"/>
+          </a:p>
+          <a:p>
+            <a:r>
+              <a:rPr kumimoji="1" lang="ja-JP" altLang="en-US" dirty="0"/>
+              <a:t>　　　　直径</a:t>
+            </a:r>
+            <a:r>
+              <a:rPr kumimoji="1" lang="en-US" altLang="ja-JP" dirty="0"/>
+              <a:t>4.21mm</a:t>
+            </a:r>
+            <a:r>
+              <a:rPr kumimoji="1" lang="ja-JP" altLang="en-US" dirty="0"/>
+              <a:t>（小）</a:t>
+            </a:r>
+            <a:endParaRPr kumimoji="1" lang="en-US" altLang="ja-JP" dirty="0"/>
+          </a:p>
+          <a:p>
+            <a:endParaRPr lang="en-US" altLang="ja-JP" dirty="0"/>
+          </a:p>
+          <a:p>
+            <a:r>
+              <a:rPr kumimoji="1" lang="ja-JP" altLang="en-US" dirty="0"/>
+              <a:t>ビア：直径</a:t>
+            </a:r>
+            <a:r>
+              <a:rPr kumimoji="1" lang="en-US" altLang="ja-JP" dirty="0"/>
+              <a:t>0.7mm</a:t>
+            </a:r>
+            <a:endParaRPr kumimoji="1" lang="ja-JP" altLang="en-US" dirty="0"/>
+          </a:p>
+        </p:txBody>
+      </p:sp>
+      <p:sp>
+        <p:nvSpPr>
+          <p:cNvPr id="5" name="テキスト ボックス 4">
+            <a:extLst>
+              <a:ext uri="{FF2B5EF4-FFF2-40B4-BE49-F238E27FC236}">
+                <a16:creationId xmlns:a16="http://schemas.microsoft.com/office/drawing/2014/main" id="{36035440-030E-4900-BE29-0235F5DDC350}"/>
+              </a:ext>
+            </a:extLst>
+          </p:cNvPr>
+          <p:cNvSpPr txBox="1"/>
+          <p:nvPr/>
+        </p:nvSpPr>
+        <p:spPr>
+          <a:xfrm>
+            <a:off x="708212" y="1326776"/>
+            <a:ext cx="2545976" cy="369332"/>
+          </a:xfrm>
+          <a:prstGeom prst="rect">
+            <a:avLst/>
+          </a:prstGeom>
+          <a:noFill/>
+        </p:spPr>
+        <p:txBody>
+          <a:bodyPr wrap="square" rtlCol="0">
+            <a:spAutoFit/>
+          </a:bodyPr>
+          <a:lstStyle/>
+          <a:p>
+            <a:r>
+              <a:rPr kumimoji="1" lang="ja-JP" altLang="en-US" dirty="0"/>
+              <a:t>電極作成</a:t>
             </a:r>
           </a:p>
         </p:txBody>
@@ -9314,7 +12256,7 @@
     </p:spTree>
     <p:extLst>
       <p:ext uri="{BB962C8B-B14F-4D97-AF65-F5344CB8AC3E}">
-        <p14:creationId xmlns:p14="http://schemas.microsoft.com/office/powerpoint/2010/main" val="423788584"/>
+        <p14:creationId xmlns:p14="http://schemas.microsoft.com/office/powerpoint/2010/main" val="2085754909"/>
       </p:ext>
     </p:extLst>
   </p:cSld>

--- a/docs/最終発表.pptx
+++ b/docs/最終発表.pptx
@@ -5,24 +5,27 @@
     <p:sldMasterId id="2147483738" r:id="rId1"/>
   </p:sldMasterIdLst>
   <p:notesMasterIdLst>
-    <p:notesMasterId r:id="rId14"/>
+    <p:notesMasterId r:id="rId17"/>
   </p:notesMasterIdLst>
   <p:handoutMasterIdLst>
-    <p:handoutMasterId r:id="rId15"/>
+    <p:handoutMasterId r:id="rId18"/>
   </p:handoutMasterIdLst>
   <p:sldIdLst>
     <p:sldId id="256" r:id="rId2"/>
     <p:sldId id="267" r:id="rId3"/>
     <p:sldId id="257" r:id="rId4"/>
     <p:sldId id="269" r:id="rId5"/>
-    <p:sldId id="276" r:id="rId6"/>
-    <p:sldId id="268" r:id="rId7"/>
-    <p:sldId id="277" r:id="rId8"/>
-    <p:sldId id="278" r:id="rId9"/>
+    <p:sldId id="279" r:id="rId6"/>
+    <p:sldId id="277" r:id="rId7"/>
+    <p:sldId id="278" r:id="rId8"/>
+    <p:sldId id="276" r:id="rId9"/>
     <p:sldId id="270" r:id="rId10"/>
     <p:sldId id="271" r:id="rId11"/>
     <p:sldId id="272" r:id="rId12"/>
     <p:sldId id="274" r:id="rId13"/>
+    <p:sldId id="281" r:id="rId14"/>
+    <p:sldId id="282" r:id="rId15"/>
+    <p:sldId id="280" r:id="rId16"/>
   </p:sldIdLst>
   <p:sldSz cx="12192000" cy="6858000"/>
   <p:notesSz cx="6858000" cy="9144000"/>
@@ -132,6 +135,3016 @@
 </p:presentation>
 </file>
 
+<file path=ppt/charts/chart1.xml><?xml version="1.0" encoding="utf-8"?>
+<c:chartSpace xmlns:c="http://schemas.openxmlformats.org/drawingml/2006/chart" xmlns:a="http://schemas.openxmlformats.org/drawingml/2006/main" xmlns:r="http://schemas.openxmlformats.org/officeDocument/2006/relationships" xmlns:c16r2="http://schemas.microsoft.com/office/drawing/2015/06/chart">
+  <c:date1904 val="0"/>
+  <c:lang val="ja-JP"/>
+  <c:roundedCorners val="0"/>
+  <mc:AlternateContent xmlns:mc="http://schemas.openxmlformats.org/markup-compatibility/2006">
+    <mc:Choice xmlns:c14="http://schemas.microsoft.com/office/drawing/2007/8/2/chart" Requires="c14">
+      <c14:style val="102"/>
+    </mc:Choice>
+    <mc:Fallback>
+      <c:style val="2"/>
+    </mc:Fallback>
+  </mc:AlternateContent>
+  <c:chart>
+    <c:title>
+      <c:tx>
+        <c:rich>
+          <a:bodyPr rot="0" spcFirstLastPara="1" vertOverflow="ellipsis" vert="horz" wrap="square" anchor="ctr" anchorCtr="1"/>
+          <a:lstStyle/>
+          <a:p>
+            <a:pPr>
+              <a:defRPr sz="1400" b="0" i="0" u="none" strike="noStrike" kern="1200" spc="0" baseline="0">
+                <a:solidFill>
+                  <a:schemeClr val="tx1">
+                    <a:lumMod val="65000"/>
+                    <a:lumOff val="35000"/>
+                  </a:schemeClr>
+                </a:solidFill>
+                <a:latin typeface="+mn-lt"/>
+                <a:ea typeface="+mn-ea"/>
+                <a:cs typeface="+mn-cs"/>
+              </a:defRPr>
+            </a:pPr>
+            <a:r>
+              <a:rPr lang="en-US" altLang="ja-JP"/>
+              <a:t>2mm</a:t>
+            </a:r>
+            <a:r>
+              <a:rPr lang="ja-JP" altLang="en-US"/>
+              <a:t>（周期）</a:t>
+            </a:r>
+          </a:p>
+        </c:rich>
+      </c:tx>
+      <c:overlay val="0"/>
+      <c:spPr>
+        <a:noFill/>
+        <a:ln>
+          <a:noFill/>
+        </a:ln>
+        <a:effectLst/>
+      </c:spPr>
+      <c:txPr>
+        <a:bodyPr rot="0" spcFirstLastPara="1" vertOverflow="ellipsis" vert="horz" wrap="square" anchor="ctr" anchorCtr="1"/>
+        <a:lstStyle/>
+        <a:p>
+          <a:pPr>
+            <a:defRPr sz="1400" b="0" i="0" u="none" strike="noStrike" kern="1200" spc="0" baseline="0">
+              <a:solidFill>
+                <a:schemeClr val="tx1">
+                  <a:lumMod val="65000"/>
+                  <a:lumOff val="35000"/>
+                </a:schemeClr>
+              </a:solidFill>
+              <a:latin typeface="+mn-lt"/>
+              <a:ea typeface="+mn-ea"/>
+              <a:cs typeface="+mn-cs"/>
+            </a:defRPr>
+          </a:pPr>
+          <a:endParaRPr lang="ja-JP"/>
+        </a:p>
+      </c:txPr>
+    </c:title>
+    <c:autoTitleDeleted val="0"/>
+    <c:plotArea>
+      <c:layout/>
+      <c:scatterChart>
+        <c:scatterStyle val="lineMarker"/>
+        <c:varyColors val="0"/>
+        <c:ser>
+          <c:idx val="0"/>
+          <c:order val="0"/>
+          <c:spPr>
+            <a:ln w="19050" cap="rnd">
+              <a:noFill/>
+              <a:round/>
+            </a:ln>
+            <a:effectLst/>
+          </c:spPr>
+          <c:marker>
+            <c:symbol val="circle"/>
+            <c:size val="5"/>
+            <c:spPr>
+              <a:solidFill>
+                <a:schemeClr val="accent1"/>
+              </a:solidFill>
+              <a:ln w="9525">
+                <a:solidFill>
+                  <a:schemeClr val="accent1"/>
+                </a:solidFill>
+              </a:ln>
+              <a:effectLst/>
+            </c:spPr>
+          </c:marker>
+          <c:trendline>
+            <c:spPr>
+              <a:ln w="19050" cap="rnd">
+                <a:solidFill>
+                  <a:schemeClr val="accent1"/>
+                </a:solidFill>
+                <a:prstDash val="sysDot"/>
+              </a:ln>
+              <a:effectLst/>
+            </c:spPr>
+            <c:trendlineType val="linear"/>
+            <c:dispRSqr val="0"/>
+            <c:dispEq val="1"/>
+            <c:trendlineLbl>
+              <c:layout>
+                <c:manualLayout>
+                  <c:x val="-5.3869641294838143E-2"/>
+                  <c:y val="-0.20607028288130655"/>
+                </c:manualLayout>
+              </c:layout>
+              <c:numFmt formatCode="General" sourceLinked="0"/>
+              <c:spPr>
+                <a:noFill/>
+                <a:ln>
+                  <a:noFill/>
+                </a:ln>
+                <a:effectLst/>
+              </c:spPr>
+              <c:txPr>
+                <a:bodyPr rot="0" spcFirstLastPara="1" vertOverflow="ellipsis" vert="horz" wrap="square" anchor="ctr" anchorCtr="1"/>
+                <a:lstStyle/>
+                <a:p>
+                  <a:pPr>
+                    <a:defRPr sz="900" b="0" i="0" u="none" strike="noStrike" kern="1200" baseline="0">
+                      <a:solidFill>
+                        <a:schemeClr val="tx1">
+                          <a:lumMod val="65000"/>
+                          <a:lumOff val="35000"/>
+                        </a:schemeClr>
+                      </a:solidFill>
+                      <a:latin typeface="+mn-lt"/>
+                      <a:ea typeface="+mn-ea"/>
+                      <a:cs typeface="+mn-cs"/>
+                    </a:defRPr>
+                  </a:pPr>
+                  <a:endParaRPr lang="ja-JP"/>
+                </a:p>
+              </c:txPr>
+            </c:trendlineLbl>
+          </c:trendline>
+          <c:xVal>
+            <c:numRef>
+              <c:f>Sheet1!$B$32:$B$34</c:f>
+              <c:numCache>
+                <c:formatCode>General</c:formatCode>
+                <c:ptCount val="3"/>
+                <c:pt idx="0">
+                  <c:v>2.58</c:v>
+                </c:pt>
+                <c:pt idx="1">
+                  <c:v>13</c:v>
+                </c:pt>
+                <c:pt idx="2">
+                  <c:v>79.2</c:v>
+                </c:pt>
+              </c:numCache>
+            </c:numRef>
+          </c:xVal>
+          <c:yVal>
+            <c:numRef>
+              <c:f>Sheet1!$F$32:$F$34</c:f>
+              <c:numCache>
+                <c:formatCode>General</c:formatCode>
+                <c:ptCount val="3"/>
+                <c:pt idx="0">
+                  <c:v>0.16470588235294117</c:v>
+                </c:pt>
+                <c:pt idx="1">
+                  <c:v>0.2031413612565445</c:v>
+                </c:pt>
+                <c:pt idx="2">
+                  <c:v>0.10909090909090909</c:v>
+                </c:pt>
+              </c:numCache>
+            </c:numRef>
+          </c:yVal>
+          <c:smooth val="0"/>
+          <c:extLst>
+            <c:ext xmlns:c16="http://schemas.microsoft.com/office/drawing/2014/chart" uri="{C3380CC4-5D6E-409C-BE32-E72D297353CC}">
+              <c16:uniqueId val="{00000001-2990-4481-ABEB-A069BE73C27D}"/>
+            </c:ext>
+          </c:extLst>
+        </c:ser>
+        <c:dLbls>
+          <c:showLegendKey val="0"/>
+          <c:showVal val="0"/>
+          <c:showCatName val="0"/>
+          <c:showSerName val="0"/>
+          <c:showPercent val="0"/>
+          <c:showBubbleSize val="0"/>
+        </c:dLbls>
+        <c:axId val="540579376"/>
+        <c:axId val="540573472"/>
+      </c:scatterChart>
+      <c:valAx>
+        <c:axId val="540579376"/>
+        <c:scaling>
+          <c:orientation val="minMax"/>
+        </c:scaling>
+        <c:delete val="0"/>
+        <c:axPos val="b"/>
+        <c:numFmt formatCode="General" sourceLinked="1"/>
+        <c:majorTickMark val="in"/>
+        <c:minorTickMark val="none"/>
+        <c:tickLblPos val="nextTo"/>
+        <c:spPr>
+          <a:noFill/>
+          <a:ln w="9525" cap="flat" cmpd="sng" algn="ctr">
+            <a:solidFill>
+              <a:schemeClr val="tx1">
+                <a:lumMod val="25000"/>
+                <a:lumOff val="75000"/>
+              </a:schemeClr>
+            </a:solidFill>
+            <a:round/>
+          </a:ln>
+          <a:effectLst/>
+        </c:spPr>
+        <c:txPr>
+          <a:bodyPr rot="-60000000" spcFirstLastPara="1" vertOverflow="ellipsis" vert="horz" wrap="square" anchor="ctr" anchorCtr="1"/>
+          <a:lstStyle/>
+          <a:p>
+            <a:pPr>
+              <a:defRPr sz="900" b="0" i="0" u="none" strike="noStrike" kern="1200" baseline="0">
+                <a:solidFill>
+                  <a:schemeClr val="tx1">
+                    <a:lumMod val="65000"/>
+                    <a:lumOff val="35000"/>
+                  </a:schemeClr>
+                </a:solidFill>
+                <a:latin typeface="+mn-lt"/>
+                <a:ea typeface="+mn-ea"/>
+                <a:cs typeface="+mn-cs"/>
+              </a:defRPr>
+            </a:pPr>
+            <a:endParaRPr lang="ja-JP"/>
+          </a:p>
+        </c:txPr>
+        <c:crossAx val="540573472"/>
+        <c:crosses val="autoZero"/>
+        <c:crossBetween val="midCat"/>
+      </c:valAx>
+      <c:valAx>
+        <c:axId val="540573472"/>
+        <c:scaling>
+          <c:orientation val="minMax"/>
+        </c:scaling>
+        <c:delete val="0"/>
+        <c:axPos val="l"/>
+        <c:numFmt formatCode="General" sourceLinked="1"/>
+        <c:majorTickMark val="in"/>
+        <c:minorTickMark val="none"/>
+        <c:tickLblPos val="nextTo"/>
+        <c:spPr>
+          <a:noFill/>
+          <a:ln w="9525" cap="flat" cmpd="sng" algn="ctr">
+            <a:solidFill>
+              <a:schemeClr val="tx1">
+                <a:lumMod val="25000"/>
+                <a:lumOff val="75000"/>
+              </a:schemeClr>
+            </a:solidFill>
+            <a:round/>
+          </a:ln>
+          <a:effectLst/>
+        </c:spPr>
+        <c:txPr>
+          <a:bodyPr rot="-60000000" spcFirstLastPara="1" vertOverflow="ellipsis" vert="horz" wrap="square" anchor="ctr" anchorCtr="1"/>
+          <a:lstStyle/>
+          <a:p>
+            <a:pPr>
+              <a:defRPr sz="900" b="0" i="0" u="none" strike="noStrike" kern="1200" baseline="0">
+                <a:solidFill>
+                  <a:schemeClr val="tx1">
+                    <a:lumMod val="65000"/>
+                    <a:lumOff val="35000"/>
+                  </a:schemeClr>
+                </a:solidFill>
+                <a:latin typeface="+mn-lt"/>
+                <a:ea typeface="+mn-ea"/>
+                <a:cs typeface="+mn-cs"/>
+              </a:defRPr>
+            </a:pPr>
+            <a:endParaRPr lang="ja-JP"/>
+          </a:p>
+        </c:txPr>
+        <c:crossAx val="540579376"/>
+        <c:crosses val="autoZero"/>
+        <c:crossBetween val="midCat"/>
+      </c:valAx>
+      <c:spPr>
+        <a:noFill/>
+        <a:ln w="25400">
+          <a:noFill/>
+        </a:ln>
+        <a:effectLst/>
+      </c:spPr>
+    </c:plotArea>
+    <c:plotVisOnly val="1"/>
+    <c:dispBlanksAs val="gap"/>
+    <c:extLst>
+      <c:ext xmlns:c16r3="http://schemas.microsoft.com/office/drawing/2017/03/chart" uri="{56B9EC1D-385E-4148-901F-78D8002777C0}">
+        <c16r3:dataDisplayOptions16>
+          <c16r3:dispNaAsBlank val="1"/>
+        </c16r3:dataDisplayOptions16>
+      </c:ext>
+    </c:extLst>
+    <c:showDLblsOverMax val="0"/>
+  </c:chart>
+  <c:spPr>
+    <a:noFill/>
+    <a:ln>
+      <a:noFill/>
+    </a:ln>
+    <a:effectLst/>
+  </c:spPr>
+  <c:txPr>
+    <a:bodyPr/>
+    <a:lstStyle/>
+    <a:p>
+      <a:pPr>
+        <a:defRPr/>
+      </a:pPr>
+      <a:endParaRPr lang="ja-JP"/>
+    </a:p>
+  </c:txPr>
+  <c:externalData r:id="rId3">
+    <c:autoUpdate val="0"/>
+  </c:externalData>
+</c:chartSpace>
+</file>
+
+<file path=ppt/charts/chart2.xml><?xml version="1.0" encoding="utf-8"?>
+<c:chartSpace xmlns:c="http://schemas.openxmlformats.org/drawingml/2006/chart" xmlns:a="http://schemas.openxmlformats.org/drawingml/2006/main" xmlns:r="http://schemas.openxmlformats.org/officeDocument/2006/relationships" xmlns:c16r2="http://schemas.microsoft.com/office/drawing/2015/06/chart">
+  <c:date1904 val="0"/>
+  <c:lang val="ja-JP"/>
+  <c:roundedCorners val="0"/>
+  <mc:AlternateContent xmlns:mc="http://schemas.openxmlformats.org/markup-compatibility/2006">
+    <mc:Choice xmlns:c14="http://schemas.microsoft.com/office/drawing/2007/8/2/chart" Requires="c14">
+      <c14:style val="102"/>
+    </mc:Choice>
+    <mc:Fallback>
+      <c:style val="2"/>
+    </mc:Fallback>
+  </mc:AlternateContent>
+  <c:chart>
+    <c:title>
+      <c:tx>
+        <c:rich>
+          <a:bodyPr rot="0" spcFirstLastPara="1" vertOverflow="ellipsis" vert="horz" wrap="square" anchor="ctr" anchorCtr="1"/>
+          <a:lstStyle/>
+          <a:p>
+            <a:pPr>
+              <a:defRPr sz="1400" b="0" i="0" u="none" strike="noStrike" kern="1200" spc="0" baseline="0">
+                <a:solidFill>
+                  <a:schemeClr val="tx1">
+                    <a:lumMod val="65000"/>
+                    <a:lumOff val="35000"/>
+                  </a:schemeClr>
+                </a:solidFill>
+                <a:latin typeface="+mn-lt"/>
+                <a:ea typeface="+mn-ea"/>
+                <a:cs typeface="+mn-cs"/>
+              </a:defRPr>
+            </a:pPr>
+            <a:r>
+              <a:rPr lang="en-US" altLang="ja-JP"/>
+              <a:t>0.5mm</a:t>
+            </a:r>
+            <a:r>
+              <a:rPr lang="ja-JP" altLang="ja-JP" sz="1400" b="0" i="0" u="none" strike="noStrike" baseline="0">
+                <a:effectLst/>
+              </a:rPr>
+              <a:t>（周期）</a:t>
+            </a:r>
+            <a:endParaRPr lang="ja-JP" altLang="en-US"/>
+          </a:p>
+        </c:rich>
+      </c:tx>
+      <c:layout>
+        <c:manualLayout>
+          <c:xMode val="edge"/>
+          <c:yMode val="edge"/>
+          <c:x val="0.33304862571079558"/>
+          <c:y val="5.734365669662158E-2"/>
+        </c:manualLayout>
+      </c:layout>
+      <c:overlay val="0"/>
+      <c:spPr>
+        <a:noFill/>
+        <a:ln>
+          <a:noFill/>
+        </a:ln>
+        <a:effectLst/>
+      </c:spPr>
+      <c:txPr>
+        <a:bodyPr rot="0" spcFirstLastPara="1" vertOverflow="ellipsis" vert="horz" wrap="square" anchor="ctr" anchorCtr="1"/>
+        <a:lstStyle/>
+        <a:p>
+          <a:pPr>
+            <a:defRPr sz="1400" b="0" i="0" u="none" strike="noStrike" kern="1200" spc="0" baseline="0">
+              <a:solidFill>
+                <a:schemeClr val="tx1">
+                  <a:lumMod val="65000"/>
+                  <a:lumOff val="35000"/>
+                </a:schemeClr>
+              </a:solidFill>
+              <a:latin typeface="+mn-lt"/>
+              <a:ea typeface="+mn-ea"/>
+              <a:cs typeface="+mn-cs"/>
+            </a:defRPr>
+          </a:pPr>
+          <a:endParaRPr lang="ja-JP"/>
+        </a:p>
+      </c:txPr>
+    </c:title>
+    <c:autoTitleDeleted val="0"/>
+    <c:plotArea>
+      <c:layout/>
+      <c:scatterChart>
+        <c:scatterStyle val="lineMarker"/>
+        <c:varyColors val="0"/>
+        <c:ser>
+          <c:idx val="0"/>
+          <c:order val="0"/>
+          <c:spPr>
+            <a:ln w="19050" cap="rnd">
+              <a:noFill/>
+              <a:round/>
+            </a:ln>
+            <a:effectLst/>
+          </c:spPr>
+          <c:marker>
+            <c:symbol val="circle"/>
+            <c:size val="5"/>
+            <c:spPr>
+              <a:solidFill>
+                <a:schemeClr val="accent1"/>
+              </a:solidFill>
+              <a:ln w="9525">
+                <a:solidFill>
+                  <a:schemeClr val="accent1"/>
+                </a:solidFill>
+              </a:ln>
+              <a:effectLst/>
+            </c:spPr>
+          </c:marker>
+          <c:trendline>
+            <c:spPr>
+              <a:ln w="19050" cap="rnd">
+                <a:solidFill>
+                  <a:schemeClr val="accent1"/>
+                </a:solidFill>
+                <a:prstDash val="sysDot"/>
+              </a:ln>
+              <a:effectLst/>
+            </c:spPr>
+            <c:trendlineType val="linear"/>
+            <c:dispRSqr val="0"/>
+            <c:dispEq val="1"/>
+            <c:trendlineLbl>
+              <c:layout>
+                <c:manualLayout>
+                  <c:x val="-6.6783464566929129E-2"/>
+                  <c:y val="0.24252369495479731"/>
+                </c:manualLayout>
+              </c:layout>
+              <c:numFmt formatCode="General" sourceLinked="0"/>
+              <c:spPr>
+                <a:noFill/>
+                <a:ln>
+                  <a:noFill/>
+                </a:ln>
+                <a:effectLst/>
+              </c:spPr>
+              <c:txPr>
+                <a:bodyPr rot="0" spcFirstLastPara="1" vertOverflow="ellipsis" vert="horz" wrap="square" anchor="ctr" anchorCtr="1"/>
+                <a:lstStyle/>
+                <a:p>
+                  <a:pPr>
+                    <a:defRPr sz="900" b="0" i="0" u="none" strike="noStrike" kern="1200" baseline="0">
+                      <a:solidFill>
+                        <a:schemeClr val="tx1">
+                          <a:lumMod val="65000"/>
+                          <a:lumOff val="35000"/>
+                        </a:schemeClr>
+                      </a:solidFill>
+                      <a:latin typeface="+mn-lt"/>
+                      <a:ea typeface="+mn-ea"/>
+                      <a:cs typeface="+mn-cs"/>
+                    </a:defRPr>
+                  </a:pPr>
+                  <a:endParaRPr lang="ja-JP"/>
+                </a:p>
+              </c:txPr>
+            </c:trendlineLbl>
+          </c:trendline>
+          <c:xVal>
+            <c:numRef>
+              <c:f>Sheet1!$C$32:$C$34</c:f>
+              <c:numCache>
+                <c:formatCode>General</c:formatCode>
+                <c:ptCount val="3"/>
+                <c:pt idx="0">
+                  <c:v>0.38759689922480617</c:v>
+                </c:pt>
+                <c:pt idx="1">
+                  <c:v>7.6923076923076927E-2</c:v>
+                </c:pt>
+                <c:pt idx="2">
+                  <c:v>1.2626262626262626E-2</c:v>
+                </c:pt>
+              </c:numCache>
+            </c:numRef>
+          </c:xVal>
+          <c:yVal>
+            <c:numRef>
+              <c:f>Sheet1!$E$32:$E$34</c:f>
+              <c:numCache>
+                <c:formatCode>0.00_ </c:formatCode>
+                <c:ptCount val="3"/>
+                <c:pt idx="0">
+                  <c:v>0.23529411764705882</c:v>
+                </c:pt>
+                <c:pt idx="1">
+                  <c:v>0.24102564102564103</c:v>
+                </c:pt>
+                <c:pt idx="2">
+                  <c:v>0.19272727272727272</c:v>
+                </c:pt>
+              </c:numCache>
+            </c:numRef>
+          </c:yVal>
+          <c:smooth val="0"/>
+          <c:extLst>
+            <c:ext xmlns:c16="http://schemas.microsoft.com/office/drawing/2014/chart" uri="{C3380CC4-5D6E-409C-BE32-E72D297353CC}">
+              <c16:uniqueId val="{00000001-FFD9-4FCA-8296-49D5A142676C}"/>
+            </c:ext>
+          </c:extLst>
+        </c:ser>
+        <c:dLbls>
+          <c:showLegendKey val="0"/>
+          <c:showVal val="0"/>
+          <c:showCatName val="0"/>
+          <c:showSerName val="0"/>
+          <c:showPercent val="0"/>
+          <c:showBubbleSize val="0"/>
+        </c:dLbls>
+        <c:axId val="535056912"/>
+        <c:axId val="535050680"/>
+      </c:scatterChart>
+      <c:valAx>
+        <c:axId val="535056912"/>
+        <c:scaling>
+          <c:orientation val="minMax"/>
+        </c:scaling>
+        <c:delete val="0"/>
+        <c:axPos val="b"/>
+        <c:majorGridlines>
+          <c:spPr>
+            <a:ln w="9525" cap="flat" cmpd="sng" algn="ctr">
+              <a:solidFill>
+                <a:schemeClr val="tx1">
+                  <a:lumMod val="15000"/>
+                  <a:lumOff val="85000"/>
+                </a:schemeClr>
+              </a:solidFill>
+              <a:round/>
+            </a:ln>
+            <a:effectLst/>
+          </c:spPr>
+        </c:majorGridlines>
+        <c:title>
+          <c:tx>
+            <c:rich>
+              <a:bodyPr rot="0" spcFirstLastPara="1" vertOverflow="ellipsis" vert="horz" wrap="square" anchor="ctr" anchorCtr="1"/>
+              <a:lstStyle/>
+              <a:p>
+                <a:pPr>
+                  <a:defRPr sz="1000" b="0" i="0" u="none" strike="noStrike" kern="1200" baseline="0">
+                    <a:solidFill>
+                      <a:schemeClr val="tx1">
+                        <a:lumMod val="65000"/>
+                        <a:lumOff val="35000"/>
+                      </a:schemeClr>
+                    </a:solidFill>
+                    <a:latin typeface="+mn-lt"/>
+                    <a:ea typeface="+mn-ea"/>
+                    <a:cs typeface="+mn-cs"/>
+                  </a:defRPr>
+                </a:pPr>
+                <a:r>
+                  <a:rPr lang="ja-JP" altLang="en-US"/>
+                  <a:t>立ち上がり時間の逆数 </a:t>
+                </a:r>
+                <a:r>
+                  <a:rPr lang="en-US" altLang="ja-JP"/>
+                  <a:t>(×10^9)</a:t>
+                </a:r>
+                <a:endParaRPr lang="ja-JP" altLang="en-US"/>
+              </a:p>
+            </c:rich>
+          </c:tx>
+          <c:overlay val="0"/>
+          <c:spPr>
+            <a:noFill/>
+            <a:ln>
+              <a:noFill/>
+            </a:ln>
+            <a:effectLst/>
+          </c:spPr>
+          <c:txPr>
+            <a:bodyPr rot="0" spcFirstLastPara="1" vertOverflow="ellipsis" vert="horz" wrap="square" anchor="ctr" anchorCtr="1"/>
+            <a:lstStyle/>
+            <a:p>
+              <a:pPr>
+                <a:defRPr sz="1000" b="0" i="0" u="none" strike="noStrike" kern="1200" baseline="0">
+                  <a:solidFill>
+                    <a:schemeClr val="tx1">
+                      <a:lumMod val="65000"/>
+                      <a:lumOff val="35000"/>
+                    </a:schemeClr>
+                  </a:solidFill>
+                  <a:latin typeface="+mn-lt"/>
+                  <a:ea typeface="+mn-ea"/>
+                  <a:cs typeface="+mn-cs"/>
+                </a:defRPr>
+              </a:pPr>
+              <a:endParaRPr lang="ja-JP"/>
+            </a:p>
+          </c:txPr>
+        </c:title>
+        <c:numFmt formatCode="General" sourceLinked="1"/>
+        <c:majorTickMark val="none"/>
+        <c:minorTickMark val="none"/>
+        <c:tickLblPos val="nextTo"/>
+        <c:spPr>
+          <a:noFill/>
+          <a:ln w="9525" cap="flat" cmpd="sng" algn="ctr">
+            <a:solidFill>
+              <a:schemeClr val="tx1">
+                <a:lumMod val="25000"/>
+                <a:lumOff val="75000"/>
+              </a:schemeClr>
+            </a:solidFill>
+            <a:round/>
+          </a:ln>
+          <a:effectLst/>
+        </c:spPr>
+        <c:txPr>
+          <a:bodyPr rot="-60000000" spcFirstLastPara="1" vertOverflow="ellipsis" vert="horz" wrap="square" anchor="ctr" anchorCtr="1"/>
+          <a:lstStyle/>
+          <a:p>
+            <a:pPr>
+              <a:defRPr sz="900" b="0" i="0" u="none" strike="noStrike" kern="1200" baseline="0">
+                <a:solidFill>
+                  <a:schemeClr val="tx1">
+                    <a:lumMod val="65000"/>
+                    <a:lumOff val="35000"/>
+                  </a:schemeClr>
+                </a:solidFill>
+                <a:latin typeface="+mn-lt"/>
+                <a:ea typeface="+mn-ea"/>
+                <a:cs typeface="+mn-cs"/>
+              </a:defRPr>
+            </a:pPr>
+            <a:endParaRPr lang="ja-JP"/>
+          </a:p>
+        </c:txPr>
+        <c:crossAx val="535050680"/>
+        <c:crosses val="autoZero"/>
+        <c:crossBetween val="midCat"/>
+      </c:valAx>
+      <c:valAx>
+        <c:axId val="535050680"/>
+        <c:scaling>
+          <c:orientation val="minMax"/>
+        </c:scaling>
+        <c:delete val="0"/>
+        <c:axPos val="l"/>
+        <c:majorGridlines>
+          <c:spPr>
+            <a:ln w="9525" cap="flat" cmpd="sng" algn="ctr">
+              <a:solidFill>
+                <a:schemeClr val="tx1">
+                  <a:lumMod val="15000"/>
+                  <a:lumOff val="85000"/>
+                </a:schemeClr>
+              </a:solidFill>
+              <a:round/>
+            </a:ln>
+            <a:effectLst/>
+          </c:spPr>
+        </c:majorGridlines>
+        <c:title>
+          <c:tx>
+            <c:rich>
+              <a:bodyPr rot="-5400000" spcFirstLastPara="1" vertOverflow="ellipsis" vert="horz" wrap="square" anchor="ctr" anchorCtr="1"/>
+              <a:lstStyle/>
+              <a:p>
+                <a:pPr>
+                  <a:defRPr sz="1000" b="0" i="0" u="none" strike="noStrike" kern="1200" baseline="0">
+                    <a:solidFill>
+                      <a:schemeClr val="tx1">
+                        <a:lumMod val="65000"/>
+                        <a:lumOff val="35000"/>
+                      </a:schemeClr>
+                    </a:solidFill>
+                    <a:latin typeface="+mn-lt"/>
+                    <a:ea typeface="+mn-ea"/>
+                    <a:cs typeface="+mn-cs"/>
+                  </a:defRPr>
+                </a:pPr>
+                <a:r>
+                  <a:rPr lang="ja-JP" altLang="en-US"/>
+                  <a:t>クロストークの割合</a:t>
+                </a:r>
+              </a:p>
+            </c:rich>
+          </c:tx>
+          <c:overlay val="0"/>
+          <c:spPr>
+            <a:noFill/>
+            <a:ln>
+              <a:noFill/>
+            </a:ln>
+            <a:effectLst/>
+          </c:spPr>
+          <c:txPr>
+            <a:bodyPr rot="-5400000" spcFirstLastPara="1" vertOverflow="ellipsis" vert="horz" wrap="square" anchor="ctr" anchorCtr="1"/>
+            <a:lstStyle/>
+            <a:p>
+              <a:pPr>
+                <a:defRPr sz="1000" b="0" i="0" u="none" strike="noStrike" kern="1200" baseline="0">
+                  <a:solidFill>
+                    <a:schemeClr val="tx1">
+                      <a:lumMod val="65000"/>
+                      <a:lumOff val="35000"/>
+                    </a:schemeClr>
+                  </a:solidFill>
+                  <a:latin typeface="+mn-lt"/>
+                  <a:ea typeface="+mn-ea"/>
+                  <a:cs typeface="+mn-cs"/>
+                </a:defRPr>
+              </a:pPr>
+              <a:endParaRPr lang="ja-JP"/>
+            </a:p>
+          </c:txPr>
+        </c:title>
+        <c:numFmt formatCode="0.00_ " sourceLinked="1"/>
+        <c:majorTickMark val="none"/>
+        <c:minorTickMark val="none"/>
+        <c:tickLblPos val="nextTo"/>
+        <c:spPr>
+          <a:noFill/>
+          <a:ln w="9525" cap="flat" cmpd="sng" algn="ctr">
+            <a:solidFill>
+              <a:schemeClr val="tx1">
+                <a:lumMod val="25000"/>
+                <a:lumOff val="75000"/>
+              </a:schemeClr>
+            </a:solidFill>
+            <a:round/>
+          </a:ln>
+          <a:effectLst/>
+        </c:spPr>
+        <c:txPr>
+          <a:bodyPr rot="-60000000" spcFirstLastPara="1" vertOverflow="ellipsis" vert="horz" wrap="square" anchor="ctr" anchorCtr="1"/>
+          <a:lstStyle/>
+          <a:p>
+            <a:pPr>
+              <a:defRPr sz="900" b="0" i="0" u="none" strike="noStrike" kern="1200" baseline="0">
+                <a:solidFill>
+                  <a:schemeClr val="tx1">
+                    <a:lumMod val="65000"/>
+                    <a:lumOff val="35000"/>
+                  </a:schemeClr>
+                </a:solidFill>
+                <a:latin typeface="+mn-lt"/>
+                <a:ea typeface="+mn-ea"/>
+                <a:cs typeface="+mn-cs"/>
+              </a:defRPr>
+            </a:pPr>
+            <a:endParaRPr lang="ja-JP"/>
+          </a:p>
+        </c:txPr>
+        <c:crossAx val="535056912"/>
+        <c:crosses val="autoZero"/>
+        <c:crossBetween val="midCat"/>
+      </c:valAx>
+      <c:spPr>
+        <a:noFill/>
+        <a:ln>
+          <a:noFill/>
+        </a:ln>
+        <a:effectLst/>
+      </c:spPr>
+    </c:plotArea>
+    <c:plotVisOnly val="1"/>
+    <c:dispBlanksAs val="gap"/>
+    <c:extLst>
+      <c:ext xmlns:c16r3="http://schemas.microsoft.com/office/drawing/2017/03/chart" uri="{56B9EC1D-385E-4148-901F-78D8002777C0}">
+        <c16r3:dataDisplayOptions16>
+          <c16r3:dispNaAsBlank val="1"/>
+        </c16r3:dataDisplayOptions16>
+      </c:ext>
+    </c:extLst>
+    <c:showDLblsOverMax val="0"/>
+  </c:chart>
+  <c:spPr>
+    <a:noFill/>
+    <a:ln>
+      <a:noFill/>
+    </a:ln>
+    <a:effectLst/>
+  </c:spPr>
+  <c:txPr>
+    <a:bodyPr/>
+    <a:lstStyle/>
+    <a:p>
+      <a:pPr>
+        <a:defRPr/>
+      </a:pPr>
+      <a:endParaRPr lang="ja-JP"/>
+    </a:p>
+  </c:txPr>
+  <c:externalData r:id="rId3">
+    <c:autoUpdate val="0"/>
+  </c:externalData>
+</c:chartSpace>
+</file>
+
+<file path=ppt/charts/chart3.xml><?xml version="1.0" encoding="utf-8"?>
+<c:chartSpace xmlns:c="http://schemas.openxmlformats.org/drawingml/2006/chart" xmlns:a="http://schemas.openxmlformats.org/drawingml/2006/main" xmlns:r="http://schemas.openxmlformats.org/officeDocument/2006/relationships" xmlns:c16r2="http://schemas.microsoft.com/office/drawing/2015/06/chart">
+  <c:date1904 val="0"/>
+  <c:lang val="ja-JP"/>
+  <c:roundedCorners val="0"/>
+  <mc:AlternateContent xmlns:mc="http://schemas.openxmlformats.org/markup-compatibility/2006">
+    <mc:Choice xmlns:c14="http://schemas.microsoft.com/office/drawing/2007/8/2/chart" Requires="c14">
+      <c14:style val="102"/>
+    </mc:Choice>
+    <mc:Fallback>
+      <c:style val="2"/>
+    </mc:Fallback>
+  </mc:AlternateContent>
+  <c:chart>
+    <c:title>
+      <c:tx>
+        <c:rich>
+          <a:bodyPr rot="0" spcFirstLastPara="1" vertOverflow="ellipsis" vert="horz" wrap="square" anchor="ctr" anchorCtr="1"/>
+          <a:lstStyle/>
+          <a:p>
+            <a:pPr>
+              <a:defRPr sz="1400" b="0" i="0" u="none" strike="noStrike" kern="1200" spc="0" baseline="0">
+                <a:solidFill>
+                  <a:schemeClr val="tx1">
+                    <a:lumMod val="65000"/>
+                    <a:lumOff val="35000"/>
+                  </a:schemeClr>
+                </a:solidFill>
+                <a:latin typeface="+mn-lt"/>
+                <a:ea typeface="+mn-ea"/>
+                <a:cs typeface="+mn-cs"/>
+              </a:defRPr>
+            </a:pPr>
+            <a:r>
+              <a:rPr lang="en-US" altLang="ja-JP"/>
+              <a:t>1mm</a:t>
+            </a:r>
+            <a:r>
+              <a:rPr lang="ja-JP" altLang="ja-JP" sz="1400" b="0" i="0" u="none" strike="noStrike" baseline="0">
+                <a:effectLst/>
+              </a:rPr>
+              <a:t>（周期）</a:t>
+            </a:r>
+            <a:endParaRPr lang="en-US" altLang="ja-JP"/>
+          </a:p>
+        </c:rich>
+      </c:tx>
+      <c:overlay val="0"/>
+      <c:spPr>
+        <a:noFill/>
+        <a:ln>
+          <a:noFill/>
+        </a:ln>
+        <a:effectLst/>
+      </c:spPr>
+      <c:txPr>
+        <a:bodyPr rot="0" spcFirstLastPara="1" vertOverflow="ellipsis" vert="horz" wrap="square" anchor="ctr" anchorCtr="1"/>
+        <a:lstStyle/>
+        <a:p>
+          <a:pPr>
+            <a:defRPr sz="1400" b="0" i="0" u="none" strike="noStrike" kern="1200" spc="0" baseline="0">
+              <a:solidFill>
+                <a:schemeClr val="tx1">
+                  <a:lumMod val="65000"/>
+                  <a:lumOff val="35000"/>
+                </a:schemeClr>
+              </a:solidFill>
+              <a:latin typeface="+mn-lt"/>
+              <a:ea typeface="+mn-ea"/>
+              <a:cs typeface="+mn-cs"/>
+            </a:defRPr>
+          </a:pPr>
+          <a:endParaRPr lang="ja-JP"/>
+        </a:p>
+      </c:txPr>
+    </c:title>
+    <c:autoTitleDeleted val="0"/>
+    <c:plotArea>
+      <c:layout/>
+      <c:scatterChart>
+        <c:scatterStyle val="lineMarker"/>
+        <c:varyColors val="0"/>
+        <c:ser>
+          <c:idx val="0"/>
+          <c:order val="0"/>
+          <c:spPr>
+            <a:ln w="19050" cap="rnd">
+              <a:noFill/>
+              <a:round/>
+            </a:ln>
+            <a:effectLst/>
+          </c:spPr>
+          <c:marker>
+            <c:symbol val="circle"/>
+            <c:size val="5"/>
+            <c:spPr>
+              <a:solidFill>
+                <a:schemeClr val="accent1"/>
+              </a:solidFill>
+              <a:ln w="9525">
+                <a:solidFill>
+                  <a:schemeClr val="accent1"/>
+                </a:solidFill>
+              </a:ln>
+              <a:effectLst/>
+            </c:spPr>
+          </c:marker>
+          <c:trendline>
+            <c:spPr>
+              <a:ln w="19050" cap="rnd">
+                <a:solidFill>
+                  <a:schemeClr val="accent1"/>
+                </a:solidFill>
+                <a:prstDash val="sysDot"/>
+              </a:ln>
+              <a:effectLst/>
+            </c:spPr>
+            <c:trendlineType val="linear"/>
+            <c:dispRSqr val="0"/>
+            <c:dispEq val="1"/>
+            <c:trendlineLbl>
+              <c:layout>
+                <c:manualLayout>
+                  <c:x val="2.8931977252843393E-2"/>
+                  <c:y val="0.13689814814814819"/>
+                </c:manualLayout>
+              </c:layout>
+              <c:numFmt formatCode="General" sourceLinked="0"/>
+              <c:spPr>
+                <a:noFill/>
+                <a:ln>
+                  <a:noFill/>
+                </a:ln>
+                <a:effectLst/>
+              </c:spPr>
+              <c:txPr>
+                <a:bodyPr rot="0" spcFirstLastPara="1" vertOverflow="ellipsis" vert="horz" wrap="square" anchor="ctr" anchorCtr="1"/>
+                <a:lstStyle/>
+                <a:p>
+                  <a:pPr>
+                    <a:defRPr sz="900" b="0" i="0" u="none" strike="noStrike" kern="1200" baseline="0">
+                      <a:solidFill>
+                        <a:schemeClr val="tx1">
+                          <a:lumMod val="65000"/>
+                          <a:lumOff val="35000"/>
+                        </a:schemeClr>
+                      </a:solidFill>
+                      <a:latin typeface="+mn-lt"/>
+                      <a:ea typeface="+mn-ea"/>
+                      <a:cs typeface="+mn-cs"/>
+                    </a:defRPr>
+                  </a:pPr>
+                  <a:endParaRPr lang="ja-JP"/>
+                </a:p>
+              </c:txPr>
+            </c:trendlineLbl>
+          </c:trendline>
+          <c:xVal>
+            <c:numRef>
+              <c:f>Sheet1!$C$32:$C$34</c:f>
+              <c:numCache>
+                <c:formatCode>General</c:formatCode>
+                <c:ptCount val="3"/>
+                <c:pt idx="0">
+                  <c:v>0.38759689922480617</c:v>
+                </c:pt>
+                <c:pt idx="1">
+                  <c:v>7.6923076923076927E-2</c:v>
+                </c:pt>
+                <c:pt idx="2">
+                  <c:v>1.2626262626262626E-2</c:v>
+                </c:pt>
+              </c:numCache>
+            </c:numRef>
+          </c:xVal>
+          <c:yVal>
+            <c:numRef>
+              <c:f>Sheet1!$D$32:$D$34</c:f>
+              <c:numCache>
+                <c:formatCode>General</c:formatCode>
+                <c:ptCount val="3"/>
+                <c:pt idx="0">
+                  <c:v>0.23529411764705882</c:v>
+                </c:pt>
+                <c:pt idx="1">
+                  <c:v>0.19792746113989637</c:v>
+                </c:pt>
+                <c:pt idx="2">
+                  <c:v>0.19272727272727272</c:v>
+                </c:pt>
+              </c:numCache>
+            </c:numRef>
+          </c:yVal>
+          <c:smooth val="0"/>
+          <c:extLst>
+            <c:ext xmlns:c16="http://schemas.microsoft.com/office/drawing/2014/chart" uri="{C3380CC4-5D6E-409C-BE32-E72D297353CC}">
+              <c16:uniqueId val="{00000001-2928-456F-A214-6E7DE574AAA6}"/>
+            </c:ext>
+          </c:extLst>
+        </c:ser>
+        <c:dLbls>
+          <c:showLegendKey val="0"/>
+          <c:showVal val="0"/>
+          <c:showCatName val="0"/>
+          <c:showSerName val="0"/>
+          <c:showPercent val="0"/>
+          <c:showBubbleSize val="0"/>
+        </c:dLbls>
+        <c:axId val="443312408"/>
+        <c:axId val="443315032"/>
+      </c:scatterChart>
+      <c:valAx>
+        <c:axId val="443312408"/>
+        <c:scaling>
+          <c:orientation val="minMax"/>
+        </c:scaling>
+        <c:delete val="0"/>
+        <c:axPos val="b"/>
+        <c:majorGridlines>
+          <c:spPr>
+            <a:ln w="9525" cap="flat" cmpd="sng" algn="ctr">
+              <a:solidFill>
+                <a:schemeClr val="tx1">
+                  <a:lumMod val="15000"/>
+                  <a:lumOff val="85000"/>
+                </a:schemeClr>
+              </a:solidFill>
+              <a:round/>
+            </a:ln>
+            <a:effectLst/>
+          </c:spPr>
+        </c:majorGridlines>
+        <c:title>
+          <c:tx>
+            <c:rich>
+              <a:bodyPr rot="0" spcFirstLastPara="1" vertOverflow="ellipsis" vert="horz" wrap="square" anchor="ctr" anchorCtr="1"/>
+              <a:lstStyle/>
+              <a:p>
+                <a:pPr>
+                  <a:defRPr sz="1000" b="0" i="0" u="none" strike="noStrike" kern="1200" baseline="0">
+                    <a:solidFill>
+                      <a:schemeClr val="tx1">
+                        <a:lumMod val="65000"/>
+                        <a:lumOff val="35000"/>
+                      </a:schemeClr>
+                    </a:solidFill>
+                    <a:latin typeface="+mn-lt"/>
+                    <a:ea typeface="+mn-ea"/>
+                    <a:cs typeface="+mn-cs"/>
+                  </a:defRPr>
+                </a:pPr>
+                <a:r>
+                  <a:rPr lang="ja-JP" altLang="en-US"/>
+                  <a:t>立ち上がり時間の逆数</a:t>
+                </a:r>
+                <a:r>
+                  <a:rPr lang="ja-JP" altLang="en-US" baseline="0"/>
+                  <a:t> </a:t>
+                </a:r>
+                <a:r>
+                  <a:rPr lang="en-US" altLang="ja-JP" baseline="0"/>
+                  <a:t>(×10^9)</a:t>
+                </a:r>
+                <a:endParaRPr lang="ja-JP" altLang="en-US"/>
+              </a:p>
+            </c:rich>
+          </c:tx>
+          <c:overlay val="0"/>
+          <c:spPr>
+            <a:noFill/>
+            <a:ln>
+              <a:noFill/>
+            </a:ln>
+            <a:effectLst/>
+          </c:spPr>
+          <c:txPr>
+            <a:bodyPr rot="0" spcFirstLastPara="1" vertOverflow="ellipsis" vert="horz" wrap="square" anchor="ctr" anchorCtr="1"/>
+            <a:lstStyle/>
+            <a:p>
+              <a:pPr>
+                <a:defRPr sz="1000" b="0" i="0" u="none" strike="noStrike" kern="1200" baseline="0">
+                  <a:solidFill>
+                    <a:schemeClr val="tx1">
+                      <a:lumMod val="65000"/>
+                      <a:lumOff val="35000"/>
+                    </a:schemeClr>
+                  </a:solidFill>
+                  <a:latin typeface="+mn-lt"/>
+                  <a:ea typeface="+mn-ea"/>
+                  <a:cs typeface="+mn-cs"/>
+                </a:defRPr>
+              </a:pPr>
+              <a:endParaRPr lang="ja-JP"/>
+            </a:p>
+          </c:txPr>
+        </c:title>
+        <c:numFmt formatCode="General" sourceLinked="1"/>
+        <c:majorTickMark val="none"/>
+        <c:minorTickMark val="none"/>
+        <c:tickLblPos val="nextTo"/>
+        <c:spPr>
+          <a:noFill/>
+          <a:ln w="9525" cap="flat" cmpd="sng" algn="ctr">
+            <a:solidFill>
+              <a:schemeClr val="tx1">
+                <a:lumMod val="25000"/>
+                <a:lumOff val="75000"/>
+              </a:schemeClr>
+            </a:solidFill>
+            <a:round/>
+          </a:ln>
+          <a:effectLst/>
+        </c:spPr>
+        <c:txPr>
+          <a:bodyPr rot="-60000000" spcFirstLastPara="1" vertOverflow="ellipsis" vert="horz" wrap="square" anchor="ctr" anchorCtr="1"/>
+          <a:lstStyle/>
+          <a:p>
+            <a:pPr>
+              <a:defRPr sz="900" b="0" i="0" u="none" strike="noStrike" kern="1200" baseline="0">
+                <a:solidFill>
+                  <a:schemeClr val="tx1">
+                    <a:lumMod val="65000"/>
+                    <a:lumOff val="35000"/>
+                  </a:schemeClr>
+                </a:solidFill>
+                <a:latin typeface="+mn-lt"/>
+                <a:ea typeface="+mn-ea"/>
+                <a:cs typeface="+mn-cs"/>
+              </a:defRPr>
+            </a:pPr>
+            <a:endParaRPr lang="ja-JP"/>
+          </a:p>
+        </c:txPr>
+        <c:crossAx val="443315032"/>
+        <c:crosses val="autoZero"/>
+        <c:crossBetween val="midCat"/>
+      </c:valAx>
+      <c:valAx>
+        <c:axId val="443315032"/>
+        <c:scaling>
+          <c:orientation val="minMax"/>
+        </c:scaling>
+        <c:delete val="0"/>
+        <c:axPos val="l"/>
+        <c:majorGridlines>
+          <c:spPr>
+            <a:ln w="9525" cap="flat" cmpd="sng" algn="ctr">
+              <a:solidFill>
+                <a:schemeClr val="tx1">
+                  <a:lumMod val="15000"/>
+                  <a:lumOff val="85000"/>
+                </a:schemeClr>
+              </a:solidFill>
+              <a:round/>
+            </a:ln>
+            <a:effectLst/>
+          </c:spPr>
+        </c:majorGridlines>
+        <c:title>
+          <c:tx>
+            <c:rich>
+              <a:bodyPr rot="-5400000" spcFirstLastPara="1" vertOverflow="ellipsis" vert="horz" wrap="square" anchor="ctr" anchorCtr="1"/>
+              <a:lstStyle/>
+              <a:p>
+                <a:pPr>
+                  <a:defRPr sz="1000" b="0" i="0" u="none" strike="noStrike" kern="1200" baseline="0">
+                    <a:solidFill>
+                      <a:schemeClr val="tx1">
+                        <a:lumMod val="65000"/>
+                        <a:lumOff val="35000"/>
+                      </a:schemeClr>
+                    </a:solidFill>
+                    <a:latin typeface="+mn-lt"/>
+                    <a:ea typeface="+mn-ea"/>
+                    <a:cs typeface="+mn-cs"/>
+                  </a:defRPr>
+                </a:pPr>
+                <a:r>
+                  <a:rPr lang="ja-JP" altLang="en-US"/>
+                  <a:t>クロストークの割合</a:t>
+                </a:r>
+              </a:p>
+            </c:rich>
+          </c:tx>
+          <c:overlay val="0"/>
+          <c:spPr>
+            <a:noFill/>
+            <a:ln>
+              <a:noFill/>
+            </a:ln>
+            <a:effectLst/>
+          </c:spPr>
+          <c:txPr>
+            <a:bodyPr rot="-5400000" spcFirstLastPara="1" vertOverflow="ellipsis" vert="horz" wrap="square" anchor="ctr" anchorCtr="1"/>
+            <a:lstStyle/>
+            <a:p>
+              <a:pPr>
+                <a:defRPr sz="1000" b="0" i="0" u="none" strike="noStrike" kern="1200" baseline="0">
+                  <a:solidFill>
+                    <a:schemeClr val="tx1">
+                      <a:lumMod val="65000"/>
+                      <a:lumOff val="35000"/>
+                    </a:schemeClr>
+                  </a:solidFill>
+                  <a:latin typeface="+mn-lt"/>
+                  <a:ea typeface="+mn-ea"/>
+                  <a:cs typeface="+mn-cs"/>
+                </a:defRPr>
+              </a:pPr>
+              <a:endParaRPr lang="ja-JP"/>
+            </a:p>
+          </c:txPr>
+        </c:title>
+        <c:numFmt formatCode="General" sourceLinked="1"/>
+        <c:majorTickMark val="none"/>
+        <c:minorTickMark val="none"/>
+        <c:tickLblPos val="nextTo"/>
+        <c:spPr>
+          <a:noFill/>
+          <a:ln w="9525" cap="flat" cmpd="sng" algn="ctr">
+            <a:solidFill>
+              <a:schemeClr val="tx1">
+                <a:lumMod val="25000"/>
+                <a:lumOff val="75000"/>
+              </a:schemeClr>
+            </a:solidFill>
+            <a:round/>
+          </a:ln>
+          <a:effectLst/>
+        </c:spPr>
+        <c:txPr>
+          <a:bodyPr rot="-60000000" spcFirstLastPara="1" vertOverflow="ellipsis" vert="horz" wrap="square" anchor="ctr" anchorCtr="1"/>
+          <a:lstStyle/>
+          <a:p>
+            <a:pPr>
+              <a:defRPr sz="900" b="0" i="0" u="none" strike="noStrike" kern="1200" baseline="0">
+                <a:solidFill>
+                  <a:schemeClr val="tx1">
+                    <a:lumMod val="65000"/>
+                    <a:lumOff val="35000"/>
+                  </a:schemeClr>
+                </a:solidFill>
+                <a:latin typeface="+mn-lt"/>
+                <a:ea typeface="+mn-ea"/>
+                <a:cs typeface="+mn-cs"/>
+              </a:defRPr>
+            </a:pPr>
+            <a:endParaRPr lang="ja-JP"/>
+          </a:p>
+        </c:txPr>
+        <c:crossAx val="443312408"/>
+        <c:crosses val="autoZero"/>
+        <c:crossBetween val="midCat"/>
+      </c:valAx>
+      <c:spPr>
+        <a:noFill/>
+        <a:ln>
+          <a:noFill/>
+        </a:ln>
+        <a:effectLst/>
+      </c:spPr>
+    </c:plotArea>
+    <c:plotVisOnly val="1"/>
+    <c:dispBlanksAs val="gap"/>
+    <c:extLst>
+      <c:ext xmlns:c16r3="http://schemas.microsoft.com/office/drawing/2017/03/chart" uri="{56B9EC1D-385E-4148-901F-78D8002777C0}">
+        <c16r3:dataDisplayOptions16>
+          <c16r3:dispNaAsBlank val="1"/>
+        </c16r3:dataDisplayOptions16>
+      </c:ext>
+    </c:extLst>
+    <c:showDLblsOverMax val="0"/>
+  </c:chart>
+  <c:spPr>
+    <a:noFill/>
+    <a:ln>
+      <a:noFill/>
+    </a:ln>
+    <a:effectLst/>
+  </c:spPr>
+  <c:txPr>
+    <a:bodyPr/>
+    <a:lstStyle/>
+    <a:p>
+      <a:pPr>
+        <a:defRPr/>
+      </a:pPr>
+      <a:endParaRPr lang="ja-JP"/>
+    </a:p>
+  </c:txPr>
+  <c:externalData r:id="rId3">
+    <c:autoUpdate val="0"/>
+  </c:externalData>
+</c:chartSpace>
+</file>
+
+<file path=ppt/charts/colors1.xml><?xml version="1.0" encoding="utf-8"?>
+<cs:colorStyle xmlns:cs="http://schemas.microsoft.com/office/drawing/2012/chartStyle" xmlns:a="http://schemas.openxmlformats.org/drawingml/2006/main" meth="cycle" id="10">
+  <a:schemeClr val="accent1"/>
+  <a:schemeClr val="accent2"/>
+  <a:schemeClr val="accent3"/>
+  <a:schemeClr val="accent4"/>
+  <a:schemeClr val="accent5"/>
+  <a:schemeClr val="accent6"/>
+  <cs:variation/>
+  <cs:variation>
+    <a:lumMod val="60000"/>
+  </cs:variation>
+  <cs:variation>
+    <a:lumMod val="80000"/>
+    <a:lumOff val="20000"/>
+  </cs:variation>
+  <cs:variation>
+    <a:lumMod val="80000"/>
+  </cs:variation>
+  <cs:variation>
+    <a:lumMod val="60000"/>
+    <a:lumOff val="40000"/>
+  </cs:variation>
+  <cs:variation>
+    <a:lumMod val="50000"/>
+  </cs:variation>
+  <cs:variation>
+    <a:lumMod val="70000"/>
+    <a:lumOff val="30000"/>
+  </cs:variation>
+  <cs:variation>
+    <a:lumMod val="70000"/>
+  </cs:variation>
+  <cs:variation>
+    <a:lumMod val="50000"/>
+    <a:lumOff val="50000"/>
+  </cs:variation>
+</cs:colorStyle>
+</file>
+
+<file path=ppt/charts/colors2.xml><?xml version="1.0" encoding="utf-8"?>
+<cs:colorStyle xmlns:cs="http://schemas.microsoft.com/office/drawing/2012/chartStyle" xmlns:a="http://schemas.openxmlformats.org/drawingml/2006/main" meth="cycle" id="10">
+  <a:schemeClr val="accent1"/>
+  <a:schemeClr val="accent2"/>
+  <a:schemeClr val="accent3"/>
+  <a:schemeClr val="accent4"/>
+  <a:schemeClr val="accent5"/>
+  <a:schemeClr val="accent6"/>
+  <cs:variation/>
+  <cs:variation>
+    <a:lumMod val="60000"/>
+  </cs:variation>
+  <cs:variation>
+    <a:lumMod val="80000"/>
+    <a:lumOff val="20000"/>
+  </cs:variation>
+  <cs:variation>
+    <a:lumMod val="80000"/>
+  </cs:variation>
+  <cs:variation>
+    <a:lumMod val="60000"/>
+    <a:lumOff val="40000"/>
+  </cs:variation>
+  <cs:variation>
+    <a:lumMod val="50000"/>
+  </cs:variation>
+  <cs:variation>
+    <a:lumMod val="70000"/>
+    <a:lumOff val="30000"/>
+  </cs:variation>
+  <cs:variation>
+    <a:lumMod val="70000"/>
+  </cs:variation>
+  <cs:variation>
+    <a:lumMod val="50000"/>
+    <a:lumOff val="50000"/>
+  </cs:variation>
+</cs:colorStyle>
+</file>
+
+<file path=ppt/charts/colors3.xml><?xml version="1.0" encoding="utf-8"?>
+<cs:colorStyle xmlns:cs="http://schemas.microsoft.com/office/drawing/2012/chartStyle" xmlns:a="http://schemas.openxmlformats.org/drawingml/2006/main" meth="cycle" id="10">
+  <a:schemeClr val="accent1"/>
+  <a:schemeClr val="accent2"/>
+  <a:schemeClr val="accent3"/>
+  <a:schemeClr val="accent4"/>
+  <a:schemeClr val="accent5"/>
+  <a:schemeClr val="accent6"/>
+  <cs:variation/>
+  <cs:variation>
+    <a:lumMod val="60000"/>
+  </cs:variation>
+  <cs:variation>
+    <a:lumMod val="80000"/>
+    <a:lumOff val="20000"/>
+  </cs:variation>
+  <cs:variation>
+    <a:lumMod val="80000"/>
+  </cs:variation>
+  <cs:variation>
+    <a:lumMod val="60000"/>
+    <a:lumOff val="40000"/>
+  </cs:variation>
+  <cs:variation>
+    <a:lumMod val="50000"/>
+  </cs:variation>
+  <cs:variation>
+    <a:lumMod val="70000"/>
+    <a:lumOff val="30000"/>
+  </cs:variation>
+  <cs:variation>
+    <a:lumMod val="70000"/>
+  </cs:variation>
+  <cs:variation>
+    <a:lumMod val="50000"/>
+    <a:lumOff val="50000"/>
+  </cs:variation>
+</cs:colorStyle>
+</file>
+
+<file path=ppt/charts/style1.xml><?xml version="1.0" encoding="utf-8"?>
+<cs:chartStyle xmlns:cs="http://schemas.microsoft.com/office/drawing/2012/chartStyle" xmlns:a="http://schemas.openxmlformats.org/drawingml/2006/main" id="240">
+  <cs:axisTitle>
+    <cs:lnRef idx="0"/>
+    <cs:fillRef idx="0"/>
+    <cs:effectRef idx="0"/>
+    <cs:fontRef idx="minor">
+      <a:schemeClr val="tx1">
+        <a:lumMod val="65000"/>
+        <a:lumOff val="35000"/>
+      </a:schemeClr>
+    </cs:fontRef>
+    <cs:defRPr sz="1000" kern="1200"/>
+  </cs:axisTitle>
+  <cs:categoryAxis>
+    <cs:lnRef idx="0"/>
+    <cs:fillRef idx="0"/>
+    <cs:effectRef idx="0"/>
+    <cs:fontRef idx="minor">
+      <a:schemeClr val="tx1">
+        <a:lumMod val="65000"/>
+        <a:lumOff val="35000"/>
+      </a:schemeClr>
+    </cs:fontRef>
+    <cs:spPr>
+      <a:ln w="9525" cap="flat" cmpd="sng" algn="ctr">
+        <a:solidFill>
+          <a:schemeClr val="tx1">
+            <a:lumMod val="25000"/>
+            <a:lumOff val="75000"/>
+          </a:schemeClr>
+        </a:solidFill>
+        <a:round/>
+      </a:ln>
+    </cs:spPr>
+    <cs:defRPr sz="900" kern="1200"/>
+  </cs:categoryAxis>
+  <cs:chartArea mods="allowNoFillOverride allowNoLineOverride">
+    <cs:lnRef idx="0"/>
+    <cs:fillRef idx="0"/>
+    <cs:effectRef idx="0"/>
+    <cs:fontRef idx="minor">
+      <a:schemeClr val="tx1"/>
+    </cs:fontRef>
+    <cs:spPr>
+      <a:solidFill>
+        <a:schemeClr val="bg1"/>
+      </a:solidFill>
+      <a:ln w="9525" cap="flat" cmpd="sng" algn="ctr">
+        <a:solidFill>
+          <a:schemeClr val="tx1">
+            <a:lumMod val="15000"/>
+            <a:lumOff val="85000"/>
+          </a:schemeClr>
+        </a:solidFill>
+        <a:round/>
+      </a:ln>
+    </cs:spPr>
+    <cs:defRPr sz="1000" kern="1200"/>
+  </cs:chartArea>
+  <cs:dataLabel>
+    <cs:lnRef idx="0"/>
+    <cs:fillRef idx="0"/>
+    <cs:effectRef idx="0"/>
+    <cs:fontRef idx="minor">
+      <a:schemeClr val="tx1">
+        <a:lumMod val="75000"/>
+        <a:lumOff val="25000"/>
+      </a:schemeClr>
+    </cs:fontRef>
+    <cs:defRPr sz="900" kern="1200"/>
+  </cs:dataLabel>
+  <cs:dataLabelCallout>
+    <cs:lnRef idx="0"/>
+    <cs:fillRef idx="0"/>
+    <cs:effectRef idx="0"/>
+    <cs:fontRef idx="minor">
+      <a:schemeClr val="dk1">
+        <a:lumMod val="65000"/>
+        <a:lumOff val="35000"/>
+      </a:schemeClr>
+    </cs:fontRef>
+    <cs:spPr>
+      <a:solidFill>
+        <a:schemeClr val="lt1"/>
+      </a:solidFill>
+      <a:ln>
+        <a:solidFill>
+          <a:schemeClr val="dk1">
+            <a:lumMod val="25000"/>
+            <a:lumOff val="75000"/>
+          </a:schemeClr>
+        </a:solidFill>
+      </a:ln>
+    </cs:spPr>
+    <cs:defRPr sz="900" kern="1200"/>
+    <cs:bodyPr rot="0" spcFirstLastPara="1" vertOverflow="clip" horzOverflow="clip" vert="horz" wrap="square" lIns="36576" tIns="18288" rIns="36576" bIns="18288" anchor="ctr" anchorCtr="1">
+      <a:spAutoFit/>
+    </cs:bodyPr>
+  </cs:dataLabelCallout>
+  <cs:dataPoint>
+    <cs:lnRef idx="0"/>
+    <cs:fillRef idx="1">
+      <cs:styleClr val="auto"/>
+    </cs:fillRef>
+    <cs:effectRef idx="0"/>
+    <cs:fontRef idx="minor">
+      <a:schemeClr val="tx1"/>
+    </cs:fontRef>
+  </cs:dataPoint>
+  <cs:dataPoint3D>
+    <cs:lnRef idx="0"/>
+    <cs:fillRef idx="1">
+      <cs:styleClr val="auto"/>
+    </cs:fillRef>
+    <cs:effectRef idx="0"/>
+    <cs:fontRef idx="minor">
+      <a:schemeClr val="tx1"/>
+    </cs:fontRef>
+  </cs:dataPoint3D>
+  <cs:dataPointLine>
+    <cs:lnRef idx="0">
+      <cs:styleClr val="auto"/>
+    </cs:lnRef>
+    <cs:fillRef idx="1"/>
+    <cs:effectRef idx="0"/>
+    <cs:fontRef idx="minor">
+      <a:schemeClr val="tx1"/>
+    </cs:fontRef>
+    <cs:spPr>
+      <a:ln w="19050" cap="rnd">
+        <a:solidFill>
+          <a:schemeClr val="phClr"/>
+        </a:solidFill>
+        <a:round/>
+      </a:ln>
+    </cs:spPr>
+  </cs:dataPointLine>
+  <cs:dataPointMarker>
+    <cs:lnRef idx="0">
+      <cs:styleClr val="auto"/>
+    </cs:lnRef>
+    <cs:fillRef idx="1">
+      <cs:styleClr val="auto"/>
+    </cs:fillRef>
+    <cs:effectRef idx="0"/>
+    <cs:fontRef idx="minor">
+      <a:schemeClr val="tx1"/>
+    </cs:fontRef>
+    <cs:spPr>
+      <a:ln w="9525">
+        <a:solidFill>
+          <a:schemeClr val="phClr"/>
+        </a:solidFill>
+      </a:ln>
+    </cs:spPr>
+  </cs:dataPointMarker>
+  <cs:dataPointMarkerLayout symbol="circle" size="5"/>
+  <cs:dataPointWireframe>
+    <cs:lnRef idx="0">
+      <cs:styleClr val="auto"/>
+    </cs:lnRef>
+    <cs:fillRef idx="0"/>
+    <cs:effectRef idx="0"/>
+    <cs:fontRef idx="minor">
+      <a:schemeClr val="dk1"/>
+    </cs:fontRef>
+    <cs:spPr>
+      <a:ln w="9525" cap="rnd">
+        <a:solidFill>
+          <a:schemeClr val="phClr"/>
+        </a:solidFill>
+        <a:round/>
+      </a:ln>
+    </cs:spPr>
+  </cs:dataPointWireframe>
+  <cs:dataTable>
+    <cs:lnRef idx="0"/>
+    <cs:fillRef idx="0"/>
+    <cs:effectRef idx="0"/>
+    <cs:fontRef idx="minor">
+      <a:schemeClr val="tx1">
+        <a:lumMod val="65000"/>
+        <a:lumOff val="35000"/>
+      </a:schemeClr>
+    </cs:fontRef>
+    <cs:spPr>
+      <a:noFill/>
+      <a:ln w="9525" cap="flat" cmpd="sng" algn="ctr">
+        <a:solidFill>
+          <a:schemeClr val="tx1">
+            <a:lumMod val="15000"/>
+            <a:lumOff val="85000"/>
+          </a:schemeClr>
+        </a:solidFill>
+        <a:round/>
+      </a:ln>
+    </cs:spPr>
+    <cs:defRPr sz="900" kern="1200"/>
+  </cs:dataTable>
+  <cs:downBar>
+    <cs:lnRef idx="0"/>
+    <cs:fillRef idx="0"/>
+    <cs:effectRef idx="0"/>
+    <cs:fontRef idx="minor">
+      <a:schemeClr val="tx1"/>
+    </cs:fontRef>
+    <cs:spPr>
+      <a:solidFill>
+        <a:schemeClr val="dk1">
+          <a:lumMod val="75000"/>
+          <a:lumOff val="25000"/>
+        </a:schemeClr>
+      </a:solidFill>
+      <a:ln w="9525" cap="flat" cmpd="sng" algn="ctr">
+        <a:solidFill>
+          <a:schemeClr val="tx1">
+            <a:lumMod val="65000"/>
+            <a:lumOff val="35000"/>
+          </a:schemeClr>
+        </a:solidFill>
+        <a:round/>
+      </a:ln>
+    </cs:spPr>
+  </cs:downBar>
+  <cs:dropLine>
+    <cs:lnRef idx="0"/>
+    <cs:fillRef idx="0"/>
+    <cs:effectRef idx="0"/>
+    <cs:fontRef idx="minor">
+      <a:schemeClr val="tx1"/>
+    </cs:fontRef>
+    <cs:spPr>
+      <a:ln w="9525" cap="flat" cmpd="sng" algn="ctr">
+        <a:solidFill>
+          <a:schemeClr val="tx1">
+            <a:lumMod val="35000"/>
+            <a:lumOff val="65000"/>
+          </a:schemeClr>
+        </a:solidFill>
+        <a:round/>
+      </a:ln>
+    </cs:spPr>
+  </cs:dropLine>
+  <cs:errorBar>
+    <cs:lnRef idx="0"/>
+    <cs:fillRef idx="0"/>
+    <cs:effectRef idx="0"/>
+    <cs:fontRef idx="minor">
+      <a:schemeClr val="tx1"/>
+    </cs:fontRef>
+    <cs:spPr>
+      <a:ln w="9525" cap="flat" cmpd="sng" algn="ctr">
+        <a:solidFill>
+          <a:schemeClr val="tx1">
+            <a:lumMod val="65000"/>
+            <a:lumOff val="35000"/>
+          </a:schemeClr>
+        </a:solidFill>
+        <a:round/>
+      </a:ln>
+    </cs:spPr>
+  </cs:errorBar>
+  <cs:floor>
+    <cs:lnRef idx="0"/>
+    <cs:fillRef idx="0"/>
+    <cs:effectRef idx="0"/>
+    <cs:fontRef idx="minor">
+      <a:schemeClr val="tx1"/>
+    </cs:fontRef>
+    <cs:spPr>
+      <a:noFill/>
+      <a:ln>
+        <a:noFill/>
+      </a:ln>
+    </cs:spPr>
+  </cs:floor>
+  <cs:gridlineMajor>
+    <cs:lnRef idx="0"/>
+    <cs:fillRef idx="0"/>
+    <cs:effectRef idx="0"/>
+    <cs:fontRef idx="minor">
+      <a:schemeClr val="tx1"/>
+    </cs:fontRef>
+    <cs:spPr>
+      <a:ln w="9525" cap="flat" cmpd="sng" algn="ctr">
+        <a:solidFill>
+          <a:schemeClr val="tx1">
+            <a:lumMod val="15000"/>
+            <a:lumOff val="85000"/>
+          </a:schemeClr>
+        </a:solidFill>
+        <a:round/>
+      </a:ln>
+    </cs:spPr>
+  </cs:gridlineMajor>
+  <cs:gridlineMinor>
+    <cs:lnRef idx="0"/>
+    <cs:fillRef idx="0"/>
+    <cs:effectRef idx="0"/>
+    <cs:fontRef idx="minor">
+      <a:schemeClr val="tx1"/>
+    </cs:fontRef>
+    <cs:spPr>
+      <a:ln w="9525" cap="flat" cmpd="sng" algn="ctr">
+        <a:solidFill>
+          <a:schemeClr val="tx1">
+            <a:lumMod val="5000"/>
+            <a:lumOff val="95000"/>
+          </a:schemeClr>
+        </a:solidFill>
+        <a:round/>
+      </a:ln>
+    </cs:spPr>
+  </cs:gridlineMinor>
+  <cs:hiLoLine>
+    <cs:lnRef idx="0"/>
+    <cs:fillRef idx="0"/>
+    <cs:effectRef idx="0"/>
+    <cs:fontRef idx="minor">
+      <a:schemeClr val="tx1"/>
+    </cs:fontRef>
+    <cs:spPr>
+      <a:ln w="9525" cap="flat" cmpd="sng" algn="ctr">
+        <a:solidFill>
+          <a:schemeClr val="tx1">
+            <a:lumMod val="50000"/>
+            <a:lumOff val="50000"/>
+          </a:schemeClr>
+        </a:solidFill>
+        <a:round/>
+      </a:ln>
+    </cs:spPr>
+  </cs:hiLoLine>
+  <cs:leaderLine>
+    <cs:lnRef idx="0"/>
+    <cs:fillRef idx="0"/>
+    <cs:effectRef idx="0"/>
+    <cs:fontRef idx="minor">
+      <a:schemeClr val="tx1"/>
+    </cs:fontRef>
+    <cs:spPr>
+      <a:ln w="9525" cap="flat" cmpd="sng" algn="ctr">
+        <a:solidFill>
+          <a:schemeClr val="tx1">
+            <a:lumMod val="35000"/>
+            <a:lumOff val="65000"/>
+          </a:schemeClr>
+        </a:solidFill>
+        <a:round/>
+      </a:ln>
+    </cs:spPr>
+  </cs:leaderLine>
+  <cs:legend>
+    <cs:lnRef idx="0"/>
+    <cs:fillRef idx="0"/>
+    <cs:effectRef idx="0"/>
+    <cs:fontRef idx="minor">
+      <a:schemeClr val="tx1">
+        <a:lumMod val="65000"/>
+        <a:lumOff val="35000"/>
+      </a:schemeClr>
+    </cs:fontRef>
+    <cs:defRPr sz="900" kern="1200"/>
+  </cs:legend>
+  <cs:plotArea mods="allowNoFillOverride allowNoLineOverride">
+    <cs:lnRef idx="0"/>
+    <cs:fillRef idx="0"/>
+    <cs:effectRef idx="0"/>
+    <cs:fontRef idx="minor">
+      <a:schemeClr val="tx1"/>
+    </cs:fontRef>
+  </cs:plotArea>
+  <cs:plotArea3D mods="allowNoFillOverride allowNoLineOverride">
+    <cs:lnRef idx="0"/>
+    <cs:fillRef idx="0"/>
+    <cs:effectRef idx="0"/>
+    <cs:fontRef idx="minor">
+      <a:schemeClr val="tx1"/>
+    </cs:fontRef>
+  </cs:plotArea3D>
+  <cs:seriesAxis>
+    <cs:lnRef idx="0"/>
+    <cs:fillRef idx="0"/>
+    <cs:effectRef idx="0"/>
+    <cs:fontRef idx="minor">
+      <a:schemeClr val="tx1">
+        <a:lumMod val="65000"/>
+        <a:lumOff val="35000"/>
+      </a:schemeClr>
+    </cs:fontRef>
+    <cs:defRPr sz="900" kern="1200"/>
+  </cs:seriesAxis>
+  <cs:seriesLine>
+    <cs:lnRef idx="0"/>
+    <cs:fillRef idx="0"/>
+    <cs:effectRef idx="0"/>
+    <cs:fontRef idx="minor">
+      <a:schemeClr val="tx1"/>
+    </cs:fontRef>
+    <cs:spPr>
+      <a:ln w="9525" cap="flat" cmpd="sng" algn="ctr">
+        <a:solidFill>
+          <a:schemeClr val="tx1">
+            <a:lumMod val="35000"/>
+            <a:lumOff val="65000"/>
+          </a:schemeClr>
+        </a:solidFill>
+        <a:round/>
+      </a:ln>
+    </cs:spPr>
+  </cs:seriesLine>
+  <cs:title>
+    <cs:lnRef idx="0"/>
+    <cs:fillRef idx="0"/>
+    <cs:effectRef idx="0"/>
+    <cs:fontRef idx="minor">
+      <a:schemeClr val="tx1">
+        <a:lumMod val="65000"/>
+        <a:lumOff val="35000"/>
+      </a:schemeClr>
+    </cs:fontRef>
+    <cs:defRPr sz="1400" b="0" kern="1200" spc="0" baseline="0"/>
+  </cs:title>
+  <cs:trendline>
+    <cs:lnRef idx="0">
+      <cs:styleClr val="auto"/>
+    </cs:lnRef>
+    <cs:fillRef idx="0"/>
+    <cs:effectRef idx="0"/>
+    <cs:fontRef idx="minor">
+      <a:schemeClr val="tx1"/>
+    </cs:fontRef>
+    <cs:spPr>
+      <a:ln w="19050" cap="rnd">
+        <a:solidFill>
+          <a:schemeClr val="phClr"/>
+        </a:solidFill>
+        <a:prstDash val="sysDot"/>
+      </a:ln>
+    </cs:spPr>
+  </cs:trendline>
+  <cs:trendlineLabel>
+    <cs:lnRef idx="0"/>
+    <cs:fillRef idx="0"/>
+    <cs:effectRef idx="0"/>
+    <cs:fontRef idx="minor">
+      <a:schemeClr val="tx1">
+        <a:lumMod val="65000"/>
+        <a:lumOff val="35000"/>
+      </a:schemeClr>
+    </cs:fontRef>
+    <cs:defRPr sz="900" kern="1200"/>
+  </cs:trendlineLabel>
+  <cs:upBar>
+    <cs:lnRef idx="0"/>
+    <cs:fillRef idx="0"/>
+    <cs:effectRef idx="0"/>
+    <cs:fontRef idx="minor">
+      <a:schemeClr val="tx1"/>
+    </cs:fontRef>
+    <cs:spPr>
+      <a:solidFill>
+        <a:schemeClr val="lt1"/>
+      </a:solidFill>
+      <a:ln w="9525" cap="flat" cmpd="sng" algn="ctr">
+        <a:solidFill>
+          <a:schemeClr val="tx1">
+            <a:lumMod val="65000"/>
+            <a:lumOff val="35000"/>
+          </a:schemeClr>
+        </a:solidFill>
+        <a:round/>
+      </a:ln>
+    </cs:spPr>
+  </cs:upBar>
+  <cs:valueAxis>
+    <cs:lnRef idx="0"/>
+    <cs:fillRef idx="0"/>
+    <cs:effectRef idx="0"/>
+    <cs:fontRef idx="minor">
+      <a:schemeClr val="tx1">
+        <a:lumMod val="65000"/>
+        <a:lumOff val="35000"/>
+      </a:schemeClr>
+    </cs:fontRef>
+    <cs:spPr>
+      <a:ln w="9525" cap="flat" cmpd="sng" algn="ctr">
+        <a:solidFill>
+          <a:schemeClr val="tx1">
+            <a:lumMod val="25000"/>
+            <a:lumOff val="75000"/>
+          </a:schemeClr>
+        </a:solidFill>
+        <a:round/>
+      </a:ln>
+    </cs:spPr>
+    <cs:defRPr sz="900" kern="1200"/>
+  </cs:valueAxis>
+  <cs:wall>
+    <cs:lnRef idx="0"/>
+    <cs:fillRef idx="0"/>
+    <cs:effectRef idx="0"/>
+    <cs:fontRef idx="minor">
+      <a:schemeClr val="tx1"/>
+    </cs:fontRef>
+    <cs:spPr>
+      <a:noFill/>
+      <a:ln>
+        <a:noFill/>
+      </a:ln>
+    </cs:spPr>
+  </cs:wall>
+</cs:chartStyle>
+</file>
+
+<file path=ppt/charts/style2.xml><?xml version="1.0" encoding="utf-8"?>
+<cs:chartStyle xmlns:cs="http://schemas.microsoft.com/office/drawing/2012/chartStyle" xmlns:a="http://schemas.openxmlformats.org/drawingml/2006/main" id="240">
+  <cs:axisTitle>
+    <cs:lnRef idx="0"/>
+    <cs:fillRef idx="0"/>
+    <cs:effectRef idx="0"/>
+    <cs:fontRef idx="minor">
+      <a:schemeClr val="tx1">
+        <a:lumMod val="65000"/>
+        <a:lumOff val="35000"/>
+      </a:schemeClr>
+    </cs:fontRef>
+    <cs:defRPr sz="1000" kern="1200"/>
+  </cs:axisTitle>
+  <cs:categoryAxis>
+    <cs:lnRef idx="0"/>
+    <cs:fillRef idx="0"/>
+    <cs:effectRef idx="0"/>
+    <cs:fontRef idx="minor">
+      <a:schemeClr val="tx1">
+        <a:lumMod val="65000"/>
+        <a:lumOff val="35000"/>
+      </a:schemeClr>
+    </cs:fontRef>
+    <cs:spPr>
+      <a:ln w="9525" cap="flat" cmpd="sng" algn="ctr">
+        <a:solidFill>
+          <a:schemeClr val="tx1">
+            <a:lumMod val="25000"/>
+            <a:lumOff val="75000"/>
+          </a:schemeClr>
+        </a:solidFill>
+        <a:round/>
+      </a:ln>
+    </cs:spPr>
+    <cs:defRPr sz="900" kern="1200"/>
+  </cs:categoryAxis>
+  <cs:chartArea mods="allowNoFillOverride allowNoLineOverride">
+    <cs:lnRef idx="0"/>
+    <cs:fillRef idx="0"/>
+    <cs:effectRef idx="0"/>
+    <cs:fontRef idx="minor">
+      <a:schemeClr val="tx1"/>
+    </cs:fontRef>
+    <cs:spPr>
+      <a:solidFill>
+        <a:schemeClr val="bg1"/>
+      </a:solidFill>
+      <a:ln w="9525" cap="flat" cmpd="sng" algn="ctr">
+        <a:solidFill>
+          <a:schemeClr val="tx1">
+            <a:lumMod val="15000"/>
+            <a:lumOff val="85000"/>
+          </a:schemeClr>
+        </a:solidFill>
+        <a:round/>
+      </a:ln>
+    </cs:spPr>
+    <cs:defRPr sz="1000" kern="1200"/>
+  </cs:chartArea>
+  <cs:dataLabel>
+    <cs:lnRef idx="0"/>
+    <cs:fillRef idx="0"/>
+    <cs:effectRef idx="0"/>
+    <cs:fontRef idx="minor">
+      <a:schemeClr val="tx1">
+        <a:lumMod val="75000"/>
+        <a:lumOff val="25000"/>
+      </a:schemeClr>
+    </cs:fontRef>
+    <cs:defRPr sz="900" kern="1200"/>
+  </cs:dataLabel>
+  <cs:dataLabelCallout>
+    <cs:lnRef idx="0"/>
+    <cs:fillRef idx="0"/>
+    <cs:effectRef idx="0"/>
+    <cs:fontRef idx="minor">
+      <a:schemeClr val="dk1">
+        <a:lumMod val="65000"/>
+        <a:lumOff val="35000"/>
+      </a:schemeClr>
+    </cs:fontRef>
+    <cs:spPr>
+      <a:solidFill>
+        <a:schemeClr val="lt1"/>
+      </a:solidFill>
+      <a:ln>
+        <a:solidFill>
+          <a:schemeClr val="dk1">
+            <a:lumMod val="25000"/>
+            <a:lumOff val="75000"/>
+          </a:schemeClr>
+        </a:solidFill>
+      </a:ln>
+    </cs:spPr>
+    <cs:defRPr sz="900" kern="1200"/>
+    <cs:bodyPr rot="0" spcFirstLastPara="1" vertOverflow="clip" horzOverflow="clip" vert="horz" wrap="square" lIns="36576" tIns="18288" rIns="36576" bIns="18288" anchor="ctr" anchorCtr="1">
+      <a:spAutoFit/>
+    </cs:bodyPr>
+  </cs:dataLabelCallout>
+  <cs:dataPoint>
+    <cs:lnRef idx="0"/>
+    <cs:fillRef idx="1">
+      <cs:styleClr val="auto"/>
+    </cs:fillRef>
+    <cs:effectRef idx="0"/>
+    <cs:fontRef idx="minor">
+      <a:schemeClr val="tx1"/>
+    </cs:fontRef>
+  </cs:dataPoint>
+  <cs:dataPoint3D>
+    <cs:lnRef idx="0"/>
+    <cs:fillRef idx="1">
+      <cs:styleClr val="auto"/>
+    </cs:fillRef>
+    <cs:effectRef idx="0"/>
+    <cs:fontRef idx="minor">
+      <a:schemeClr val="tx1"/>
+    </cs:fontRef>
+  </cs:dataPoint3D>
+  <cs:dataPointLine>
+    <cs:lnRef idx="0">
+      <cs:styleClr val="auto"/>
+    </cs:lnRef>
+    <cs:fillRef idx="1"/>
+    <cs:effectRef idx="0"/>
+    <cs:fontRef idx="minor">
+      <a:schemeClr val="tx1"/>
+    </cs:fontRef>
+    <cs:spPr>
+      <a:ln w="19050" cap="rnd">
+        <a:solidFill>
+          <a:schemeClr val="phClr"/>
+        </a:solidFill>
+        <a:round/>
+      </a:ln>
+    </cs:spPr>
+  </cs:dataPointLine>
+  <cs:dataPointMarker>
+    <cs:lnRef idx="0">
+      <cs:styleClr val="auto"/>
+    </cs:lnRef>
+    <cs:fillRef idx="1">
+      <cs:styleClr val="auto"/>
+    </cs:fillRef>
+    <cs:effectRef idx="0"/>
+    <cs:fontRef idx="minor">
+      <a:schemeClr val="tx1"/>
+    </cs:fontRef>
+    <cs:spPr>
+      <a:ln w="9525">
+        <a:solidFill>
+          <a:schemeClr val="phClr"/>
+        </a:solidFill>
+      </a:ln>
+    </cs:spPr>
+  </cs:dataPointMarker>
+  <cs:dataPointMarkerLayout symbol="circle" size="5"/>
+  <cs:dataPointWireframe>
+    <cs:lnRef idx="0">
+      <cs:styleClr val="auto"/>
+    </cs:lnRef>
+    <cs:fillRef idx="0"/>
+    <cs:effectRef idx="0"/>
+    <cs:fontRef idx="minor">
+      <a:schemeClr val="dk1"/>
+    </cs:fontRef>
+    <cs:spPr>
+      <a:ln w="9525" cap="rnd">
+        <a:solidFill>
+          <a:schemeClr val="phClr"/>
+        </a:solidFill>
+        <a:round/>
+      </a:ln>
+    </cs:spPr>
+  </cs:dataPointWireframe>
+  <cs:dataTable>
+    <cs:lnRef idx="0"/>
+    <cs:fillRef idx="0"/>
+    <cs:effectRef idx="0"/>
+    <cs:fontRef idx="minor">
+      <a:schemeClr val="tx1">
+        <a:lumMod val="65000"/>
+        <a:lumOff val="35000"/>
+      </a:schemeClr>
+    </cs:fontRef>
+    <cs:spPr>
+      <a:noFill/>
+      <a:ln w="9525" cap="flat" cmpd="sng" algn="ctr">
+        <a:solidFill>
+          <a:schemeClr val="tx1">
+            <a:lumMod val="15000"/>
+            <a:lumOff val="85000"/>
+          </a:schemeClr>
+        </a:solidFill>
+        <a:round/>
+      </a:ln>
+    </cs:spPr>
+    <cs:defRPr sz="900" kern="1200"/>
+  </cs:dataTable>
+  <cs:downBar>
+    <cs:lnRef idx="0"/>
+    <cs:fillRef idx="0"/>
+    <cs:effectRef idx="0"/>
+    <cs:fontRef idx="minor">
+      <a:schemeClr val="tx1"/>
+    </cs:fontRef>
+    <cs:spPr>
+      <a:solidFill>
+        <a:schemeClr val="dk1">
+          <a:lumMod val="75000"/>
+          <a:lumOff val="25000"/>
+        </a:schemeClr>
+      </a:solidFill>
+      <a:ln w="9525" cap="flat" cmpd="sng" algn="ctr">
+        <a:solidFill>
+          <a:schemeClr val="tx1">
+            <a:lumMod val="65000"/>
+            <a:lumOff val="35000"/>
+          </a:schemeClr>
+        </a:solidFill>
+        <a:round/>
+      </a:ln>
+    </cs:spPr>
+  </cs:downBar>
+  <cs:dropLine>
+    <cs:lnRef idx="0"/>
+    <cs:fillRef idx="0"/>
+    <cs:effectRef idx="0"/>
+    <cs:fontRef idx="minor">
+      <a:schemeClr val="tx1"/>
+    </cs:fontRef>
+    <cs:spPr>
+      <a:ln w="9525" cap="flat" cmpd="sng" algn="ctr">
+        <a:solidFill>
+          <a:schemeClr val="tx1">
+            <a:lumMod val="35000"/>
+            <a:lumOff val="65000"/>
+          </a:schemeClr>
+        </a:solidFill>
+        <a:round/>
+      </a:ln>
+    </cs:spPr>
+  </cs:dropLine>
+  <cs:errorBar>
+    <cs:lnRef idx="0"/>
+    <cs:fillRef idx="0"/>
+    <cs:effectRef idx="0"/>
+    <cs:fontRef idx="minor">
+      <a:schemeClr val="tx1"/>
+    </cs:fontRef>
+    <cs:spPr>
+      <a:ln w="9525" cap="flat" cmpd="sng" algn="ctr">
+        <a:solidFill>
+          <a:schemeClr val="tx1">
+            <a:lumMod val="65000"/>
+            <a:lumOff val="35000"/>
+          </a:schemeClr>
+        </a:solidFill>
+        <a:round/>
+      </a:ln>
+    </cs:spPr>
+  </cs:errorBar>
+  <cs:floor>
+    <cs:lnRef idx="0"/>
+    <cs:fillRef idx="0"/>
+    <cs:effectRef idx="0"/>
+    <cs:fontRef idx="minor">
+      <a:schemeClr val="tx1"/>
+    </cs:fontRef>
+    <cs:spPr>
+      <a:noFill/>
+      <a:ln>
+        <a:noFill/>
+      </a:ln>
+    </cs:spPr>
+  </cs:floor>
+  <cs:gridlineMajor>
+    <cs:lnRef idx="0"/>
+    <cs:fillRef idx="0"/>
+    <cs:effectRef idx="0"/>
+    <cs:fontRef idx="minor">
+      <a:schemeClr val="tx1"/>
+    </cs:fontRef>
+    <cs:spPr>
+      <a:ln w="9525" cap="flat" cmpd="sng" algn="ctr">
+        <a:solidFill>
+          <a:schemeClr val="tx1">
+            <a:lumMod val="15000"/>
+            <a:lumOff val="85000"/>
+          </a:schemeClr>
+        </a:solidFill>
+        <a:round/>
+      </a:ln>
+    </cs:spPr>
+  </cs:gridlineMajor>
+  <cs:gridlineMinor>
+    <cs:lnRef idx="0"/>
+    <cs:fillRef idx="0"/>
+    <cs:effectRef idx="0"/>
+    <cs:fontRef idx="minor">
+      <a:schemeClr val="tx1"/>
+    </cs:fontRef>
+    <cs:spPr>
+      <a:ln w="9525" cap="flat" cmpd="sng" algn="ctr">
+        <a:solidFill>
+          <a:schemeClr val="tx1">
+            <a:lumMod val="5000"/>
+            <a:lumOff val="95000"/>
+          </a:schemeClr>
+        </a:solidFill>
+        <a:round/>
+      </a:ln>
+    </cs:spPr>
+  </cs:gridlineMinor>
+  <cs:hiLoLine>
+    <cs:lnRef idx="0"/>
+    <cs:fillRef idx="0"/>
+    <cs:effectRef idx="0"/>
+    <cs:fontRef idx="minor">
+      <a:schemeClr val="tx1"/>
+    </cs:fontRef>
+    <cs:spPr>
+      <a:ln w="9525" cap="flat" cmpd="sng" algn="ctr">
+        <a:solidFill>
+          <a:schemeClr val="tx1">
+            <a:lumMod val="50000"/>
+            <a:lumOff val="50000"/>
+          </a:schemeClr>
+        </a:solidFill>
+        <a:round/>
+      </a:ln>
+    </cs:spPr>
+  </cs:hiLoLine>
+  <cs:leaderLine>
+    <cs:lnRef idx="0"/>
+    <cs:fillRef idx="0"/>
+    <cs:effectRef idx="0"/>
+    <cs:fontRef idx="minor">
+      <a:schemeClr val="tx1"/>
+    </cs:fontRef>
+    <cs:spPr>
+      <a:ln w="9525" cap="flat" cmpd="sng" algn="ctr">
+        <a:solidFill>
+          <a:schemeClr val="tx1">
+            <a:lumMod val="35000"/>
+            <a:lumOff val="65000"/>
+          </a:schemeClr>
+        </a:solidFill>
+        <a:round/>
+      </a:ln>
+    </cs:spPr>
+  </cs:leaderLine>
+  <cs:legend>
+    <cs:lnRef idx="0"/>
+    <cs:fillRef idx="0"/>
+    <cs:effectRef idx="0"/>
+    <cs:fontRef idx="minor">
+      <a:schemeClr val="tx1">
+        <a:lumMod val="65000"/>
+        <a:lumOff val="35000"/>
+      </a:schemeClr>
+    </cs:fontRef>
+    <cs:defRPr sz="900" kern="1200"/>
+  </cs:legend>
+  <cs:plotArea mods="allowNoFillOverride allowNoLineOverride">
+    <cs:lnRef idx="0"/>
+    <cs:fillRef idx="0"/>
+    <cs:effectRef idx="0"/>
+    <cs:fontRef idx="minor">
+      <a:schemeClr val="tx1"/>
+    </cs:fontRef>
+  </cs:plotArea>
+  <cs:plotArea3D mods="allowNoFillOverride allowNoLineOverride">
+    <cs:lnRef idx="0"/>
+    <cs:fillRef idx="0"/>
+    <cs:effectRef idx="0"/>
+    <cs:fontRef idx="minor">
+      <a:schemeClr val="tx1"/>
+    </cs:fontRef>
+  </cs:plotArea3D>
+  <cs:seriesAxis>
+    <cs:lnRef idx="0"/>
+    <cs:fillRef idx="0"/>
+    <cs:effectRef idx="0"/>
+    <cs:fontRef idx="minor">
+      <a:schemeClr val="tx1">
+        <a:lumMod val="65000"/>
+        <a:lumOff val="35000"/>
+      </a:schemeClr>
+    </cs:fontRef>
+    <cs:defRPr sz="900" kern="1200"/>
+  </cs:seriesAxis>
+  <cs:seriesLine>
+    <cs:lnRef idx="0"/>
+    <cs:fillRef idx="0"/>
+    <cs:effectRef idx="0"/>
+    <cs:fontRef idx="minor">
+      <a:schemeClr val="tx1"/>
+    </cs:fontRef>
+    <cs:spPr>
+      <a:ln w="9525" cap="flat" cmpd="sng" algn="ctr">
+        <a:solidFill>
+          <a:schemeClr val="tx1">
+            <a:lumMod val="35000"/>
+            <a:lumOff val="65000"/>
+          </a:schemeClr>
+        </a:solidFill>
+        <a:round/>
+      </a:ln>
+    </cs:spPr>
+  </cs:seriesLine>
+  <cs:title>
+    <cs:lnRef idx="0"/>
+    <cs:fillRef idx="0"/>
+    <cs:effectRef idx="0"/>
+    <cs:fontRef idx="minor">
+      <a:schemeClr val="tx1">
+        <a:lumMod val="65000"/>
+        <a:lumOff val="35000"/>
+      </a:schemeClr>
+    </cs:fontRef>
+    <cs:defRPr sz="1400" b="0" kern="1200" spc="0" baseline="0"/>
+  </cs:title>
+  <cs:trendline>
+    <cs:lnRef idx="0">
+      <cs:styleClr val="auto"/>
+    </cs:lnRef>
+    <cs:fillRef idx="0"/>
+    <cs:effectRef idx="0"/>
+    <cs:fontRef idx="minor">
+      <a:schemeClr val="tx1"/>
+    </cs:fontRef>
+    <cs:spPr>
+      <a:ln w="19050" cap="rnd">
+        <a:solidFill>
+          <a:schemeClr val="phClr"/>
+        </a:solidFill>
+        <a:prstDash val="sysDot"/>
+      </a:ln>
+    </cs:spPr>
+  </cs:trendline>
+  <cs:trendlineLabel>
+    <cs:lnRef idx="0"/>
+    <cs:fillRef idx="0"/>
+    <cs:effectRef idx="0"/>
+    <cs:fontRef idx="minor">
+      <a:schemeClr val="tx1">
+        <a:lumMod val="65000"/>
+        <a:lumOff val="35000"/>
+      </a:schemeClr>
+    </cs:fontRef>
+    <cs:defRPr sz="900" kern="1200"/>
+  </cs:trendlineLabel>
+  <cs:upBar>
+    <cs:lnRef idx="0"/>
+    <cs:fillRef idx="0"/>
+    <cs:effectRef idx="0"/>
+    <cs:fontRef idx="minor">
+      <a:schemeClr val="tx1"/>
+    </cs:fontRef>
+    <cs:spPr>
+      <a:solidFill>
+        <a:schemeClr val="lt1"/>
+      </a:solidFill>
+      <a:ln w="9525" cap="flat" cmpd="sng" algn="ctr">
+        <a:solidFill>
+          <a:schemeClr val="tx1">
+            <a:lumMod val="65000"/>
+            <a:lumOff val="35000"/>
+          </a:schemeClr>
+        </a:solidFill>
+        <a:round/>
+      </a:ln>
+    </cs:spPr>
+  </cs:upBar>
+  <cs:valueAxis>
+    <cs:lnRef idx="0"/>
+    <cs:fillRef idx="0"/>
+    <cs:effectRef idx="0"/>
+    <cs:fontRef idx="minor">
+      <a:schemeClr val="tx1">
+        <a:lumMod val="65000"/>
+        <a:lumOff val="35000"/>
+      </a:schemeClr>
+    </cs:fontRef>
+    <cs:spPr>
+      <a:ln w="9525" cap="flat" cmpd="sng" algn="ctr">
+        <a:solidFill>
+          <a:schemeClr val="tx1">
+            <a:lumMod val="25000"/>
+            <a:lumOff val="75000"/>
+          </a:schemeClr>
+        </a:solidFill>
+        <a:round/>
+      </a:ln>
+    </cs:spPr>
+    <cs:defRPr sz="900" kern="1200"/>
+  </cs:valueAxis>
+  <cs:wall>
+    <cs:lnRef idx="0"/>
+    <cs:fillRef idx="0"/>
+    <cs:effectRef idx="0"/>
+    <cs:fontRef idx="minor">
+      <a:schemeClr val="tx1"/>
+    </cs:fontRef>
+    <cs:spPr>
+      <a:noFill/>
+      <a:ln>
+        <a:noFill/>
+      </a:ln>
+    </cs:spPr>
+  </cs:wall>
+</cs:chartStyle>
+</file>
+
+<file path=ppt/charts/style3.xml><?xml version="1.0" encoding="utf-8"?>
+<cs:chartStyle xmlns:cs="http://schemas.microsoft.com/office/drawing/2012/chartStyle" xmlns:a="http://schemas.openxmlformats.org/drawingml/2006/main" id="240">
+  <cs:axisTitle>
+    <cs:lnRef idx="0"/>
+    <cs:fillRef idx="0"/>
+    <cs:effectRef idx="0"/>
+    <cs:fontRef idx="minor">
+      <a:schemeClr val="tx1">
+        <a:lumMod val="65000"/>
+        <a:lumOff val="35000"/>
+      </a:schemeClr>
+    </cs:fontRef>
+    <cs:defRPr sz="1000" kern="1200"/>
+  </cs:axisTitle>
+  <cs:categoryAxis>
+    <cs:lnRef idx="0"/>
+    <cs:fillRef idx="0"/>
+    <cs:effectRef idx="0"/>
+    <cs:fontRef idx="minor">
+      <a:schemeClr val="tx1">
+        <a:lumMod val="65000"/>
+        <a:lumOff val="35000"/>
+      </a:schemeClr>
+    </cs:fontRef>
+    <cs:spPr>
+      <a:ln w="9525" cap="flat" cmpd="sng" algn="ctr">
+        <a:solidFill>
+          <a:schemeClr val="tx1">
+            <a:lumMod val="25000"/>
+            <a:lumOff val="75000"/>
+          </a:schemeClr>
+        </a:solidFill>
+        <a:round/>
+      </a:ln>
+    </cs:spPr>
+    <cs:defRPr sz="900" kern="1200"/>
+  </cs:categoryAxis>
+  <cs:chartArea mods="allowNoFillOverride allowNoLineOverride">
+    <cs:lnRef idx="0"/>
+    <cs:fillRef idx="0"/>
+    <cs:effectRef idx="0"/>
+    <cs:fontRef idx="minor">
+      <a:schemeClr val="tx1"/>
+    </cs:fontRef>
+    <cs:spPr>
+      <a:solidFill>
+        <a:schemeClr val="bg1"/>
+      </a:solidFill>
+      <a:ln w="9525" cap="flat" cmpd="sng" algn="ctr">
+        <a:solidFill>
+          <a:schemeClr val="tx1">
+            <a:lumMod val="15000"/>
+            <a:lumOff val="85000"/>
+          </a:schemeClr>
+        </a:solidFill>
+        <a:round/>
+      </a:ln>
+    </cs:spPr>
+    <cs:defRPr sz="1000" kern="1200"/>
+  </cs:chartArea>
+  <cs:dataLabel>
+    <cs:lnRef idx="0"/>
+    <cs:fillRef idx="0"/>
+    <cs:effectRef idx="0"/>
+    <cs:fontRef idx="minor">
+      <a:schemeClr val="tx1">
+        <a:lumMod val="75000"/>
+        <a:lumOff val="25000"/>
+      </a:schemeClr>
+    </cs:fontRef>
+    <cs:defRPr sz="900" kern="1200"/>
+  </cs:dataLabel>
+  <cs:dataLabelCallout>
+    <cs:lnRef idx="0"/>
+    <cs:fillRef idx="0"/>
+    <cs:effectRef idx="0"/>
+    <cs:fontRef idx="minor">
+      <a:schemeClr val="dk1">
+        <a:lumMod val="65000"/>
+        <a:lumOff val="35000"/>
+      </a:schemeClr>
+    </cs:fontRef>
+    <cs:spPr>
+      <a:solidFill>
+        <a:schemeClr val="lt1"/>
+      </a:solidFill>
+      <a:ln>
+        <a:solidFill>
+          <a:schemeClr val="dk1">
+            <a:lumMod val="25000"/>
+            <a:lumOff val="75000"/>
+          </a:schemeClr>
+        </a:solidFill>
+      </a:ln>
+    </cs:spPr>
+    <cs:defRPr sz="900" kern="1200"/>
+    <cs:bodyPr rot="0" spcFirstLastPara="1" vertOverflow="clip" horzOverflow="clip" vert="horz" wrap="square" lIns="36576" tIns="18288" rIns="36576" bIns="18288" anchor="ctr" anchorCtr="1">
+      <a:spAutoFit/>
+    </cs:bodyPr>
+  </cs:dataLabelCallout>
+  <cs:dataPoint>
+    <cs:lnRef idx="0"/>
+    <cs:fillRef idx="1">
+      <cs:styleClr val="auto"/>
+    </cs:fillRef>
+    <cs:effectRef idx="0"/>
+    <cs:fontRef idx="minor">
+      <a:schemeClr val="tx1"/>
+    </cs:fontRef>
+  </cs:dataPoint>
+  <cs:dataPoint3D>
+    <cs:lnRef idx="0"/>
+    <cs:fillRef idx="1">
+      <cs:styleClr val="auto"/>
+    </cs:fillRef>
+    <cs:effectRef idx="0"/>
+    <cs:fontRef idx="minor">
+      <a:schemeClr val="tx1"/>
+    </cs:fontRef>
+  </cs:dataPoint3D>
+  <cs:dataPointLine>
+    <cs:lnRef idx="0">
+      <cs:styleClr val="auto"/>
+    </cs:lnRef>
+    <cs:fillRef idx="1"/>
+    <cs:effectRef idx="0"/>
+    <cs:fontRef idx="minor">
+      <a:schemeClr val="tx1"/>
+    </cs:fontRef>
+    <cs:spPr>
+      <a:ln w="19050" cap="rnd">
+        <a:solidFill>
+          <a:schemeClr val="phClr"/>
+        </a:solidFill>
+        <a:round/>
+      </a:ln>
+    </cs:spPr>
+  </cs:dataPointLine>
+  <cs:dataPointMarker>
+    <cs:lnRef idx="0">
+      <cs:styleClr val="auto"/>
+    </cs:lnRef>
+    <cs:fillRef idx="1">
+      <cs:styleClr val="auto"/>
+    </cs:fillRef>
+    <cs:effectRef idx="0"/>
+    <cs:fontRef idx="minor">
+      <a:schemeClr val="tx1"/>
+    </cs:fontRef>
+    <cs:spPr>
+      <a:ln w="9525">
+        <a:solidFill>
+          <a:schemeClr val="phClr"/>
+        </a:solidFill>
+      </a:ln>
+    </cs:spPr>
+  </cs:dataPointMarker>
+  <cs:dataPointMarkerLayout symbol="circle" size="5"/>
+  <cs:dataPointWireframe>
+    <cs:lnRef idx="0">
+      <cs:styleClr val="auto"/>
+    </cs:lnRef>
+    <cs:fillRef idx="0"/>
+    <cs:effectRef idx="0"/>
+    <cs:fontRef idx="minor">
+      <a:schemeClr val="dk1"/>
+    </cs:fontRef>
+    <cs:spPr>
+      <a:ln w="9525" cap="rnd">
+        <a:solidFill>
+          <a:schemeClr val="phClr"/>
+        </a:solidFill>
+        <a:round/>
+      </a:ln>
+    </cs:spPr>
+  </cs:dataPointWireframe>
+  <cs:dataTable>
+    <cs:lnRef idx="0"/>
+    <cs:fillRef idx="0"/>
+    <cs:effectRef idx="0"/>
+    <cs:fontRef idx="minor">
+      <a:schemeClr val="tx1">
+        <a:lumMod val="65000"/>
+        <a:lumOff val="35000"/>
+      </a:schemeClr>
+    </cs:fontRef>
+    <cs:spPr>
+      <a:noFill/>
+      <a:ln w="9525" cap="flat" cmpd="sng" algn="ctr">
+        <a:solidFill>
+          <a:schemeClr val="tx1">
+            <a:lumMod val="15000"/>
+            <a:lumOff val="85000"/>
+          </a:schemeClr>
+        </a:solidFill>
+        <a:round/>
+      </a:ln>
+    </cs:spPr>
+    <cs:defRPr sz="900" kern="1200"/>
+  </cs:dataTable>
+  <cs:downBar>
+    <cs:lnRef idx="0"/>
+    <cs:fillRef idx="0"/>
+    <cs:effectRef idx="0"/>
+    <cs:fontRef idx="minor">
+      <a:schemeClr val="tx1"/>
+    </cs:fontRef>
+    <cs:spPr>
+      <a:solidFill>
+        <a:schemeClr val="dk1">
+          <a:lumMod val="75000"/>
+          <a:lumOff val="25000"/>
+        </a:schemeClr>
+      </a:solidFill>
+      <a:ln w="9525" cap="flat" cmpd="sng" algn="ctr">
+        <a:solidFill>
+          <a:schemeClr val="tx1">
+            <a:lumMod val="65000"/>
+            <a:lumOff val="35000"/>
+          </a:schemeClr>
+        </a:solidFill>
+        <a:round/>
+      </a:ln>
+    </cs:spPr>
+  </cs:downBar>
+  <cs:dropLine>
+    <cs:lnRef idx="0"/>
+    <cs:fillRef idx="0"/>
+    <cs:effectRef idx="0"/>
+    <cs:fontRef idx="minor">
+      <a:schemeClr val="tx1"/>
+    </cs:fontRef>
+    <cs:spPr>
+      <a:ln w="9525" cap="flat" cmpd="sng" algn="ctr">
+        <a:solidFill>
+          <a:schemeClr val="tx1">
+            <a:lumMod val="35000"/>
+            <a:lumOff val="65000"/>
+          </a:schemeClr>
+        </a:solidFill>
+        <a:round/>
+      </a:ln>
+    </cs:spPr>
+  </cs:dropLine>
+  <cs:errorBar>
+    <cs:lnRef idx="0"/>
+    <cs:fillRef idx="0"/>
+    <cs:effectRef idx="0"/>
+    <cs:fontRef idx="minor">
+      <a:schemeClr val="tx1"/>
+    </cs:fontRef>
+    <cs:spPr>
+      <a:ln w="9525" cap="flat" cmpd="sng" algn="ctr">
+        <a:solidFill>
+          <a:schemeClr val="tx1">
+            <a:lumMod val="65000"/>
+            <a:lumOff val="35000"/>
+          </a:schemeClr>
+        </a:solidFill>
+        <a:round/>
+      </a:ln>
+    </cs:spPr>
+  </cs:errorBar>
+  <cs:floor>
+    <cs:lnRef idx="0"/>
+    <cs:fillRef idx="0"/>
+    <cs:effectRef idx="0"/>
+    <cs:fontRef idx="minor">
+      <a:schemeClr val="tx1"/>
+    </cs:fontRef>
+    <cs:spPr>
+      <a:noFill/>
+      <a:ln>
+        <a:noFill/>
+      </a:ln>
+    </cs:spPr>
+  </cs:floor>
+  <cs:gridlineMajor>
+    <cs:lnRef idx="0"/>
+    <cs:fillRef idx="0"/>
+    <cs:effectRef idx="0"/>
+    <cs:fontRef idx="minor">
+      <a:schemeClr val="tx1"/>
+    </cs:fontRef>
+    <cs:spPr>
+      <a:ln w="9525" cap="flat" cmpd="sng" algn="ctr">
+        <a:solidFill>
+          <a:schemeClr val="tx1">
+            <a:lumMod val="15000"/>
+            <a:lumOff val="85000"/>
+          </a:schemeClr>
+        </a:solidFill>
+        <a:round/>
+      </a:ln>
+    </cs:spPr>
+  </cs:gridlineMajor>
+  <cs:gridlineMinor>
+    <cs:lnRef idx="0"/>
+    <cs:fillRef idx="0"/>
+    <cs:effectRef idx="0"/>
+    <cs:fontRef idx="minor">
+      <a:schemeClr val="tx1"/>
+    </cs:fontRef>
+    <cs:spPr>
+      <a:ln w="9525" cap="flat" cmpd="sng" algn="ctr">
+        <a:solidFill>
+          <a:schemeClr val="tx1">
+            <a:lumMod val="5000"/>
+            <a:lumOff val="95000"/>
+          </a:schemeClr>
+        </a:solidFill>
+        <a:round/>
+      </a:ln>
+    </cs:spPr>
+  </cs:gridlineMinor>
+  <cs:hiLoLine>
+    <cs:lnRef idx="0"/>
+    <cs:fillRef idx="0"/>
+    <cs:effectRef idx="0"/>
+    <cs:fontRef idx="minor">
+      <a:schemeClr val="tx1"/>
+    </cs:fontRef>
+    <cs:spPr>
+      <a:ln w="9525" cap="flat" cmpd="sng" algn="ctr">
+        <a:solidFill>
+          <a:schemeClr val="tx1">
+            <a:lumMod val="50000"/>
+            <a:lumOff val="50000"/>
+          </a:schemeClr>
+        </a:solidFill>
+        <a:round/>
+      </a:ln>
+    </cs:spPr>
+  </cs:hiLoLine>
+  <cs:leaderLine>
+    <cs:lnRef idx="0"/>
+    <cs:fillRef idx="0"/>
+    <cs:effectRef idx="0"/>
+    <cs:fontRef idx="minor">
+      <a:schemeClr val="tx1"/>
+    </cs:fontRef>
+    <cs:spPr>
+      <a:ln w="9525" cap="flat" cmpd="sng" algn="ctr">
+        <a:solidFill>
+          <a:schemeClr val="tx1">
+            <a:lumMod val="35000"/>
+            <a:lumOff val="65000"/>
+          </a:schemeClr>
+        </a:solidFill>
+        <a:round/>
+      </a:ln>
+    </cs:spPr>
+  </cs:leaderLine>
+  <cs:legend>
+    <cs:lnRef idx="0"/>
+    <cs:fillRef idx="0"/>
+    <cs:effectRef idx="0"/>
+    <cs:fontRef idx="minor">
+      <a:schemeClr val="tx1">
+        <a:lumMod val="65000"/>
+        <a:lumOff val="35000"/>
+      </a:schemeClr>
+    </cs:fontRef>
+    <cs:defRPr sz="900" kern="1200"/>
+  </cs:legend>
+  <cs:plotArea mods="allowNoFillOverride allowNoLineOverride">
+    <cs:lnRef idx="0"/>
+    <cs:fillRef idx="0"/>
+    <cs:effectRef idx="0"/>
+    <cs:fontRef idx="minor">
+      <a:schemeClr val="tx1"/>
+    </cs:fontRef>
+  </cs:plotArea>
+  <cs:plotArea3D mods="allowNoFillOverride allowNoLineOverride">
+    <cs:lnRef idx="0"/>
+    <cs:fillRef idx="0"/>
+    <cs:effectRef idx="0"/>
+    <cs:fontRef idx="minor">
+      <a:schemeClr val="tx1"/>
+    </cs:fontRef>
+  </cs:plotArea3D>
+  <cs:seriesAxis>
+    <cs:lnRef idx="0"/>
+    <cs:fillRef idx="0"/>
+    <cs:effectRef idx="0"/>
+    <cs:fontRef idx="minor">
+      <a:schemeClr val="tx1">
+        <a:lumMod val="65000"/>
+        <a:lumOff val="35000"/>
+      </a:schemeClr>
+    </cs:fontRef>
+    <cs:defRPr sz="900" kern="1200"/>
+  </cs:seriesAxis>
+  <cs:seriesLine>
+    <cs:lnRef idx="0"/>
+    <cs:fillRef idx="0"/>
+    <cs:effectRef idx="0"/>
+    <cs:fontRef idx="minor">
+      <a:schemeClr val="tx1"/>
+    </cs:fontRef>
+    <cs:spPr>
+      <a:ln w="9525" cap="flat" cmpd="sng" algn="ctr">
+        <a:solidFill>
+          <a:schemeClr val="tx1">
+            <a:lumMod val="35000"/>
+            <a:lumOff val="65000"/>
+          </a:schemeClr>
+        </a:solidFill>
+        <a:round/>
+      </a:ln>
+    </cs:spPr>
+  </cs:seriesLine>
+  <cs:title>
+    <cs:lnRef idx="0"/>
+    <cs:fillRef idx="0"/>
+    <cs:effectRef idx="0"/>
+    <cs:fontRef idx="minor">
+      <a:schemeClr val="tx1">
+        <a:lumMod val="65000"/>
+        <a:lumOff val="35000"/>
+      </a:schemeClr>
+    </cs:fontRef>
+    <cs:defRPr sz="1400" b="0" kern="1200" spc="0" baseline="0"/>
+  </cs:title>
+  <cs:trendline>
+    <cs:lnRef idx="0">
+      <cs:styleClr val="auto"/>
+    </cs:lnRef>
+    <cs:fillRef idx="0"/>
+    <cs:effectRef idx="0"/>
+    <cs:fontRef idx="minor">
+      <a:schemeClr val="tx1"/>
+    </cs:fontRef>
+    <cs:spPr>
+      <a:ln w="19050" cap="rnd">
+        <a:solidFill>
+          <a:schemeClr val="phClr"/>
+        </a:solidFill>
+        <a:prstDash val="sysDot"/>
+      </a:ln>
+    </cs:spPr>
+  </cs:trendline>
+  <cs:trendlineLabel>
+    <cs:lnRef idx="0"/>
+    <cs:fillRef idx="0"/>
+    <cs:effectRef idx="0"/>
+    <cs:fontRef idx="minor">
+      <a:schemeClr val="tx1">
+        <a:lumMod val="65000"/>
+        <a:lumOff val="35000"/>
+      </a:schemeClr>
+    </cs:fontRef>
+    <cs:defRPr sz="900" kern="1200"/>
+  </cs:trendlineLabel>
+  <cs:upBar>
+    <cs:lnRef idx="0"/>
+    <cs:fillRef idx="0"/>
+    <cs:effectRef idx="0"/>
+    <cs:fontRef idx="minor">
+      <a:schemeClr val="tx1"/>
+    </cs:fontRef>
+    <cs:spPr>
+      <a:solidFill>
+        <a:schemeClr val="lt1"/>
+      </a:solidFill>
+      <a:ln w="9525" cap="flat" cmpd="sng" algn="ctr">
+        <a:solidFill>
+          <a:schemeClr val="tx1">
+            <a:lumMod val="65000"/>
+            <a:lumOff val="35000"/>
+          </a:schemeClr>
+        </a:solidFill>
+        <a:round/>
+      </a:ln>
+    </cs:spPr>
+  </cs:upBar>
+  <cs:valueAxis>
+    <cs:lnRef idx="0"/>
+    <cs:fillRef idx="0"/>
+    <cs:effectRef idx="0"/>
+    <cs:fontRef idx="minor">
+      <a:schemeClr val="tx1">
+        <a:lumMod val="65000"/>
+        <a:lumOff val="35000"/>
+      </a:schemeClr>
+    </cs:fontRef>
+    <cs:spPr>
+      <a:ln w="9525" cap="flat" cmpd="sng" algn="ctr">
+        <a:solidFill>
+          <a:schemeClr val="tx1">
+            <a:lumMod val="25000"/>
+            <a:lumOff val="75000"/>
+          </a:schemeClr>
+        </a:solidFill>
+        <a:round/>
+      </a:ln>
+    </cs:spPr>
+    <cs:defRPr sz="900" kern="1200"/>
+  </cs:valueAxis>
+  <cs:wall>
+    <cs:lnRef idx="0"/>
+    <cs:fillRef idx="0"/>
+    <cs:effectRef idx="0"/>
+    <cs:fontRef idx="minor">
+      <a:schemeClr val="tx1"/>
+    </cs:fontRef>
+    <cs:spPr>
+      <a:noFill/>
+      <a:ln>
+        <a:noFill/>
+      </a:ln>
+    </cs:spPr>
+  </cs:wall>
+</cs:chartStyle>
+</file>
+
 <file path=ppt/handoutMasters/handoutMaster1.xml><?xml version="1.0" encoding="utf-8"?>
 <p:handoutMaster xmlns:a="http://schemas.openxmlformats.org/drawingml/2006/main" xmlns:r="http://schemas.openxmlformats.org/officeDocument/2006/relationships" xmlns:p="http://schemas.openxmlformats.org/presentationml/2006/main">
   <p:cSld>
@@ -226,7 +3239,7 @@
           <a:p>
             <a:fld id="{9F9A033E-D1F1-45AD-B378-340E885A1806}" type="datetimeFigureOut">
               <a:rPr kumimoji="1" lang="ja-JP" altLang="en-US" smtClean="0"/>
-              <a:t>2021/1/29</a:t>
+              <a:t>2021/1/30</a:t>
             </a:fld>
             <a:endParaRPr kumimoji="1" lang="ja-JP" altLang="en-US"/>
           </a:p>
@@ -403,7 +3416,7 @@
           <a:p>
             <a:fld id="{CE120EBB-8C6C-4DEA-8F69-236F8EB798F4}" type="datetimeFigureOut">
               <a:rPr kumimoji="1" lang="ja-JP" altLang="en-US" smtClean="0"/>
-              <a:t>2021/1/29</a:t>
+              <a:t>2021/1/30</a:t>
             </a:fld>
             <a:endParaRPr kumimoji="1" lang="ja-JP" altLang="en-US"/>
           </a:p>
@@ -1041,6 +4054,174 @@
 </p:notes>
 </file>
 
+<file path=ppt/notesSlides/notesSlide13.xml><?xml version="1.0" encoding="utf-8"?>
+<p:notes xmlns:a="http://schemas.openxmlformats.org/drawingml/2006/main" xmlns:r="http://schemas.openxmlformats.org/officeDocument/2006/relationships" xmlns:p="http://schemas.openxmlformats.org/presentationml/2006/main">
+  <p:cSld>
+    <p:spTree>
+      <p:nvGrpSpPr>
+        <p:cNvPr id="1" name=""/>
+        <p:cNvGrpSpPr/>
+        <p:nvPr/>
+      </p:nvGrpSpPr>
+      <p:grpSpPr>
+        <a:xfrm>
+          <a:off x="0" y="0"/>
+          <a:ext cx="0" cy="0"/>
+          <a:chOff x="0" y="0"/>
+          <a:chExt cx="0" cy="0"/>
+        </a:xfrm>
+      </p:grpSpPr>
+      <p:sp>
+        <p:nvSpPr>
+          <p:cNvPr id="2" name="スライド イメージ プレースホルダー 1"/>
+          <p:cNvSpPr>
+            <a:spLocks noGrp="1" noRot="1" noChangeAspect="1"/>
+          </p:cNvSpPr>
+          <p:nvPr>
+            <p:ph type="sldImg"/>
+          </p:nvPr>
+        </p:nvSpPr>
+        <p:spPr/>
+      </p:sp>
+      <p:sp>
+        <p:nvSpPr>
+          <p:cNvPr id="3" name="ノート プレースホルダー 2"/>
+          <p:cNvSpPr>
+            <a:spLocks noGrp="1"/>
+          </p:cNvSpPr>
+          <p:nvPr>
+            <p:ph type="body" idx="1"/>
+          </p:nvPr>
+        </p:nvSpPr>
+        <p:spPr/>
+        <p:txBody>
+          <a:bodyPr/>
+          <a:lstStyle/>
+          <a:p>
+            <a:endParaRPr kumimoji="1" lang="ja-JP" altLang="en-US"/>
+          </a:p>
+        </p:txBody>
+      </p:sp>
+      <p:sp>
+        <p:nvSpPr>
+          <p:cNvPr id="4" name="スライド番号プレースホルダー 3"/>
+          <p:cNvSpPr>
+            <a:spLocks noGrp="1"/>
+          </p:cNvSpPr>
+          <p:nvPr>
+            <p:ph type="sldNum" sz="quarter" idx="5"/>
+          </p:nvPr>
+        </p:nvSpPr>
+        <p:spPr/>
+        <p:txBody>
+          <a:bodyPr/>
+          <a:lstStyle/>
+          <a:p>
+            <a:fld id="{54FC74C9-A3B3-42D0-9EC6-DE7CEAAF28CE}" type="slidenum">
+              <a:rPr kumimoji="1" lang="ja-JP" altLang="en-US" smtClean="0"/>
+              <a:t>13</a:t>
+            </a:fld>
+            <a:endParaRPr kumimoji="1" lang="ja-JP" altLang="en-US"/>
+          </a:p>
+        </p:txBody>
+      </p:sp>
+    </p:spTree>
+    <p:extLst>
+      <p:ext uri="{BB962C8B-B14F-4D97-AF65-F5344CB8AC3E}">
+        <p14:creationId xmlns:p14="http://schemas.microsoft.com/office/powerpoint/2010/main" val="2552224968"/>
+      </p:ext>
+    </p:extLst>
+  </p:cSld>
+  <p:clrMapOvr>
+    <a:masterClrMapping/>
+  </p:clrMapOvr>
+</p:notes>
+</file>
+
+<file path=ppt/notesSlides/notesSlide14.xml><?xml version="1.0" encoding="utf-8"?>
+<p:notes xmlns:a="http://schemas.openxmlformats.org/drawingml/2006/main" xmlns:r="http://schemas.openxmlformats.org/officeDocument/2006/relationships" xmlns:p="http://schemas.openxmlformats.org/presentationml/2006/main">
+  <p:cSld>
+    <p:spTree>
+      <p:nvGrpSpPr>
+        <p:cNvPr id="1" name=""/>
+        <p:cNvGrpSpPr/>
+        <p:nvPr/>
+      </p:nvGrpSpPr>
+      <p:grpSpPr>
+        <a:xfrm>
+          <a:off x="0" y="0"/>
+          <a:ext cx="0" cy="0"/>
+          <a:chOff x="0" y="0"/>
+          <a:chExt cx="0" cy="0"/>
+        </a:xfrm>
+      </p:grpSpPr>
+      <p:sp>
+        <p:nvSpPr>
+          <p:cNvPr id="2" name="スライド イメージ プレースホルダー 1"/>
+          <p:cNvSpPr>
+            <a:spLocks noGrp="1" noRot="1" noChangeAspect="1"/>
+          </p:cNvSpPr>
+          <p:nvPr>
+            <p:ph type="sldImg"/>
+          </p:nvPr>
+        </p:nvSpPr>
+        <p:spPr/>
+      </p:sp>
+      <p:sp>
+        <p:nvSpPr>
+          <p:cNvPr id="3" name="ノート プレースホルダー 2"/>
+          <p:cNvSpPr>
+            <a:spLocks noGrp="1"/>
+          </p:cNvSpPr>
+          <p:nvPr>
+            <p:ph type="body" idx="1"/>
+          </p:nvPr>
+        </p:nvSpPr>
+        <p:spPr/>
+        <p:txBody>
+          <a:bodyPr/>
+          <a:lstStyle/>
+          <a:p>
+            <a:endParaRPr kumimoji="1" lang="ja-JP" altLang="en-US"/>
+          </a:p>
+        </p:txBody>
+      </p:sp>
+      <p:sp>
+        <p:nvSpPr>
+          <p:cNvPr id="4" name="スライド番号プレースホルダー 3"/>
+          <p:cNvSpPr>
+            <a:spLocks noGrp="1"/>
+          </p:cNvSpPr>
+          <p:nvPr>
+            <p:ph type="sldNum" sz="quarter" idx="5"/>
+          </p:nvPr>
+        </p:nvSpPr>
+        <p:spPr/>
+        <p:txBody>
+          <a:bodyPr/>
+          <a:lstStyle/>
+          <a:p>
+            <a:fld id="{54FC74C9-A3B3-42D0-9EC6-DE7CEAAF28CE}" type="slidenum">
+              <a:rPr kumimoji="1" lang="ja-JP" altLang="en-US" smtClean="0"/>
+              <a:t>14</a:t>
+            </a:fld>
+            <a:endParaRPr kumimoji="1" lang="ja-JP" altLang="en-US"/>
+          </a:p>
+        </p:txBody>
+      </p:sp>
+    </p:spTree>
+    <p:extLst>
+      <p:ext uri="{BB962C8B-B14F-4D97-AF65-F5344CB8AC3E}">
+        <p14:creationId xmlns:p14="http://schemas.microsoft.com/office/powerpoint/2010/main" val="1775742416"/>
+      </p:ext>
+    </p:extLst>
+  </p:cSld>
+  <p:clrMapOvr>
+    <a:masterClrMapping/>
+  </p:clrMapOvr>
+</p:notes>
+</file>
+
 <file path=ppt/notesSlides/notesSlide2.xml><?xml version="1.0" encoding="utf-8"?>
 <p:notes xmlns:a="http://schemas.openxmlformats.org/drawingml/2006/main" xmlns:r="http://schemas.openxmlformats.org/officeDocument/2006/relationships" xmlns:p="http://schemas.openxmlformats.org/presentationml/2006/main">
   <p:cSld>
@@ -1367,7 +4548,7 @@
     </p:spTree>
     <p:extLst>
       <p:ext uri="{BB962C8B-B14F-4D97-AF65-F5344CB8AC3E}">
-        <p14:creationId xmlns:p14="http://schemas.microsoft.com/office/powerpoint/2010/main" val="4124535861"/>
+        <p14:creationId xmlns:p14="http://schemas.microsoft.com/office/powerpoint/2010/main" val="1652041971"/>
       </p:ext>
     </p:extLst>
   </p:cSld>
@@ -1451,7 +4632,7 @@
     </p:spTree>
     <p:extLst>
       <p:ext uri="{BB962C8B-B14F-4D97-AF65-F5344CB8AC3E}">
-        <p14:creationId xmlns:p14="http://schemas.microsoft.com/office/powerpoint/2010/main" val="4153186673"/>
+        <p14:creationId xmlns:p14="http://schemas.microsoft.com/office/powerpoint/2010/main" val="1908467514"/>
       </p:ext>
     </p:extLst>
   </p:cSld>
@@ -1535,7 +4716,7 @@
     </p:spTree>
     <p:extLst>
       <p:ext uri="{BB962C8B-B14F-4D97-AF65-F5344CB8AC3E}">
-        <p14:creationId xmlns:p14="http://schemas.microsoft.com/office/powerpoint/2010/main" val="1908467514"/>
+        <p14:creationId xmlns:p14="http://schemas.microsoft.com/office/powerpoint/2010/main" val="3496293636"/>
       </p:ext>
     </p:extLst>
   </p:cSld>
@@ -1619,7 +4800,7 @@
     </p:spTree>
     <p:extLst>
       <p:ext uri="{BB962C8B-B14F-4D97-AF65-F5344CB8AC3E}">
-        <p14:creationId xmlns:p14="http://schemas.microsoft.com/office/powerpoint/2010/main" val="3496293636"/>
+        <p14:creationId xmlns:p14="http://schemas.microsoft.com/office/powerpoint/2010/main" val="4124535861"/>
       </p:ext>
     </p:extLst>
   </p:cSld>
@@ -1860,7 +5041,7 @@
           <a:p>
             <a:fld id="{E96D9F0A-2578-410E-B32A-F089453602AE}" type="datetimeFigureOut">
               <a:rPr kumimoji="1" lang="ja-JP" altLang="en-US" smtClean="0"/>
-              <a:t>2021/1/29</a:t>
+              <a:t>2021/1/30</a:t>
             </a:fld>
             <a:endParaRPr kumimoji="1" lang="ja-JP" altLang="en-US"/>
           </a:p>
@@ -2090,7 +5271,7 @@
           <a:p>
             <a:fld id="{E96D9F0A-2578-410E-B32A-F089453602AE}" type="datetimeFigureOut">
               <a:rPr kumimoji="1" lang="ja-JP" altLang="en-US" smtClean="0"/>
-              <a:t>2021/1/29</a:t>
+              <a:t>2021/1/30</a:t>
             </a:fld>
             <a:endParaRPr kumimoji="1" lang="ja-JP" altLang="en-US"/>
           </a:p>
@@ -2330,7 +5511,7 @@
           <a:p>
             <a:fld id="{E96D9F0A-2578-410E-B32A-F089453602AE}" type="datetimeFigureOut">
               <a:rPr kumimoji="1" lang="ja-JP" altLang="en-US" smtClean="0"/>
-              <a:t>2021/1/29</a:t>
+              <a:t>2021/1/30</a:t>
             </a:fld>
             <a:endParaRPr kumimoji="1" lang="ja-JP" altLang="en-US"/>
           </a:p>
@@ -2560,7 +5741,7 @@
           <a:p>
             <a:fld id="{E96D9F0A-2578-410E-B32A-F089453602AE}" type="datetimeFigureOut">
               <a:rPr kumimoji="1" lang="ja-JP" altLang="en-US" smtClean="0"/>
-              <a:t>2021/1/29</a:t>
+              <a:t>2021/1/30</a:t>
             </a:fld>
             <a:endParaRPr kumimoji="1" lang="ja-JP" altLang="en-US"/>
           </a:p>
@@ -2835,7 +6016,7 @@
           <a:p>
             <a:fld id="{E96D9F0A-2578-410E-B32A-F089453602AE}" type="datetimeFigureOut">
               <a:rPr kumimoji="1" lang="ja-JP" altLang="en-US" smtClean="0"/>
-              <a:t>2021/1/29</a:t>
+              <a:t>2021/1/30</a:t>
             </a:fld>
             <a:endParaRPr kumimoji="1" lang="ja-JP" altLang="en-US"/>
           </a:p>
@@ -3164,7 +6345,7 @@
           <a:p>
             <a:fld id="{E96D9F0A-2578-410E-B32A-F089453602AE}" type="datetimeFigureOut">
               <a:rPr kumimoji="1" lang="ja-JP" altLang="en-US" smtClean="0"/>
-              <a:t>2021/1/29</a:t>
+              <a:t>2021/1/30</a:t>
             </a:fld>
             <a:endParaRPr kumimoji="1" lang="ja-JP" altLang="en-US"/>
           </a:p>
@@ -3640,7 +6821,7 @@
           <a:p>
             <a:fld id="{E96D9F0A-2578-410E-B32A-F089453602AE}" type="datetimeFigureOut">
               <a:rPr kumimoji="1" lang="ja-JP" altLang="en-US" smtClean="0"/>
-              <a:t>2021/1/29</a:t>
+              <a:t>2021/1/30</a:t>
             </a:fld>
             <a:endParaRPr kumimoji="1" lang="ja-JP" altLang="en-US"/>
           </a:p>
@@ -3781,7 +6962,7 @@
           <a:p>
             <a:fld id="{E96D9F0A-2578-410E-B32A-F089453602AE}" type="datetimeFigureOut">
               <a:rPr kumimoji="1" lang="ja-JP" altLang="en-US" smtClean="0"/>
-              <a:t>2021/1/29</a:t>
+              <a:t>2021/1/30</a:t>
             </a:fld>
             <a:endParaRPr kumimoji="1" lang="ja-JP" altLang="en-US"/>
           </a:p>
@@ -3894,7 +7075,7 @@
           <a:p>
             <a:fld id="{E96D9F0A-2578-410E-B32A-F089453602AE}" type="datetimeFigureOut">
               <a:rPr kumimoji="1" lang="ja-JP" altLang="en-US" smtClean="0"/>
-              <a:t>2021/1/29</a:t>
+              <a:t>2021/1/30</a:t>
             </a:fld>
             <a:endParaRPr kumimoji="1" lang="ja-JP" altLang="en-US"/>
           </a:p>
@@ -4237,7 +7418,7 @@
           <a:p>
             <a:fld id="{E96D9F0A-2578-410E-B32A-F089453602AE}" type="datetimeFigureOut">
               <a:rPr kumimoji="1" lang="ja-JP" altLang="en-US" smtClean="0"/>
-              <a:t>2021/1/29</a:t>
+              <a:t>2021/1/30</a:t>
             </a:fld>
             <a:endParaRPr kumimoji="1" lang="ja-JP" altLang="en-US"/>
           </a:p>
@@ -4525,7 +7706,7 @@
           <a:p>
             <a:fld id="{E96D9F0A-2578-410E-B32A-F089453602AE}" type="datetimeFigureOut">
               <a:rPr kumimoji="1" lang="ja-JP" altLang="en-US" smtClean="0"/>
-              <a:t>2021/1/29</a:t>
+              <a:t>2021/1/30</a:t>
             </a:fld>
             <a:endParaRPr kumimoji="1" lang="ja-JP" altLang="en-US"/>
           </a:p>
@@ -4798,7 +7979,7 @@
           <a:p>
             <a:fld id="{E96D9F0A-2578-410E-B32A-F089453602AE}" type="datetimeFigureOut">
               <a:rPr kumimoji="1" lang="ja-JP" altLang="en-US" smtClean="0"/>
-              <a:t>2021/1/29</a:t>
+              <a:t>2021/1/30</a:t>
             </a:fld>
             <a:endParaRPr kumimoji="1" lang="ja-JP" altLang="en-US"/>
           </a:p>
@@ -7291,6 +10472,316 @@
 </p:sld>
 </file>
 
+<file path=ppt/slides/slide13.xml><?xml version="1.0" encoding="utf-8"?>
+<p:sld xmlns:a="http://schemas.openxmlformats.org/drawingml/2006/main" xmlns:r="http://schemas.openxmlformats.org/officeDocument/2006/relationships" xmlns:p="http://schemas.openxmlformats.org/presentationml/2006/main">
+  <p:cSld>
+    <p:spTree>
+      <p:nvGrpSpPr>
+        <p:cNvPr id="1" name=""/>
+        <p:cNvGrpSpPr/>
+        <p:nvPr/>
+      </p:nvGrpSpPr>
+      <p:grpSpPr>
+        <a:xfrm>
+          <a:off x="0" y="0"/>
+          <a:ext cx="0" cy="0"/>
+          <a:chOff x="0" y="0"/>
+          <a:chExt cx="0" cy="0"/>
+        </a:xfrm>
+      </p:grpSpPr>
+      <p:sp>
+        <p:nvSpPr>
+          <p:cNvPr id="2" name="タイトル 1">
+            <a:extLst>
+              <a:ext uri="{FF2B5EF4-FFF2-40B4-BE49-F238E27FC236}">
+                <a16:creationId xmlns:a16="http://schemas.microsoft.com/office/drawing/2014/main" id="{914EDC32-94DC-4A5D-817A-284B39B21BBD}"/>
+              </a:ext>
+            </a:extLst>
+          </p:cNvPr>
+          <p:cNvSpPr>
+            <a:spLocks noGrp="1"/>
+          </p:cNvSpPr>
+          <p:nvPr>
+            <p:ph type="title"/>
+          </p:nvPr>
+        </p:nvSpPr>
+        <p:spPr>
+          <a:xfrm>
+            <a:off x="0" y="18256"/>
+            <a:ext cx="10515600" cy="662782"/>
+          </a:xfrm>
+        </p:spPr>
+        <p:txBody>
+          <a:bodyPr>
+            <a:normAutofit/>
+          </a:bodyPr>
+          <a:lstStyle/>
+          <a:p>
+            <a:r>
+              <a:rPr kumimoji="1" lang="en-US" altLang="ja-JP" sz="3200" dirty="0"/>
+              <a:t>4.</a:t>
+            </a:r>
+            <a:r>
+              <a:rPr lang="ja-JP" altLang="en-US" sz="3200" dirty="0"/>
+              <a:t>資料</a:t>
+            </a:r>
+            <a:endParaRPr kumimoji="1" lang="ja-JP" altLang="en-US" sz="3200" dirty="0"/>
+          </a:p>
+        </p:txBody>
+      </p:sp>
+      <p:graphicFrame>
+        <p:nvGraphicFramePr>
+          <p:cNvPr id="34" name="グラフ 33">
+            <a:extLst>
+              <a:ext uri="{FF2B5EF4-FFF2-40B4-BE49-F238E27FC236}">
+                <a16:creationId xmlns:a16="http://schemas.microsoft.com/office/drawing/2014/main" id="{6D4D1AC4-70E9-4591-9A31-EB12F5BBF643}"/>
+              </a:ext>
+            </a:extLst>
+          </p:cNvPr>
+          <p:cNvGraphicFramePr>
+            <a:graphicFrameLocks/>
+          </p:cNvGraphicFramePr>
+          <p:nvPr>
+            <p:extLst>
+              <p:ext uri="{D42A27DB-BD31-4B8C-83A1-F6EECF244321}">
+                <p14:modId xmlns:p14="http://schemas.microsoft.com/office/powerpoint/2010/main" val="206672448"/>
+              </p:ext>
+            </p:extLst>
+          </p:nvPr>
+        </p:nvGraphicFramePr>
+        <p:xfrm>
+          <a:off x="6672590" y="440953"/>
+          <a:ext cx="4587502" cy="2857560"/>
+        </p:xfrm>
+        <a:graphic>
+          <a:graphicData uri="http://schemas.openxmlformats.org/drawingml/2006/chart">
+            <c:chart xmlns:c="http://schemas.openxmlformats.org/drawingml/2006/chart" xmlns:r="http://schemas.openxmlformats.org/officeDocument/2006/relationships" r:id="rId3"/>
+          </a:graphicData>
+        </a:graphic>
+      </p:graphicFrame>
+      <p:graphicFrame>
+        <p:nvGraphicFramePr>
+          <p:cNvPr id="35" name="グラフ 34">
+            <a:extLst>
+              <a:ext uri="{FF2B5EF4-FFF2-40B4-BE49-F238E27FC236}">
+                <a16:creationId xmlns:a16="http://schemas.microsoft.com/office/drawing/2014/main" id="{FB5B7856-EF12-49F6-A1C7-B146B62349E8}"/>
+              </a:ext>
+            </a:extLst>
+          </p:cNvPr>
+          <p:cNvGraphicFramePr>
+            <a:graphicFrameLocks/>
+          </p:cNvGraphicFramePr>
+          <p:nvPr>
+            <p:extLst>
+              <p:ext uri="{D42A27DB-BD31-4B8C-83A1-F6EECF244321}">
+                <p14:modId xmlns:p14="http://schemas.microsoft.com/office/powerpoint/2010/main" val="442945111"/>
+              </p:ext>
+            </p:extLst>
+          </p:nvPr>
+        </p:nvGraphicFramePr>
+        <p:xfrm>
+          <a:off x="6672590" y="3721210"/>
+          <a:ext cx="4536818" cy="2657661"/>
+        </p:xfrm>
+        <a:graphic>
+          <a:graphicData uri="http://schemas.openxmlformats.org/drawingml/2006/chart">
+            <c:chart xmlns:c="http://schemas.openxmlformats.org/drawingml/2006/chart" xmlns:r="http://schemas.openxmlformats.org/officeDocument/2006/relationships" r:id="rId4"/>
+          </a:graphicData>
+        </a:graphic>
+      </p:graphicFrame>
+      <p:graphicFrame>
+        <p:nvGraphicFramePr>
+          <p:cNvPr id="36" name="グラフ 35">
+            <a:extLst>
+              <a:ext uri="{FF2B5EF4-FFF2-40B4-BE49-F238E27FC236}">
+                <a16:creationId xmlns:a16="http://schemas.microsoft.com/office/drawing/2014/main" id="{19006E19-7A3D-48D5-8F18-463891C3301F}"/>
+              </a:ext>
+            </a:extLst>
+          </p:cNvPr>
+          <p:cNvGraphicFramePr>
+            <a:graphicFrameLocks/>
+          </p:cNvGraphicFramePr>
+          <p:nvPr>
+            <p:extLst>
+              <p:ext uri="{D42A27DB-BD31-4B8C-83A1-F6EECF244321}">
+                <p14:modId xmlns:p14="http://schemas.microsoft.com/office/powerpoint/2010/main" val="2121876655"/>
+              </p:ext>
+            </p:extLst>
+          </p:nvPr>
+        </p:nvGraphicFramePr>
+        <p:xfrm>
+          <a:off x="639458" y="681038"/>
+          <a:ext cx="4539993" cy="2664011"/>
+        </p:xfrm>
+        <a:graphic>
+          <a:graphicData uri="http://schemas.openxmlformats.org/drawingml/2006/chart">
+            <c:chart xmlns:c="http://schemas.openxmlformats.org/drawingml/2006/chart" xmlns:r="http://schemas.openxmlformats.org/officeDocument/2006/relationships" r:id="rId5"/>
+          </a:graphicData>
+        </a:graphic>
+      </p:graphicFrame>
+    </p:spTree>
+    <p:extLst>
+      <p:ext uri="{BB962C8B-B14F-4D97-AF65-F5344CB8AC3E}">
+        <p14:creationId xmlns:p14="http://schemas.microsoft.com/office/powerpoint/2010/main" val="490291361"/>
+      </p:ext>
+    </p:extLst>
+  </p:cSld>
+  <p:clrMapOvr>
+    <a:masterClrMapping/>
+  </p:clrMapOvr>
+</p:sld>
+</file>
+
+<file path=ppt/slides/slide14.xml><?xml version="1.0" encoding="utf-8"?>
+<p:sld xmlns:a="http://schemas.openxmlformats.org/drawingml/2006/main" xmlns:r="http://schemas.openxmlformats.org/officeDocument/2006/relationships" xmlns:p="http://schemas.openxmlformats.org/presentationml/2006/main">
+  <p:cSld>
+    <p:spTree>
+      <p:nvGrpSpPr>
+        <p:cNvPr id="1" name=""/>
+        <p:cNvGrpSpPr/>
+        <p:nvPr/>
+      </p:nvGrpSpPr>
+      <p:grpSpPr>
+        <a:xfrm>
+          <a:off x="0" y="0"/>
+          <a:ext cx="0" cy="0"/>
+          <a:chOff x="0" y="0"/>
+          <a:chExt cx="0" cy="0"/>
+        </a:xfrm>
+      </p:grpSpPr>
+      <p:sp>
+        <p:nvSpPr>
+          <p:cNvPr id="2" name="タイトル 1">
+            <a:extLst>
+              <a:ext uri="{FF2B5EF4-FFF2-40B4-BE49-F238E27FC236}">
+                <a16:creationId xmlns:a16="http://schemas.microsoft.com/office/drawing/2014/main" id="{914EDC32-94DC-4A5D-817A-284B39B21BBD}"/>
+              </a:ext>
+            </a:extLst>
+          </p:cNvPr>
+          <p:cNvSpPr>
+            <a:spLocks noGrp="1"/>
+          </p:cNvSpPr>
+          <p:nvPr>
+            <p:ph type="title"/>
+          </p:nvPr>
+        </p:nvSpPr>
+        <p:spPr>
+          <a:xfrm>
+            <a:off x="0" y="18256"/>
+            <a:ext cx="10515600" cy="662782"/>
+          </a:xfrm>
+        </p:spPr>
+        <p:txBody>
+          <a:bodyPr>
+            <a:normAutofit/>
+          </a:bodyPr>
+          <a:lstStyle/>
+          <a:p>
+            <a:r>
+              <a:rPr kumimoji="1" lang="en-US" altLang="ja-JP" sz="3200" dirty="0"/>
+              <a:t>4.</a:t>
+            </a:r>
+            <a:r>
+              <a:rPr lang="ja-JP" altLang="en-US" sz="3200" dirty="0"/>
+              <a:t>資料</a:t>
+            </a:r>
+            <a:endParaRPr kumimoji="1" lang="ja-JP" altLang="en-US" sz="3200" dirty="0"/>
+          </a:p>
+        </p:txBody>
+      </p:sp>
+    </p:spTree>
+    <p:extLst>
+      <p:ext uri="{BB962C8B-B14F-4D97-AF65-F5344CB8AC3E}">
+        <p14:creationId xmlns:p14="http://schemas.microsoft.com/office/powerpoint/2010/main" val="2864370265"/>
+      </p:ext>
+    </p:extLst>
+  </p:cSld>
+  <p:clrMapOvr>
+    <a:masterClrMapping/>
+  </p:clrMapOvr>
+</p:sld>
+</file>
+
+<file path=ppt/slides/slide15.xml><?xml version="1.0" encoding="utf-8"?>
+<p:sld xmlns:a="http://schemas.openxmlformats.org/drawingml/2006/main" xmlns:r="http://schemas.openxmlformats.org/officeDocument/2006/relationships" xmlns:p="http://schemas.openxmlformats.org/presentationml/2006/main">
+  <p:cSld>
+    <p:spTree>
+      <p:nvGrpSpPr>
+        <p:cNvPr id="1" name=""/>
+        <p:cNvGrpSpPr/>
+        <p:nvPr/>
+      </p:nvGrpSpPr>
+      <p:grpSpPr>
+        <a:xfrm>
+          <a:off x="0" y="0"/>
+          <a:ext cx="0" cy="0"/>
+          <a:chOff x="0" y="0"/>
+          <a:chExt cx="0" cy="0"/>
+        </a:xfrm>
+      </p:grpSpPr>
+      <p:sp>
+        <p:nvSpPr>
+          <p:cNvPr id="2" name="タイトル 1">
+            <a:extLst>
+              <a:ext uri="{FF2B5EF4-FFF2-40B4-BE49-F238E27FC236}">
+                <a16:creationId xmlns:a16="http://schemas.microsoft.com/office/drawing/2014/main" id="{299E0921-3DAD-4D02-B35E-4ADEBE787D64}"/>
+              </a:ext>
+            </a:extLst>
+          </p:cNvPr>
+          <p:cNvSpPr>
+            <a:spLocks noGrp="1"/>
+          </p:cNvSpPr>
+          <p:nvPr>
+            <p:ph type="title"/>
+          </p:nvPr>
+        </p:nvSpPr>
+        <p:spPr/>
+        <p:txBody>
+          <a:bodyPr/>
+          <a:lstStyle/>
+          <a:p>
+            <a:endParaRPr kumimoji="1" lang="ja-JP" altLang="en-US" dirty="0"/>
+          </a:p>
+        </p:txBody>
+      </p:sp>
+      <p:sp>
+        <p:nvSpPr>
+          <p:cNvPr id="3" name="コンテンツ プレースホルダー 2">
+            <a:extLst>
+              <a:ext uri="{FF2B5EF4-FFF2-40B4-BE49-F238E27FC236}">
+                <a16:creationId xmlns:a16="http://schemas.microsoft.com/office/drawing/2014/main" id="{FC948CC9-C213-41E3-B1A3-C1FEFAF7B50D}"/>
+              </a:ext>
+            </a:extLst>
+          </p:cNvPr>
+          <p:cNvSpPr>
+            <a:spLocks noGrp="1"/>
+          </p:cNvSpPr>
+          <p:nvPr>
+            <p:ph idx="1"/>
+          </p:nvPr>
+        </p:nvSpPr>
+        <p:spPr/>
+        <p:txBody>
+          <a:bodyPr/>
+          <a:lstStyle/>
+          <a:p>
+            <a:endParaRPr kumimoji="1" lang="ja-JP" altLang="en-US"/>
+          </a:p>
+        </p:txBody>
+      </p:sp>
+    </p:spTree>
+    <p:extLst>
+      <p:ext uri="{BB962C8B-B14F-4D97-AF65-F5344CB8AC3E}">
+        <p14:creationId xmlns:p14="http://schemas.microsoft.com/office/powerpoint/2010/main" val="240884993"/>
+      </p:ext>
+    </p:extLst>
+  </p:cSld>
+  <p:clrMapOvr>
+    <a:masterClrMapping/>
+  </p:clrMapOvr>
+</p:sld>
+</file>
+
 <file path=ppt/slides/slide2.xml><?xml version="1.0" encoding="utf-8"?>
 <p:sld xmlns:a="http://schemas.openxmlformats.org/drawingml/2006/main" xmlns:r="http://schemas.openxmlformats.org/officeDocument/2006/relationships" xmlns:p="http://schemas.openxmlformats.org/presentationml/2006/main">
   <p:cSld>
@@ -9688,8 +13179,8 @@
         </p:nvGrpSpPr>
         <p:grpSpPr>
           <a:xfrm>
-            <a:off x="2560297" y="2499143"/>
-            <a:ext cx="7071405" cy="2946506"/>
+            <a:off x="2195840" y="2512613"/>
+            <a:ext cx="7800320" cy="2220091"/>
             <a:chOff x="520304" y="2447924"/>
             <a:chExt cx="11147821" cy="2314575"/>
           </a:xfrm>
@@ -10161,8 +13652,8 @@
         </p:nvSpPr>
         <p:spPr>
           <a:xfrm>
-            <a:off x="1728500" y="1298622"/>
-            <a:ext cx="9895817" cy="646331"/>
+            <a:off x="372825" y="1412351"/>
+            <a:ext cx="9895817" cy="923330"/>
           </a:xfrm>
           <a:prstGeom prst="rect">
             <a:avLst/>
@@ -10184,17 +13675,228 @@
           <a:p>
             <a:r>
               <a:rPr lang="ja-JP" altLang="en-US" dirty="0"/>
-              <a:t>位置分解能を</a:t>
+              <a:t>・チャンネルトロンから別の手法に変更して、</a:t>
             </a:r>
             <a:r>
               <a:rPr lang="en-US" altLang="ja-JP" dirty="0"/>
-              <a:t>2[mm]</a:t>
+              <a:t>20</a:t>
             </a:r>
             <a:r>
               <a:rPr lang="ja-JP" altLang="en-US" dirty="0"/>
-              <a:t>以下にすることを目標とする。</a:t>
-            </a:r>
-            <a:endParaRPr kumimoji="1" lang="ja-JP" altLang="en-US" dirty="0"/>
+              <a:t>価まで分解能を向上させたい</a:t>
+            </a:r>
+            <a:endParaRPr lang="en-US" altLang="ja-JP" dirty="0"/>
+          </a:p>
+          <a:p>
+            <a:r>
+              <a:rPr kumimoji="1" lang="ja-JP" altLang="en-US" dirty="0"/>
+              <a:t>・先輩の研究でのクロストークの問題を検証する。</a:t>
+            </a:r>
+          </a:p>
+        </p:txBody>
+      </p:sp>
+      <p:sp>
+        <p:nvSpPr>
+          <p:cNvPr id="4" name="乗算記号 3">
+            <a:extLst>
+              <a:ext uri="{FF2B5EF4-FFF2-40B4-BE49-F238E27FC236}">
+                <a16:creationId xmlns:a16="http://schemas.microsoft.com/office/drawing/2014/main" id="{DCEAD608-AB4B-46FE-8F6D-4877601CBF98}"/>
+              </a:ext>
+            </a:extLst>
+          </p:cNvPr>
+          <p:cNvSpPr/>
+          <p:nvPr/>
+        </p:nvSpPr>
+        <p:spPr>
+          <a:xfrm>
+            <a:off x="3211389" y="2512613"/>
+            <a:ext cx="613163" cy="2220091"/>
+          </a:xfrm>
+          <a:prstGeom prst="mathMultiply">
+            <a:avLst>
+              <a:gd name="adj1" fmla="val 10882"/>
+            </a:avLst>
+          </a:prstGeom>
+          <a:solidFill>
+            <a:schemeClr val="tx1"/>
+          </a:solidFill>
+        </p:spPr>
+        <p:style>
+          <a:lnRef idx="2">
+            <a:schemeClr val="accent1">
+              <a:shade val="50000"/>
+            </a:schemeClr>
+          </a:lnRef>
+          <a:fillRef idx="1">
+            <a:schemeClr val="accent1"/>
+          </a:fillRef>
+          <a:effectRef idx="0">
+            <a:schemeClr val="accent1"/>
+          </a:effectRef>
+          <a:fontRef idx="minor">
+            <a:schemeClr val="lt1"/>
+          </a:fontRef>
+        </p:style>
+        <p:txBody>
+          <a:bodyPr rtlCol="0" anchor="ctr"/>
+          <a:lstStyle/>
+          <a:p>
+            <a:pPr algn="ctr"/>
+            <a:endParaRPr kumimoji="1" lang="ja-JP" altLang="en-US"/>
+          </a:p>
+        </p:txBody>
+      </p:sp>
+      <p:sp>
+        <p:nvSpPr>
+          <p:cNvPr id="16" name="フローチャート: 処理 15">
+            <a:extLst>
+              <a:ext uri="{FF2B5EF4-FFF2-40B4-BE49-F238E27FC236}">
+                <a16:creationId xmlns:a16="http://schemas.microsoft.com/office/drawing/2014/main" id="{5D01B922-14F9-4FF3-8E3F-C26C80DA0FD0}"/>
+              </a:ext>
+            </a:extLst>
+          </p:cNvPr>
+          <p:cNvSpPr/>
+          <p:nvPr/>
+        </p:nvSpPr>
+        <p:spPr>
+          <a:xfrm>
+            <a:off x="3141841" y="4859345"/>
+            <a:ext cx="657710" cy="1572574"/>
+          </a:xfrm>
+          <a:prstGeom prst="flowChartProcess">
+            <a:avLst/>
+          </a:prstGeom>
+          <a:ln/>
+        </p:spPr>
+        <p:style>
+          <a:lnRef idx="2">
+            <a:schemeClr val="accent1"/>
+          </a:lnRef>
+          <a:fillRef idx="1">
+            <a:schemeClr val="lt1"/>
+          </a:fillRef>
+          <a:effectRef idx="0">
+            <a:schemeClr val="accent1"/>
+          </a:effectRef>
+          <a:fontRef idx="minor">
+            <a:schemeClr val="dk1"/>
+          </a:fontRef>
+        </p:style>
+        <p:txBody>
+          <a:bodyPr vert="eaVert" rtlCol="0" anchor="ctr"/>
+          <a:lstStyle/>
+          <a:p>
+            <a:pPr algn="ctr"/>
+            <a:r>
+              <a:rPr kumimoji="1" lang="ja-JP" altLang="en-US" dirty="0">
+                <a:solidFill>
+                  <a:schemeClr val="tx1"/>
+                </a:solidFill>
+              </a:rPr>
+              <a:t>クロストークの検証</a:t>
+            </a:r>
+          </a:p>
+        </p:txBody>
+      </p:sp>
+      <p:sp>
+        <p:nvSpPr>
+          <p:cNvPr id="22" name="矢印: 上向き折線 21">
+            <a:extLst>
+              <a:ext uri="{FF2B5EF4-FFF2-40B4-BE49-F238E27FC236}">
+                <a16:creationId xmlns:a16="http://schemas.microsoft.com/office/drawing/2014/main" id="{6264E71D-76EE-4A98-AEED-9C3D1BCB7B1D}"/>
+              </a:ext>
+            </a:extLst>
+          </p:cNvPr>
+          <p:cNvSpPr/>
+          <p:nvPr/>
+        </p:nvSpPr>
+        <p:spPr>
+          <a:xfrm rot="5400000">
+            <a:off x="2268669" y="5037093"/>
+            <a:ext cx="995040" cy="582093"/>
+          </a:xfrm>
+          <a:prstGeom prst="bentUpArrow">
+            <a:avLst>
+              <a:gd name="adj1" fmla="val 47854"/>
+              <a:gd name="adj2" fmla="val 50000"/>
+              <a:gd name="adj3" fmla="val 28264"/>
+            </a:avLst>
+          </a:prstGeom>
+          <a:noFill/>
+        </p:spPr>
+        <p:style>
+          <a:lnRef idx="2">
+            <a:schemeClr val="accent1">
+              <a:shade val="50000"/>
+            </a:schemeClr>
+          </a:lnRef>
+          <a:fillRef idx="1">
+            <a:schemeClr val="accent1"/>
+          </a:fillRef>
+          <a:effectRef idx="0">
+            <a:schemeClr val="accent1"/>
+          </a:effectRef>
+          <a:fontRef idx="minor">
+            <a:schemeClr val="lt1"/>
+          </a:fontRef>
+        </p:style>
+        <p:txBody>
+          <a:bodyPr rtlCol="0" anchor="ctr"/>
+          <a:lstStyle/>
+          <a:p>
+            <a:pPr algn="ctr"/>
+            <a:endParaRPr kumimoji="1" lang="ja-JP" altLang="en-US"/>
+          </a:p>
+        </p:txBody>
+      </p:sp>
+      <p:sp>
+        <p:nvSpPr>
+          <p:cNvPr id="23" name="矢印: 上向き折線 22">
+            <a:extLst>
+              <a:ext uri="{FF2B5EF4-FFF2-40B4-BE49-F238E27FC236}">
+                <a16:creationId xmlns:a16="http://schemas.microsoft.com/office/drawing/2014/main" id="{E450F38E-F515-41F4-8967-A63540F9BF8E}"/>
+              </a:ext>
+            </a:extLst>
+          </p:cNvPr>
+          <p:cNvSpPr/>
+          <p:nvPr/>
+        </p:nvSpPr>
+        <p:spPr>
+          <a:xfrm>
+            <a:off x="4083669" y="4830619"/>
+            <a:ext cx="591453" cy="923329"/>
+          </a:xfrm>
+          <a:prstGeom prst="bentUpArrow">
+            <a:avLst>
+              <a:gd name="adj1" fmla="val 47854"/>
+              <a:gd name="adj2" fmla="val 50000"/>
+              <a:gd name="adj3" fmla="val 28264"/>
+            </a:avLst>
+          </a:prstGeom>
+          <a:noFill/>
+        </p:spPr>
+        <p:style>
+          <a:lnRef idx="2">
+            <a:schemeClr val="accent1">
+              <a:shade val="50000"/>
+            </a:schemeClr>
+          </a:lnRef>
+          <a:fillRef idx="1">
+            <a:schemeClr val="accent1"/>
+          </a:fillRef>
+          <a:effectRef idx="0">
+            <a:schemeClr val="accent1"/>
+          </a:effectRef>
+          <a:fontRef idx="minor">
+            <a:schemeClr val="lt1"/>
+          </a:fontRef>
+        </p:style>
+        <p:txBody>
+          <a:bodyPr rtlCol="0" anchor="ctr"/>
+          <a:lstStyle/>
+          <a:p>
+            <a:pPr algn="ctr"/>
+            <a:endParaRPr kumimoji="1" lang="ja-JP" altLang="en-US"/>
           </a:p>
         </p:txBody>
       </p:sp>
@@ -10212,396 +13914,6 @@
 </file>
 
 <file path=ppt/slides/slide5.xml><?xml version="1.0" encoding="utf-8"?>
-<p:sld xmlns:a="http://schemas.openxmlformats.org/drawingml/2006/main" xmlns:r="http://schemas.openxmlformats.org/officeDocument/2006/relationships" xmlns:p="http://schemas.openxmlformats.org/presentationml/2006/main">
-  <p:cSld>
-    <p:spTree>
-      <p:nvGrpSpPr>
-        <p:cNvPr id="1" name=""/>
-        <p:cNvGrpSpPr/>
-        <p:nvPr/>
-      </p:nvGrpSpPr>
-      <p:grpSpPr>
-        <a:xfrm>
-          <a:off x="0" y="0"/>
-          <a:ext cx="0" cy="0"/>
-          <a:chOff x="0" y="0"/>
-          <a:chExt cx="0" cy="0"/>
-        </a:xfrm>
-      </p:grpSpPr>
-      <p:sp>
-        <p:nvSpPr>
-          <p:cNvPr id="2" name="タイトル 1">
-            <a:extLst>
-              <a:ext uri="{FF2B5EF4-FFF2-40B4-BE49-F238E27FC236}">
-                <a16:creationId xmlns:a16="http://schemas.microsoft.com/office/drawing/2014/main" id="{914EDC32-94DC-4A5D-817A-284B39B21BBD}"/>
-              </a:ext>
-            </a:extLst>
-          </p:cNvPr>
-          <p:cNvSpPr>
-            <a:spLocks noGrp="1"/>
-          </p:cNvSpPr>
-          <p:nvPr>
-            <p:ph type="title"/>
-          </p:nvPr>
-        </p:nvSpPr>
-        <p:spPr>
-          <a:xfrm>
-            <a:off x="0" y="18256"/>
-            <a:ext cx="10515600" cy="662782"/>
-          </a:xfrm>
-        </p:spPr>
-        <p:txBody>
-          <a:bodyPr>
-            <a:normAutofit/>
-          </a:bodyPr>
-          <a:lstStyle/>
-          <a:p>
-            <a:r>
-              <a:rPr kumimoji="1" lang="en-US" altLang="ja-JP" sz="3200" dirty="0"/>
-              <a:t>2.</a:t>
-            </a:r>
-            <a:r>
-              <a:rPr kumimoji="1" lang="ja-JP" altLang="en-US" sz="3200" dirty="0"/>
-              <a:t>目的と方針</a:t>
-            </a:r>
-          </a:p>
-        </p:txBody>
-      </p:sp>
-      <p:sp>
-        <p:nvSpPr>
-          <p:cNvPr id="5" name="テキスト ボックス 4">
-            <a:extLst>
-              <a:ext uri="{FF2B5EF4-FFF2-40B4-BE49-F238E27FC236}">
-                <a16:creationId xmlns:a16="http://schemas.microsoft.com/office/drawing/2014/main" id="{3F077639-D6D1-4F79-816A-483E415C9242}"/>
-              </a:ext>
-            </a:extLst>
-          </p:cNvPr>
-          <p:cNvSpPr txBox="1"/>
-          <p:nvPr/>
-        </p:nvSpPr>
-        <p:spPr>
-          <a:xfrm>
-            <a:off x="699808" y="1680322"/>
-            <a:ext cx="2115671" cy="369332"/>
-          </a:xfrm>
-          <a:prstGeom prst="rect">
-            <a:avLst/>
-          </a:prstGeom>
-          <a:noFill/>
-        </p:spPr>
-        <p:txBody>
-          <a:bodyPr wrap="square" rtlCol="0">
-            <a:spAutoFit/>
-          </a:bodyPr>
-          <a:lstStyle/>
-          <a:p>
-            <a:r>
-              <a:rPr lang="ja-JP" altLang="en-US" dirty="0"/>
-              <a:t>前半の結果</a:t>
-            </a:r>
-            <a:endParaRPr kumimoji="1" lang="ja-JP" altLang="en-US" dirty="0"/>
-          </a:p>
-        </p:txBody>
-      </p:sp>
-      <p:grpSp>
-        <p:nvGrpSpPr>
-          <p:cNvPr id="6" name="グループ化 5">
-            <a:extLst>
-              <a:ext uri="{FF2B5EF4-FFF2-40B4-BE49-F238E27FC236}">
-                <a16:creationId xmlns:a16="http://schemas.microsoft.com/office/drawing/2014/main" id="{A6DFA881-AC39-401B-AA2A-56FF91AA29EB}"/>
-              </a:ext>
-            </a:extLst>
-          </p:cNvPr>
-          <p:cNvGrpSpPr/>
-          <p:nvPr/>
-        </p:nvGrpSpPr>
-        <p:grpSpPr>
-          <a:xfrm>
-            <a:off x="5257800" y="349647"/>
-            <a:ext cx="6620759" cy="4645630"/>
-            <a:chOff x="1676400" y="1091640"/>
-            <a:chExt cx="8808638" cy="5770887"/>
-          </a:xfrm>
-        </p:grpSpPr>
-        <p:pic>
-          <p:nvPicPr>
-            <p:cNvPr id="7" name="図 6" descr="グラフ, ヒストグラム&#10;&#10;自動的に生成された説明">
-              <a:extLst>
-                <a:ext uri="{FF2B5EF4-FFF2-40B4-BE49-F238E27FC236}">
-                  <a16:creationId xmlns:a16="http://schemas.microsoft.com/office/drawing/2014/main" id="{E1920106-56FC-4BA7-AEC9-6C9EF9110EF9}"/>
-                </a:ext>
-              </a:extLst>
-            </p:cNvPr>
-            <p:cNvPicPr>
-              <a:picLocks noChangeAspect="1"/>
-            </p:cNvPicPr>
-            <p:nvPr/>
-          </p:nvPicPr>
-          <p:blipFill rotWithShape="1">
-            <a:blip r:embed="rId3">
-              <a:extLst>
-                <a:ext uri="{28A0092B-C50C-407E-A947-70E740481C1C}">
-                  <a14:useLocalDpi xmlns:a14="http://schemas.microsoft.com/office/drawing/2010/main" val="0"/>
-                </a:ext>
-              </a:extLst>
-            </a:blip>
-            <a:srcRect l="4117" t="6367" r="2202" b="6934"/>
-            <a:stretch/>
-          </p:blipFill>
-          <p:spPr>
-            <a:xfrm>
-              <a:off x="1676400" y="1325563"/>
-              <a:ext cx="8808638" cy="5536964"/>
-            </a:xfrm>
-            <a:prstGeom prst="rect">
-              <a:avLst/>
-            </a:prstGeom>
-          </p:spPr>
-        </p:pic>
-        <p:grpSp>
-          <p:nvGrpSpPr>
-            <p:cNvPr id="8" name="グループ化 7">
-              <a:extLst>
-                <a:ext uri="{FF2B5EF4-FFF2-40B4-BE49-F238E27FC236}">
-                  <a16:creationId xmlns:a16="http://schemas.microsoft.com/office/drawing/2014/main" id="{B6A30F32-20AE-4DFF-A360-D328034D882C}"/>
-                </a:ext>
-              </a:extLst>
-            </p:cNvPr>
-            <p:cNvGrpSpPr/>
-            <p:nvPr/>
-          </p:nvGrpSpPr>
-          <p:grpSpPr>
-            <a:xfrm>
-              <a:off x="1877073" y="1091640"/>
-              <a:ext cx="6131908" cy="458792"/>
-              <a:chOff x="753938" y="1648102"/>
-              <a:chExt cx="6131908" cy="458792"/>
-            </a:xfrm>
-          </p:grpSpPr>
-          <p:sp>
-            <p:nvSpPr>
-              <p:cNvPr id="9" name="テキスト ボックス 8">
-                <a:extLst>
-                  <a:ext uri="{FF2B5EF4-FFF2-40B4-BE49-F238E27FC236}">
-                    <a16:creationId xmlns:a16="http://schemas.microsoft.com/office/drawing/2014/main" id="{A70FE8B2-E835-4317-9886-A50F3277BC5F}"/>
-                  </a:ext>
-                </a:extLst>
-              </p:cNvPr>
-              <p:cNvSpPr txBox="1"/>
-              <p:nvPr/>
-            </p:nvSpPr>
-            <p:spPr>
-              <a:xfrm>
-                <a:off x="753938" y="1648102"/>
-                <a:ext cx="1024519" cy="458792"/>
-              </a:xfrm>
-              <a:prstGeom prst="rect">
-                <a:avLst/>
-              </a:prstGeom>
-              <a:noFill/>
-            </p:spPr>
-            <p:txBody>
-              <a:bodyPr wrap="square" rtlCol="0">
-                <a:spAutoFit/>
-              </a:bodyPr>
-              <a:lstStyle/>
-              <a:p>
-                <a:r>
-                  <a:rPr lang="en-US" altLang="ja-JP" dirty="0"/>
-                  <a:t>20</a:t>
-                </a:r>
-                <a:r>
-                  <a:rPr kumimoji="1" lang="ja-JP" altLang="en-US" dirty="0"/>
-                  <a:t>価</a:t>
-                </a:r>
-              </a:p>
-            </p:txBody>
-          </p:sp>
-          <p:sp>
-            <p:nvSpPr>
-              <p:cNvPr id="10" name="テキスト ボックス 9">
-                <a:extLst>
-                  <a:ext uri="{FF2B5EF4-FFF2-40B4-BE49-F238E27FC236}">
-                    <a16:creationId xmlns:a16="http://schemas.microsoft.com/office/drawing/2014/main" id="{9A5E11BB-8506-42BF-8F0B-692D744EB9D1}"/>
-                  </a:ext>
-                </a:extLst>
-              </p:cNvPr>
-              <p:cNvSpPr txBox="1"/>
-              <p:nvPr/>
-            </p:nvSpPr>
-            <p:spPr>
-              <a:xfrm>
-                <a:off x="5481252" y="1692832"/>
-                <a:ext cx="1404594" cy="369332"/>
-              </a:xfrm>
-              <a:prstGeom prst="rect">
-                <a:avLst/>
-              </a:prstGeom>
-              <a:noFill/>
-            </p:spPr>
-            <p:txBody>
-              <a:bodyPr wrap="square" rtlCol="0">
-                <a:spAutoFit/>
-              </a:bodyPr>
-              <a:lstStyle/>
-              <a:p>
-                <a:r>
-                  <a:rPr kumimoji="1" lang="en-US" altLang="ja-JP" dirty="0"/>
-                  <a:t>1</a:t>
-                </a:r>
-                <a:r>
-                  <a:rPr kumimoji="1" lang="ja-JP" altLang="en-US" dirty="0"/>
-                  <a:t>価</a:t>
-                </a:r>
-              </a:p>
-            </p:txBody>
-          </p:sp>
-          <p:cxnSp>
-            <p:nvCxnSpPr>
-              <p:cNvPr id="11" name="直線矢印コネクタ 10">
-                <a:extLst>
-                  <a:ext uri="{FF2B5EF4-FFF2-40B4-BE49-F238E27FC236}">
-                    <a16:creationId xmlns:a16="http://schemas.microsoft.com/office/drawing/2014/main" id="{8DE1FBDF-E066-4310-9B46-C1D4DABCD293}"/>
-                  </a:ext>
-                </a:extLst>
-              </p:cNvPr>
-              <p:cNvCxnSpPr>
-                <a:cxnSpLocks/>
-                <a:stCxn id="9" idx="3"/>
-                <a:endCxn id="10" idx="1"/>
-              </p:cNvCxnSpPr>
-              <p:nvPr/>
-            </p:nvCxnSpPr>
-            <p:spPr>
-              <a:xfrm>
-                <a:off x="1778457" y="1877499"/>
-                <a:ext cx="3702795" cy="0"/>
-              </a:xfrm>
-              <a:prstGeom prst="straightConnector1">
-                <a:avLst/>
-              </a:prstGeom>
-              <a:ln w="19050">
-                <a:headEnd type="triangle"/>
-                <a:tailEnd type="triangle"/>
-              </a:ln>
-            </p:spPr>
-            <p:style>
-              <a:lnRef idx="1">
-                <a:schemeClr val="dk1"/>
-              </a:lnRef>
-              <a:fillRef idx="0">
-                <a:schemeClr val="dk1"/>
-              </a:fillRef>
-              <a:effectRef idx="0">
-                <a:schemeClr val="dk1"/>
-              </a:effectRef>
-              <a:fontRef idx="minor">
-                <a:schemeClr val="tx1"/>
-              </a:fontRef>
-            </p:style>
-          </p:cxnSp>
-        </p:grpSp>
-      </p:grpSp>
-      <p:sp>
-        <p:nvSpPr>
-          <p:cNvPr id="3" name="テキスト ボックス 2">
-            <a:extLst>
-              <a:ext uri="{FF2B5EF4-FFF2-40B4-BE49-F238E27FC236}">
-                <a16:creationId xmlns:a16="http://schemas.microsoft.com/office/drawing/2014/main" id="{88F667D0-6CAD-41AB-961F-41F907141805}"/>
-              </a:ext>
-            </a:extLst>
-          </p:cNvPr>
-          <p:cNvSpPr txBox="1"/>
-          <p:nvPr/>
-        </p:nvSpPr>
-        <p:spPr>
-          <a:xfrm>
-            <a:off x="1885949" y="5398156"/>
-            <a:ext cx="6608613" cy="369332"/>
-          </a:xfrm>
-          <a:prstGeom prst="rect">
-            <a:avLst/>
-          </a:prstGeom>
-          <a:noFill/>
-        </p:spPr>
-        <p:txBody>
-          <a:bodyPr wrap="square" rtlCol="0">
-            <a:spAutoFit/>
-          </a:bodyPr>
-          <a:lstStyle/>
-          <a:p>
-            <a:r>
-              <a:rPr kumimoji="1" lang="ja-JP" altLang="en-US" dirty="0"/>
-              <a:t>⇒位置分解能を</a:t>
-            </a:r>
-            <a:r>
-              <a:rPr kumimoji="1" lang="en-US" altLang="ja-JP" dirty="0"/>
-              <a:t>2mm</a:t>
-            </a:r>
-            <a:r>
-              <a:rPr kumimoji="1" lang="ja-JP" altLang="en-US" dirty="0"/>
-              <a:t>以下まで向上できればセパレートできる</a:t>
-            </a:r>
-          </a:p>
-        </p:txBody>
-      </p:sp>
-      <p:sp>
-        <p:nvSpPr>
-          <p:cNvPr id="4" name="テキスト ボックス 3">
-            <a:extLst>
-              <a:ext uri="{FF2B5EF4-FFF2-40B4-BE49-F238E27FC236}">
-                <a16:creationId xmlns:a16="http://schemas.microsoft.com/office/drawing/2014/main" id="{5B38600D-1712-452C-A1C5-57F240BDC4C5}"/>
-              </a:ext>
-            </a:extLst>
-          </p:cNvPr>
-          <p:cNvSpPr txBox="1"/>
-          <p:nvPr/>
-        </p:nvSpPr>
-        <p:spPr>
-          <a:xfrm>
-            <a:off x="892033" y="2804523"/>
-            <a:ext cx="4516597" cy="646331"/>
-          </a:xfrm>
-          <a:prstGeom prst="rect">
-            <a:avLst/>
-          </a:prstGeom>
-          <a:noFill/>
-        </p:spPr>
-        <p:txBody>
-          <a:bodyPr wrap="square" rtlCol="0">
-            <a:spAutoFit/>
-          </a:bodyPr>
-          <a:lstStyle/>
-          <a:p>
-            <a:r>
-              <a:rPr kumimoji="1" lang="ja-JP" altLang="en-US" dirty="0"/>
-              <a:t>現状の設定では</a:t>
-            </a:r>
-            <a:r>
-              <a:rPr kumimoji="1" lang="en-US" altLang="ja-JP" dirty="0"/>
-              <a:t>5mm</a:t>
-            </a:r>
-            <a:r>
-              <a:rPr kumimoji="1" lang="ja-JP" altLang="en-US" dirty="0"/>
-              <a:t>以上のセパレートができない</a:t>
-            </a:r>
-          </a:p>
-        </p:txBody>
-      </p:sp>
-    </p:spTree>
-    <p:extLst>
-      <p:ext uri="{BB962C8B-B14F-4D97-AF65-F5344CB8AC3E}">
-        <p14:creationId xmlns:p14="http://schemas.microsoft.com/office/powerpoint/2010/main" val="858992588"/>
-      </p:ext>
-    </p:extLst>
-  </p:cSld>
-  <p:clrMapOvr>
-    <a:masterClrMapping/>
-  </p:clrMapOvr>
-</p:sld>
-</file>
-
-<file path=ppt/slides/slide6.xml><?xml version="1.0" encoding="utf-8"?>
 <p:sld xmlns:a="http://schemas.openxmlformats.org/drawingml/2006/main" xmlns:r="http://schemas.openxmlformats.org/officeDocument/2006/relationships" xmlns:p="http://schemas.openxmlformats.org/presentationml/2006/main">
   <p:cSld>
     <p:spTree>
@@ -10806,7 +14118,7 @@
     </p:spTree>
     <p:extLst>
       <p:ext uri="{BB962C8B-B14F-4D97-AF65-F5344CB8AC3E}">
-        <p14:creationId xmlns:p14="http://schemas.microsoft.com/office/powerpoint/2010/main" val="549871897"/>
+        <p14:creationId xmlns:p14="http://schemas.microsoft.com/office/powerpoint/2010/main" val="2909339748"/>
       </p:ext>
     </p:extLst>
   </p:cSld>
@@ -10816,7 +14128,7 @@
 </p:sld>
 </file>
 
-<file path=ppt/slides/slide7.xml><?xml version="1.0" encoding="utf-8"?>
+<file path=ppt/slides/slide6.xml><?xml version="1.0" encoding="utf-8"?>
 <p:sld xmlns:a="http://schemas.openxmlformats.org/drawingml/2006/main" xmlns:r="http://schemas.openxmlformats.org/officeDocument/2006/relationships" xmlns:p="http://schemas.openxmlformats.org/presentationml/2006/main">
   <p:cSld>
     <p:spTree>
@@ -11815,6 +15127,29 @@
                 <a:rPr lang="en-US" altLang="ja-JP" dirty="0"/>
                 <a:t>P</a:t>
               </a:r>
+            </a:p>
+            <a:p>
+              <a:pPr algn="ctr"/>
+              <a:r>
+                <a:rPr kumimoji="1" lang="ja-JP" altLang="en-US" dirty="0"/>
+                <a:t>と</a:t>
+              </a:r>
+              <a:endParaRPr kumimoji="1" lang="en-US" altLang="ja-JP" dirty="0"/>
+            </a:p>
+            <a:p>
+              <a:pPr algn="ctr"/>
+              <a:r>
+                <a:rPr kumimoji="1" lang="ja-JP" altLang="en-US" dirty="0"/>
+                <a:t>電</a:t>
+              </a:r>
+              <a:endParaRPr kumimoji="1" lang="en-US" altLang="ja-JP" dirty="0"/>
+            </a:p>
+            <a:p>
+              <a:pPr algn="ctr"/>
+              <a:r>
+                <a:rPr kumimoji="1" lang="ja-JP" altLang="en-US" dirty="0"/>
+                <a:t>極</a:t>
+              </a:r>
               <a:endParaRPr kumimoji="1" lang="en-US" altLang="ja-JP" dirty="0"/>
             </a:p>
           </p:txBody>
@@ -11824,6 +15159,154 @@
     <p:extLst>
       <p:ext uri="{BB962C8B-B14F-4D97-AF65-F5344CB8AC3E}">
         <p14:creationId xmlns:p14="http://schemas.microsoft.com/office/powerpoint/2010/main" val="932110413"/>
+      </p:ext>
+    </p:extLst>
+  </p:cSld>
+  <p:clrMapOvr>
+    <a:masterClrMapping/>
+  </p:clrMapOvr>
+</p:sld>
+</file>
+
+<file path=ppt/slides/slide7.xml><?xml version="1.0" encoding="utf-8"?>
+<p:sld xmlns:a="http://schemas.openxmlformats.org/drawingml/2006/main" xmlns:r="http://schemas.openxmlformats.org/officeDocument/2006/relationships" xmlns:p="http://schemas.openxmlformats.org/presentationml/2006/main">
+  <p:cSld>
+    <p:spTree>
+      <p:nvGrpSpPr>
+        <p:cNvPr id="1" name=""/>
+        <p:cNvGrpSpPr/>
+        <p:nvPr/>
+      </p:nvGrpSpPr>
+      <p:grpSpPr>
+        <a:xfrm>
+          <a:off x="0" y="0"/>
+          <a:ext cx="0" cy="0"/>
+          <a:chOff x="0" y="0"/>
+          <a:chExt cx="0" cy="0"/>
+        </a:xfrm>
+      </p:grpSpPr>
+      <p:sp>
+        <p:nvSpPr>
+          <p:cNvPr id="2" name="タイトル 1">
+            <a:extLst>
+              <a:ext uri="{FF2B5EF4-FFF2-40B4-BE49-F238E27FC236}">
+                <a16:creationId xmlns:a16="http://schemas.microsoft.com/office/drawing/2014/main" id="{914EDC32-94DC-4A5D-817A-284B39B21BBD}"/>
+              </a:ext>
+            </a:extLst>
+          </p:cNvPr>
+          <p:cNvSpPr>
+            <a:spLocks noGrp="1"/>
+          </p:cNvSpPr>
+          <p:nvPr>
+            <p:ph type="title"/>
+          </p:nvPr>
+        </p:nvSpPr>
+        <p:spPr>
+          <a:xfrm>
+            <a:off x="0" y="18256"/>
+            <a:ext cx="10515600" cy="662782"/>
+          </a:xfrm>
+        </p:spPr>
+        <p:txBody>
+          <a:bodyPr>
+            <a:normAutofit/>
+          </a:bodyPr>
+          <a:lstStyle/>
+          <a:p>
+            <a:r>
+              <a:rPr lang="en-US" altLang="ja-JP" sz="3200" dirty="0"/>
+              <a:t>3</a:t>
+            </a:r>
+            <a:r>
+              <a:rPr kumimoji="1" lang="en-US" altLang="ja-JP" sz="3200" dirty="0"/>
+              <a:t>.</a:t>
+            </a:r>
+            <a:r>
+              <a:rPr lang="ja-JP" altLang="en-US" sz="3200" dirty="0"/>
+              <a:t>進捗</a:t>
+            </a:r>
+            <a:endParaRPr kumimoji="1" lang="ja-JP" altLang="en-US" sz="3200" dirty="0"/>
+          </a:p>
+        </p:txBody>
+      </p:sp>
+      <p:sp>
+        <p:nvSpPr>
+          <p:cNvPr id="4" name="テキスト ボックス 3">
+            <a:extLst>
+              <a:ext uri="{FF2B5EF4-FFF2-40B4-BE49-F238E27FC236}">
+                <a16:creationId xmlns:a16="http://schemas.microsoft.com/office/drawing/2014/main" id="{88396007-02B7-4A65-9208-B6E49B2AEC08}"/>
+              </a:ext>
+            </a:extLst>
+          </p:cNvPr>
+          <p:cNvSpPr txBox="1"/>
+          <p:nvPr/>
+        </p:nvSpPr>
+        <p:spPr>
+          <a:xfrm>
+            <a:off x="699247" y="914400"/>
+            <a:ext cx="3173506" cy="369332"/>
+          </a:xfrm>
+          <a:prstGeom prst="rect">
+            <a:avLst/>
+          </a:prstGeom>
+          <a:noFill/>
+        </p:spPr>
+        <p:txBody>
+          <a:bodyPr wrap="square" rtlCol="0">
+            <a:spAutoFit/>
+          </a:bodyPr>
+          <a:lstStyle/>
+          <a:p>
+            <a:r>
+              <a:rPr kumimoji="1" lang="en-US" altLang="ja-JP" dirty="0"/>
+              <a:t>MCP</a:t>
+            </a:r>
+            <a:r>
+              <a:rPr kumimoji="1" lang="ja-JP" altLang="en-US" dirty="0"/>
+              <a:t>からくるパルスの測定</a:t>
+            </a:r>
+          </a:p>
+        </p:txBody>
+      </p:sp>
+      <p:pic>
+        <p:nvPicPr>
+          <p:cNvPr id="27" name="図 26" descr="グラフィカル ユーザー インターフェイス, アプリケーション&#10;&#10;自動的に生成された説明">
+            <a:extLst>
+              <a:ext uri="{FF2B5EF4-FFF2-40B4-BE49-F238E27FC236}">
+                <a16:creationId xmlns:a16="http://schemas.microsoft.com/office/drawing/2014/main" id="{9D09043D-35E8-4C52-9C06-427D080F88E5}"/>
+              </a:ext>
+            </a:extLst>
+          </p:cNvPr>
+          <p:cNvPicPr>
+            <a:picLocks noChangeAspect="1"/>
+          </p:cNvPicPr>
+          <p:nvPr/>
+        </p:nvPicPr>
+        <p:blipFill rotWithShape="1">
+          <a:blip r:embed="rId3">
+            <a:extLst>
+              <a:ext uri="{28A0092B-C50C-407E-A947-70E740481C1C}">
+                <a14:useLocalDpi xmlns:a14="http://schemas.microsoft.com/office/drawing/2010/main" val="0"/>
+              </a:ext>
+            </a:extLst>
+          </a:blip>
+          <a:srcRect l="25697" b="10222"/>
+          <a:stretch/>
+        </p:blipFill>
+        <p:spPr>
+          <a:xfrm>
+            <a:off x="4311665" y="681038"/>
+            <a:ext cx="6797310" cy="6156960"/>
+          </a:xfrm>
+          <a:prstGeom prst="rect">
+            <a:avLst/>
+          </a:prstGeom>
+        </p:spPr>
+      </p:pic>
+    </p:spTree>
+    <p:extLst>
+      <p:ext uri="{BB962C8B-B14F-4D97-AF65-F5344CB8AC3E}">
+        <p14:creationId xmlns:p14="http://schemas.microsoft.com/office/powerpoint/2010/main" val="1908410375"/>
       </p:ext>
     </p:extLst>
   </p:cSld>
@@ -11879,27 +15362,22 @@
           <a:lstStyle/>
           <a:p>
             <a:r>
-              <a:rPr lang="en-US" altLang="ja-JP" sz="3200" dirty="0"/>
-              <a:t>3</a:t>
-            </a:r>
-            <a:r>
               <a:rPr kumimoji="1" lang="en-US" altLang="ja-JP" sz="3200" dirty="0"/>
-              <a:t>.</a:t>
-            </a:r>
-            <a:r>
-              <a:rPr lang="ja-JP" altLang="en-US" sz="3200" dirty="0"/>
-              <a:t>進捗</a:t>
-            </a:r>
-            <a:endParaRPr kumimoji="1" lang="ja-JP" altLang="en-US" sz="3200" dirty="0"/>
+              <a:t>2.</a:t>
+            </a:r>
+            <a:r>
+              <a:rPr kumimoji="1" lang="ja-JP" altLang="en-US" sz="3200" dirty="0"/>
+              <a:t>目的と方針</a:t>
+            </a:r>
           </a:p>
         </p:txBody>
       </p:sp>
       <p:sp>
         <p:nvSpPr>
-          <p:cNvPr id="4" name="テキスト ボックス 3">
+          <p:cNvPr id="5" name="テキスト ボックス 4">
             <a:extLst>
               <a:ext uri="{FF2B5EF4-FFF2-40B4-BE49-F238E27FC236}">
-                <a16:creationId xmlns:a16="http://schemas.microsoft.com/office/drawing/2014/main" id="{88396007-02B7-4A65-9208-B6E49B2AEC08}"/>
+                <a16:creationId xmlns:a16="http://schemas.microsoft.com/office/drawing/2014/main" id="{3F077639-D6D1-4F79-816A-483E415C9242}"/>
               </a:ext>
             </a:extLst>
           </p:cNvPr>
@@ -11908,8 +15386,8 @@
         </p:nvSpPr>
         <p:spPr>
           <a:xfrm>
-            <a:off x="699247" y="914400"/>
-            <a:ext cx="3173506" cy="369332"/>
+            <a:off x="699808" y="1680322"/>
+            <a:ext cx="2115671" cy="369332"/>
           </a:xfrm>
           <a:prstGeom prst="rect">
             <a:avLst/>
@@ -11923,55 +15401,302 @@
           <a:lstStyle/>
           <a:p>
             <a:r>
-              <a:rPr kumimoji="1" lang="en-US" altLang="ja-JP" dirty="0"/>
-              <a:t>MCP</a:t>
-            </a:r>
-            <a:r>
-              <a:rPr kumimoji="1" lang="ja-JP" altLang="en-US" dirty="0"/>
-              <a:t>からくるパルスの測定</a:t>
-            </a:r>
+              <a:rPr lang="ja-JP" altLang="en-US" dirty="0"/>
+              <a:t>前半の結果</a:t>
+            </a:r>
+            <a:endParaRPr kumimoji="1" lang="ja-JP" altLang="en-US" dirty="0"/>
           </a:p>
         </p:txBody>
       </p:sp>
-      <p:pic>
-        <p:nvPicPr>
-          <p:cNvPr id="27" name="図 26" descr="グラフィカル ユーザー インターフェイス, アプリケーション&#10;&#10;自動的に生成された説明">
+      <p:grpSp>
+        <p:nvGrpSpPr>
+          <p:cNvPr id="6" name="グループ化 5">
             <a:extLst>
               <a:ext uri="{FF2B5EF4-FFF2-40B4-BE49-F238E27FC236}">
-                <a16:creationId xmlns:a16="http://schemas.microsoft.com/office/drawing/2014/main" id="{9D09043D-35E8-4C52-9C06-427D080F88E5}"/>
+                <a16:creationId xmlns:a16="http://schemas.microsoft.com/office/drawing/2014/main" id="{A6DFA881-AC39-401B-AA2A-56FF91AA29EB}"/>
               </a:ext>
             </a:extLst>
           </p:cNvPr>
-          <p:cNvPicPr>
-            <a:picLocks noChangeAspect="1"/>
-          </p:cNvPicPr>
+          <p:cNvGrpSpPr/>
           <p:nvPr/>
-        </p:nvPicPr>
-        <p:blipFill rotWithShape="1">
-          <a:blip r:embed="rId3">
+        </p:nvGrpSpPr>
+        <p:grpSpPr>
+          <a:xfrm>
+            <a:off x="5257800" y="349647"/>
+            <a:ext cx="6620759" cy="4645630"/>
+            <a:chOff x="1676400" y="1091640"/>
+            <a:chExt cx="8808638" cy="5770887"/>
+          </a:xfrm>
+        </p:grpSpPr>
+        <p:pic>
+          <p:nvPicPr>
+            <p:cNvPr id="7" name="図 6" descr="グラフ, ヒストグラム&#10;&#10;自動的に生成された説明">
+              <a:extLst>
+                <a:ext uri="{FF2B5EF4-FFF2-40B4-BE49-F238E27FC236}">
+                  <a16:creationId xmlns:a16="http://schemas.microsoft.com/office/drawing/2014/main" id="{E1920106-56FC-4BA7-AEC9-6C9EF9110EF9}"/>
+                </a:ext>
+              </a:extLst>
+            </p:cNvPr>
+            <p:cNvPicPr>
+              <a:picLocks noChangeAspect="1"/>
+            </p:cNvPicPr>
+            <p:nvPr/>
+          </p:nvPicPr>
+          <p:blipFill rotWithShape="1">
+            <a:blip r:embed="rId3">
+              <a:extLst>
+                <a:ext uri="{28A0092B-C50C-407E-A947-70E740481C1C}">
+                  <a14:useLocalDpi xmlns:a14="http://schemas.microsoft.com/office/drawing/2010/main" val="0"/>
+                </a:ext>
+              </a:extLst>
+            </a:blip>
+            <a:srcRect l="4117" t="6367" r="2202" b="6934"/>
+            <a:stretch/>
+          </p:blipFill>
+          <p:spPr>
+            <a:xfrm>
+              <a:off x="1676400" y="1325563"/>
+              <a:ext cx="8808638" cy="5536964"/>
+            </a:xfrm>
+            <a:prstGeom prst="rect">
+              <a:avLst/>
+            </a:prstGeom>
+          </p:spPr>
+        </p:pic>
+        <p:grpSp>
+          <p:nvGrpSpPr>
+            <p:cNvPr id="8" name="グループ化 7">
+              <a:extLst>
+                <a:ext uri="{FF2B5EF4-FFF2-40B4-BE49-F238E27FC236}">
+                  <a16:creationId xmlns:a16="http://schemas.microsoft.com/office/drawing/2014/main" id="{B6A30F32-20AE-4DFF-A360-D328034D882C}"/>
+                </a:ext>
+              </a:extLst>
+            </p:cNvPr>
+            <p:cNvGrpSpPr/>
+            <p:nvPr/>
+          </p:nvGrpSpPr>
+          <p:grpSpPr>
+            <a:xfrm>
+              <a:off x="1877073" y="1091640"/>
+              <a:ext cx="6131908" cy="458792"/>
+              <a:chOff x="753938" y="1648102"/>
+              <a:chExt cx="6131908" cy="458792"/>
+            </a:xfrm>
+          </p:grpSpPr>
+          <p:sp>
+            <p:nvSpPr>
+              <p:cNvPr id="9" name="テキスト ボックス 8">
+                <a:extLst>
+                  <a:ext uri="{FF2B5EF4-FFF2-40B4-BE49-F238E27FC236}">
+                    <a16:creationId xmlns:a16="http://schemas.microsoft.com/office/drawing/2014/main" id="{A70FE8B2-E835-4317-9886-A50F3277BC5F}"/>
+                  </a:ext>
+                </a:extLst>
+              </p:cNvPr>
+              <p:cNvSpPr txBox="1"/>
+              <p:nvPr/>
+            </p:nvSpPr>
+            <p:spPr>
+              <a:xfrm>
+                <a:off x="753938" y="1648102"/>
+                <a:ext cx="1024519" cy="458792"/>
+              </a:xfrm>
+              <a:prstGeom prst="rect">
+                <a:avLst/>
+              </a:prstGeom>
+              <a:noFill/>
+            </p:spPr>
+            <p:txBody>
+              <a:bodyPr wrap="square" rtlCol="0">
+                <a:spAutoFit/>
+              </a:bodyPr>
+              <a:lstStyle/>
+              <a:p>
+                <a:r>
+                  <a:rPr lang="en-US" altLang="ja-JP" dirty="0"/>
+                  <a:t>20</a:t>
+                </a:r>
+                <a:r>
+                  <a:rPr kumimoji="1" lang="ja-JP" altLang="en-US" dirty="0"/>
+                  <a:t>価</a:t>
+                </a:r>
+              </a:p>
+            </p:txBody>
+          </p:sp>
+          <p:sp>
+            <p:nvSpPr>
+              <p:cNvPr id="10" name="テキスト ボックス 9">
+                <a:extLst>
+                  <a:ext uri="{FF2B5EF4-FFF2-40B4-BE49-F238E27FC236}">
+                    <a16:creationId xmlns:a16="http://schemas.microsoft.com/office/drawing/2014/main" id="{9A5E11BB-8506-42BF-8F0B-692D744EB9D1}"/>
+                  </a:ext>
+                </a:extLst>
+              </p:cNvPr>
+              <p:cNvSpPr txBox="1"/>
+              <p:nvPr/>
+            </p:nvSpPr>
+            <p:spPr>
+              <a:xfrm>
+                <a:off x="5481252" y="1692832"/>
+                <a:ext cx="1404594" cy="369332"/>
+              </a:xfrm>
+              <a:prstGeom prst="rect">
+                <a:avLst/>
+              </a:prstGeom>
+              <a:noFill/>
+            </p:spPr>
+            <p:txBody>
+              <a:bodyPr wrap="square" rtlCol="0">
+                <a:spAutoFit/>
+              </a:bodyPr>
+              <a:lstStyle/>
+              <a:p>
+                <a:r>
+                  <a:rPr kumimoji="1" lang="en-US" altLang="ja-JP" dirty="0"/>
+                  <a:t>1</a:t>
+                </a:r>
+                <a:r>
+                  <a:rPr kumimoji="1" lang="ja-JP" altLang="en-US" dirty="0"/>
+                  <a:t>価</a:t>
+                </a:r>
+              </a:p>
+            </p:txBody>
+          </p:sp>
+          <p:cxnSp>
+            <p:nvCxnSpPr>
+              <p:cNvPr id="11" name="直線矢印コネクタ 10">
+                <a:extLst>
+                  <a:ext uri="{FF2B5EF4-FFF2-40B4-BE49-F238E27FC236}">
+                    <a16:creationId xmlns:a16="http://schemas.microsoft.com/office/drawing/2014/main" id="{8DE1FBDF-E066-4310-9B46-C1D4DABCD293}"/>
+                  </a:ext>
+                </a:extLst>
+              </p:cNvPr>
+              <p:cNvCxnSpPr>
+                <a:cxnSpLocks/>
+                <a:stCxn id="9" idx="3"/>
+                <a:endCxn id="10" idx="1"/>
+              </p:cNvCxnSpPr>
+              <p:nvPr/>
+            </p:nvCxnSpPr>
+            <p:spPr>
+              <a:xfrm>
+                <a:off x="1778457" y="1877499"/>
+                <a:ext cx="3702795" cy="0"/>
+              </a:xfrm>
+              <a:prstGeom prst="straightConnector1">
+                <a:avLst/>
+              </a:prstGeom>
+              <a:ln w="19050">
+                <a:headEnd type="triangle"/>
+                <a:tailEnd type="triangle"/>
+              </a:ln>
+            </p:spPr>
+            <p:style>
+              <a:lnRef idx="1">
+                <a:schemeClr val="dk1"/>
+              </a:lnRef>
+              <a:fillRef idx="0">
+                <a:schemeClr val="dk1"/>
+              </a:fillRef>
+              <a:effectRef idx="0">
+                <a:schemeClr val="dk1"/>
+              </a:effectRef>
+              <a:fontRef idx="minor">
+                <a:schemeClr val="tx1"/>
+              </a:fontRef>
+            </p:style>
+          </p:cxnSp>
+        </p:grpSp>
+      </p:grpSp>
+      <p:sp>
+        <p:nvSpPr>
+          <p:cNvPr id="3" name="テキスト ボックス 2">
             <a:extLst>
-              <a:ext uri="{28A0092B-C50C-407E-A947-70E740481C1C}">
-                <a14:useLocalDpi xmlns:a14="http://schemas.microsoft.com/office/drawing/2010/main" val="0"/>
+              <a:ext uri="{FF2B5EF4-FFF2-40B4-BE49-F238E27FC236}">
+                <a16:creationId xmlns:a16="http://schemas.microsoft.com/office/drawing/2014/main" id="{88F667D0-6CAD-41AB-961F-41F907141805}"/>
               </a:ext>
             </a:extLst>
-          </a:blip>
-          <a:srcRect l="25697" b="10222"/>
-          <a:stretch/>
-        </p:blipFill>
+          </p:cNvPr>
+          <p:cNvSpPr txBox="1"/>
+          <p:nvPr/>
+        </p:nvSpPr>
         <p:spPr>
           <a:xfrm>
-            <a:off x="4311665" y="681038"/>
-            <a:ext cx="6797310" cy="6156960"/>
+            <a:off x="1885949" y="5398156"/>
+            <a:ext cx="6608613" cy="369332"/>
           </a:xfrm>
           <a:prstGeom prst="rect">
             <a:avLst/>
           </a:prstGeom>
+          <a:noFill/>
         </p:spPr>
-      </p:pic>
+        <p:txBody>
+          <a:bodyPr wrap="square" rtlCol="0">
+            <a:spAutoFit/>
+          </a:bodyPr>
+          <a:lstStyle/>
+          <a:p>
+            <a:r>
+              <a:rPr kumimoji="1" lang="ja-JP" altLang="en-US" dirty="0"/>
+              <a:t>⇒位置分解能を</a:t>
+            </a:r>
+            <a:r>
+              <a:rPr kumimoji="1" lang="en-US" altLang="ja-JP" dirty="0"/>
+              <a:t>2mm</a:t>
+            </a:r>
+            <a:r>
+              <a:rPr kumimoji="1" lang="ja-JP" altLang="en-US" dirty="0"/>
+              <a:t>以下まで向上できればセパレートできる</a:t>
+            </a:r>
+          </a:p>
+        </p:txBody>
+      </p:sp>
+      <p:sp>
+        <p:nvSpPr>
+          <p:cNvPr id="4" name="テキスト ボックス 3">
+            <a:extLst>
+              <a:ext uri="{FF2B5EF4-FFF2-40B4-BE49-F238E27FC236}">
+                <a16:creationId xmlns:a16="http://schemas.microsoft.com/office/drawing/2014/main" id="{5B38600D-1712-452C-A1C5-57F240BDC4C5}"/>
+              </a:ext>
+            </a:extLst>
+          </p:cNvPr>
+          <p:cNvSpPr txBox="1"/>
+          <p:nvPr/>
+        </p:nvSpPr>
+        <p:spPr>
+          <a:xfrm>
+            <a:off x="892033" y="2804523"/>
+            <a:ext cx="4516597" cy="646331"/>
+          </a:xfrm>
+          <a:prstGeom prst="rect">
+            <a:avLst/>
+          </a:prstGeom>
+          <a:noFill/>
+        </p:spPr>
+        <p:txBody>
+          <a:bodyPr wrap="square" rtlCol="0">
+            <a:spAutoFit/>
+          </a:bodyPr>
+          <a:lstStyle/>
+          <a:p>
+            <a:r>
+              <a:rPr kumimoji="1" lang="ja-JP" altLang="en-US" dirty="0"/>
+              <a:t>現状の設定では</a:t>
+            </a:r>
+            <a:r>
+              <a:rPr kumimoji="1" lang="en-US" altLang="ja-JP" dirty="0"/>
+              <a:t>5mm</a:t>
+            </a:r>
+            <a:r>
+              <a:rPr kumimoji="1" lang="ja-JP" altLang="en-US" dirty="0"/>
+              <a:t>以上のセパレートができない</a:t>
+            </a:r>
+          </a:p>
+        </p:txBody>
+      </p:sp>
     </p:spTree>
     <p:extLst>
       <p:ext uri="{BB962C8B-B14F-4D97-AF65-F5344CB8AC3E}">
-        <p14:creationId xmlns:p14="http://schemas.microsoft.com/office/powerpoint/2010/main" val="1908410375"/>
+        <p14:creationId xmlns:p14="http://schemas.microsoft.com/office/powerpoint/2010/main" val="858992588"/>
       </p:ext>
     </p:extLst>
   </p:cSld>
